--- a/Presentation.pptx
+++ b/Presentation.pptx
@@ -123,6 +123,11 @@
       </a:defRPr>
     </a:lvl9pPr>
   </p:defaultTextStyle>
+  <p:extLst>
+    <p:ext uri="{EFAFB233-063F-42B5-8137-9DF3F51BA10A}">
+      <p15:sldGuideLst xmlns:p15="http://schemas.microsoft.com/office/powerpoint/2012/main"/>
+    </p:ext>
+  </p:extLst>
 </p:presentation>
 </file>
 
@@ -9048,7 +9053,7 @@
           <a:p>
             <a:fld id="{6D16321A-CE27-1C42-A989-E345C30D693A}" type="datetimeFigureOut">
               <a:rPr lang="en-US" smtClean="0"/>
-              <a:t>10/2/2022</a:t>
+              <a:t>10/3/2022</a:t>
             </a:fld>
             <a:endParaRPr lang="en-US"/>
           </a:p>
@@ -10590,7 +10595,7 @@
           <a:p>
             <a:fld id="{DA0E843B-100A-3141-A390-74A093F2D2C8}" type="datetimeFigureOut">
               <a:rPr lang="en-US" smtClean="0"/>
-              <a:t>10/2/2022</a:t>
+              <a:t>10/3/2022</a:t>
             </a:fld>
             <a:endParaRPr lang="en-US"/>
           </a:p>
@@ -10790,7 +10795,7 @@
           <a:p>
             <a:fld id="{DA0E843B-100A-3141-A390-74A093F2D2C8}" type="datetimeFigureOut">
               <a:rPr lang="en-US" smtClean="0"/>
-              <a:t>10/2/2022</a:t>
+              <a:t>10/3/2022</a:t>
             </a:fld>
             <a:endParaRPr lang="en-US"/>
           </a:p>
@@ -11000,7 +11005,7 @@
           <a:p>
             <a:fld id="{DA0E843B-100A-3141-A390-74A093F2D2C8}" type="datetimeFigureOut">
               <a:rPr lang="en-US" smtClean="0"/>
-              <a:t>10/2/2022</a:t>
+              <a:t>10/3/2022</a:t>
             </a:fld>
             <a:endParaRPr lang="en-US"/>
           </a:p>
@@ -11413,7 +11418,7 @@
           <a:p>
             <a:fld id="{DA0E843B-100A-3141-A390-74A093F2D2C8}" type="datetimeFigureOut">
               <a:rPr lang="en-US" smtClean="0"/>
-              <a:t>10/2/2022</a:t>
+              <a:t>10/3/2022</a:t>
             </a:fld>
             <a:endParaRPr lang="en-US"/>
           </a:p>
@@ -11689,7 +11694,7 @@
           <a:p>
             <a:fld id="{DA0E843B-100A-3141-A390-74A093F2D2C8}" type="datetimeFigureOut">
               <a:rPr lang="en-US" smtClean="0"/>
-              <a:t>10/2/2022</a:t>
+              <a:t>10/3/2022</a:t>
             </a:fld>
             <a:endParaRPr lang="en-US"/>
           </a:p>
@@ -11957,7 +11962,7 @@
           <a:p>
             <a:fld id="{DA0E843B-100A-3141-A390-74A093F2D2C8}" type="datetimeFigureOut">
               <a:rPr lang="en-US" smtClean="0"/>
-              <a:t>10/2/2022</a:t>
+              <a:t>10/3/2022</a:t>
             </a:fld>
             <a:endParaRPr lang="en-US"/>
           </a:p>
@@ -12372,7 +12377,7 @@
           <a:p>
             <a:fld id="{DA0E843B-100A-3141-A390-74A093F2D2C8}" type="datetimeFigureOut">
               <a:rPr lang="en-US" smtClean="0"/>
-              <a:t>10/2/2022</a:t>
+              <a:t>10/3/2022</a:t>
             </a:fld>
             <a:endParaRPr lang="en-US"/>
           </a:p>
@@ -12514,7 +12519,7 @@
           <a:p>
             <a:fld id="{DA0E843B-100A-3141-A390-74A093F2D2C8}" type="datetimeFigureOut">
               <a:rPr lang="en-US" smtClean="0"/>
-              <a:t>10/2/2022</a:t>
+              <a:t>10/3/2022</a:t>
             </a:fld>
             <a:endParaRPr lang="en-US"/>
           </a:p>
@@ -12627,7 +12632,7 @@
           <a:p>
             <a:fld id="{DA0E843B-100A-3141-A390-74A093F2D2C8}" type="datetimeFigureOut">
               <a:rPr lang="en-US" smtClean="0"/>
-              <a:t>10/2/2022</a:t>
+              <a:t>10/3/2022</a:t>
             </a:fld>
             <a:endParaRPr lang="en-US"/>
           </a:p>
@@ -12940,7 +12945,7 @@
           <a:p>
             <a:fld id="{DA0E843B-100A-3141-A390-74A093F2D2C8}" type="datetimeFigureOut">
               <a:rPr lang="en-US" smtClean="0"/>
-              <a:t>10/2/2022</a:t>
+              <a:t>10/3/2022</a:t>
             </a:fld>
             <a:endParaRPr lang="en-US"/>
           </a:p>
@@ -13229,7 +13234,7 @@
           <a:p>
             <a:fld id="{DA0E843B-100A-3141-A390-74A093F2D2C8}" type="datetimeFigureOut">
               <a:rPr lang="en-US" smtClean="0"/>
-              <a:t>10/2/2022</a:t>
+              <a:t>10/3/2022</a:t>
             </a:fld>
             <a:endParaRPr lang="en-US"/>
           </a:p>
@@ -13472,7 +13477,7 @@
           <a:p>
             <a:fld id="{DA0E843B-100A-3141-A390-74A093F2D2C8}" type="datetimeFigureOut">
               <a:rPr lang="en-US" smtClean="0"/>
-              <a:t>10/2/2022</a:t>
+              <a:t>10/3/2022</a:t>
             </a:fld>
             <a:endParaRPr lang="en-US"/>
           </a:p>
@@ -13961,7 +13966,7 @@
         </p:nvSpPr>
         <p:spPr>
           <a:xfrm>
-            <a:off x="1066777" y="4960004"/>
+            <a:off x="6476988" y="5058382"/>
             <a:ext cx="2300678" cy="400110"/>
           </a:xfrm>
           <a:prstGeom prst="rect">
@@ -14239,7 +14244,7 @@
         </p:nvSpPr>
         <p:spPr>
           <a:xfrm>
-            <a:off x="1066778" y="5520047"/>
+            <a:off x="6476988" y="5520047"/>
             <a:ext cx="3698654" cy="707886"/>
           </a:xfrm>
           <a:prstGeom prst="rect">
@@ -14310,7 +14315,7 @@
         </p:nvSpPr>
         <p:spPr>
           <a:xfrm>
-            <a:off x="5023594" y="5520047"/>
+            <a:off x="9384579" y="5520047"/>
             <a:ext cx="3302721" cy="707886"/>
           </a:xfrm>
           <a:prstGeom prst="rect">
@@ -14341,6 +14346,206 @@
               <a:t>4. Maviya Qureshi - 86</a:t>
             </a:r>
             <a:endParaRPr lang="en-US" sz="2000" dirty="0">
+              <a:latin typeface="Oxygen" panose="02000503000000000000" pitchFamily="2" charset="77"/>
+            </a:endParaRPr>
+          </a:p>
+        </p:txBody>
+      </p:sp>
+      <p:sp>
+        <p:nvSpPr>
+          <p:cNvPr id="2" name="TextBox 1">
+            <a:extLst>
+              <a:ext uri="{FF2B5EF4-FFF2-40B4-BE49-F238E27FC236}">
+                <a16:creationId xmlns:a16="http://schemas.microsoft.com/office/drawing/2014/main" id="{6C9B5C5C-610F-3400-6D2D-36EB19719739}"/>
+              </a:ext>
+            </a:extLst>
+          </p:cNvPr>
+          <p:cNvSpPr txBox="1"/>
+          <p:nvPr/>
+        </p:nvSpPr>
+        <p:spPr>
+          <a:xfrm>
+            <a:off x="1066777" y="5056109"/>
+            <a:ext cx="2300678" cy="400110"/>
+          </a:xfrm>
+          <a:prstGeom prst="rect">
+            <a:avLst/>
+          </a:prstGeom>
+          <a:noFill/>
+          <a:ln>
+            <a:noFill/>
+          </a:ln>
+        </p:spPr>
+        <p:txBody>
+          <a:bodyPr wrap="square" rtlCol="0">
+            <a:spAutoFit/>
+          </a:bodyPr>
+          <a:lstStyle>
+            <a:defPPr>
+              <a:defRPr lang="en-US"/>
+            </a:defPPr>
+            <a:lvl1pPr marL="0" algn="l" defTabSz="914400" rtl="0" eaLnBrk="1" latinLnBrk="0" hangingPunct="1">
+              <a:defRPr sz="1800" kern="1200">
+                <a:solidFill>
+                  <a:schemeClr val="tx1"/>
+                </a:solidFill>
+                <a:latin typeface="+mn-lt"/>
+                <a:ea typeface="+mn-ea"/>
+                <a:cs typeface="+mn-cs"/>
+              </a:defRPr>
+            </a:lvl1pPr>
+            <a:lvl2pPr marL="457200" algn="l" defTabSz="914400" rtl="0" eaLnBrk="1" latinLnBrk="0" hangingPunct="1">
+              <a:defRPr sz="1800" kern="1200">
+                <a:solidFill>
+                  <a:schemeClr val="tx1"/>
+                </a:solidFill>
+                <a:latin typeface="+mn-lt"/>
+                <a:ea typeface="+mn-ea"/>
+                <a:cs typeface="+mn-cs"/>
+              </a:defRPr>
+            </a:lvl2pPr>
+            <a:lvl3pPr marL="914400" algn="l" defTabSz="914400" rtl="0" eaLnBrk="1" latinLnBrk="0" hangingPunct="1">
+              <a:defRPr sz="1800" kern="1200">
+                <a:solidFill>
+                  <a:schemeClr val="tx1"/>
+                </a:solidFill>
+                <a:latin typeface="+mn-lt"/>
+                <a:ea typeface="+mn-ea"/>
+                <a:cs typeface="+mn-cs"/>
+              </a:defRPr>
+            </a:lvl3pPr>
+            <a:lvl4pPr marL="1371600" algn="l" defTabSz="914400" rtl="0" eaLnBrk="1" latinLnBrk="0" hangingPunct="1">
+              <a:defRPr sz="1800" kern="1200">
+                <a:solidFill>
+                  <a:schemeClr val="tx1"/>
+                </a:solidFill>
+                <a:latin typeface="+mn-lt"/>
+                <a:ea typeface="+mn-ea"/>
+                <a:cs typeface="+mn-cs"/>
+              </a:defRPr>
+            </a:lvl4pPr>
+            <a:lvl5pPr marL="1828800" algn="l" defTabSz="914400" rtl="0" eaLnBrk="1" latinLnBrk="0" hangingPunct="1">
+              <a:defRPr sz="1800" kern="1200">
+                <a:solidFill>
+                  <a:schemeClr val="tx1"/>
+                </a:solidFill>
+                <a:latin typeface="+mn-lt"/>
+                <a:ea typeface="+mn-ea"/>
+                <a:cs typeface="+mn-cs"/>
+              </a:defRPr>
+            </a:lvl5pPr>
+            <a:lvl6pPr marL="2286000" algn="l" defTabSz="914400" rtl="0" eaLnBrk="1" latinLnBrk="0" hangingPunct="1">
+              <a:defRPr sz="1800" kern="1200">
+                <a:solidFill>
+                  <a:schemeClr val="tx1"/>
+                </a:solidFill>
+                <a:latin typeface="+mn-lt"/>
+                <a:ea typeface="+mn-ea"/>
+                <a:cs typeface="+mn-cs"/>
+              </a:defRPr>
+            </a:lvl6pPr>
+            <a:lvl7pPr marL="2743200" algn="l" defTabSz="914400" rtl="0" eaLnBrk="1" latinLnBrk="0" hangingPunct="1">
+              <a:defRPr sz="1800" kern="1200">
+                <a:solidFill>
+                  <a:schemeClr val="tx1"/>
+                </a:solidFill>
+                <a:latin typeface="+mn-lt"/>
+                <a:ea typeface="+mn-ea"/>
+                <a:cs typeface="+mn-cs"/>
+              </a:defRPr>
+            </a:lvl7pPr>
+            <a:lvl8pPr marL="3200400" algn="l" defTabSz="914400" rtl="0" eaLnBrk="1" latinLnBrk="0" hangingPunct="1">
+              <a:defRPr sz="1800" kern="1200">
+                <a:solidFill>
+                  <a:schemeClr val="tx1"/>
+                </a:solidFill>
+                <a:latin typeface="+mn-lt"/>
+                <a:ea typeface="+mn-ea"/>
+                <a:cs typeface="+mn-cs"/>
+              </a:defRPr>
+            </a:lvl8pPr>
+            <a:lvl9pPr marL="3657600" algn="l" defTabSz="914400" rtl="0" eaLnBrk="1" latinLnBrk="0" hangingPunct="1">
+              <a:defRPr sz="1800" kern="1200">
+                <a:solidFill>
+                  <a:schemeClr val="tx1"/>
+                </a:solidFill>
+                <a:latin typeface="+mn-lt"/>
+                <a:ea typeface="+mn-ea"/>
+                <a:cs typeface="+mn-cs"/>
+              </a:defRPr>
+            </a:lvl9pPr>
+          </a:lstStyle>
+          <a:p>
+            <a:r>
+              <a:rPr lang="en-IN" sz="2000" b="1" u="sng" dirty="0">
+                <a:solidFill>
+                  <a:schemeClr val="accent1"/>
+                </a:solidFill>
+                <a:latin typeface="Oxygen" panose="02000503000000090004" pitchFamily="2" charset="77"/>
+                <a:ea typeface="Nunito Bold" charset="0"/>
+                <a:cs typeface="Arima Madurai" pitchFamily="2" charset="77"/>
+              </a:rPr>
+              <a:t>MENTOR:</a:t>
+            </a:r>
+            <a:endParaRPr lang="en-US" sz="2000" b="1" u="sng" dirty="0">
+              <a:solidFill>
+                <a:schemeClr val="accent1"/>
+              </a:solidFill>
+              <a:latin typeface="Oxygen" panose="02000503000000090004" pitchFamily="2" charset="77"/>
+              <a:ea typeface="Nunito Bold" charset="0"/>
+              <a:cs typeface="Arima Madurai" pitchFamily="2" charset="77"/>
+            </a:endParaRPr>
+          </a:p>
+        </p:txBody>
+      </p:sp>
+      <p:sp>
+        <p:nvSpPr>
+          <p:cNvPr id="3" name="TextBox 2">
+            <a:extLst>
+              <a:ext uri="{FF2B5EF4-FFF2-40B4-BE49-F238E27FC236}">
+                <a16:creationId xmlns:a16="http://schemas.microsoft.com/office/drawing/2014/main" id="{2CAA854B-FE6C-58AF-0F9C-55DC494635CC}"/>
+              </a:ext>
+            </a:extLst>
+          </p:cNvPr>
+          <p:cNvSpPr txBox="1"/>
+          <p:nvPr/>
+        </p:nvSpPr>
+        <p:spPr>
+          <a:xfrm>
+            <a:off x="1066777" y="5520047"/>
+            <a:ext cx="3698654" cy="400110"/>
+          </a:xfrm>
+          <a:prstGeom prst="rect">
+            <a:avLst/>
+          </a:prstGeom>
+          <a:noFill/>
+        </p:spPr>
+        <p:txBody>
+          <a:bodyPr wrap="square" rtlCol="0">
+            <a:spAutoFit/>
+          </a:bodyPr>
+          <a:lstStyle/>
+          <a:p>
+            <a:pPr algn="l"/>
+            <a:r>
+              <a:rPr lang="en-IN" sz="2000" dirty="0" err="1">
+                <a:latin typeface="Oxygen" panose="02000503000000000000" pitchFamily="2" charset="77"/>
+              </a:rPr>
+              <a:t>Prof.Bharati</a:t>
+            </a:r>
+            <a:r>
+              <a:rPr lang="en-IN" sz="2000" dirty="0">
+                <a:latin typeface="Oxygen" panose="02000503000000000000" pitchFamily="2" charset="77"/>
+              </a:rPr>
+              <a:t> </a:t>
+            </a:r>
+            <a:r>
+              <a:rPr lang="en-IN" sz="2000" dirty="0" err="1">
+                <a:latin typeface="Oxygen" panose="02000503000000000000" pitchFamily="2" charset="77"/>
+              </a:rPr>
+              <a:t>Ingale</a:t>
+            </a:r>
+            <a:endParaRPr lang="en-IN" sz="2000" dirty="0">
               <a:latin typeface="Oxygen" panose="02000503000000000000" pitchFamily="2" charset="77"/>
             </a:endParaRPr>
           </a:p>
@@ -17140,14 +17345,14 @@
           </a:ln>
           <a:extLst>
             <a:ext uri="{909E8E84-426E-40dd-AFC4-6F175D3DCCD1}">
-              <a14:hiddenFill xmlns="" xmlns:a14="http://schemas.microsoft.com/office/drawing/2010/main">
+              <a14:hiddenFill xmlns:a14="http://schemas.microsoft.com/office/drawing/2010/main" xmlns="">
                 <a:solidFill>
                   <a:srgbClr val="FFFFFF"/>
                 </a:solidFill>
               </a14:hiddenFill>
             </a:ext>
             <a:ext uri="{91240B29-F687-4f45-9708-019B960494DF}">
-              <a14:hiddenLine xmlns="" xmlns:a14="http://schemas.microsoft.com/office/drawing/2010/main" w="12700">
+              <a14:hiddenLine xmlns:a14="http://schemas.microsoft.com/office/drawing/2010/main" xmlns="" w="12700">
                 <a:solidFill>
                   <a:schemeClr val="tx1"/>
                 </a:solidFill>
@@ -20031,14 +20236,14 @@
           </a:ln>
           <a:extLst>
             <a:ext uri="{909E8E84-426E-40dd-AFC4-6F175D3DCCD1}">
-              <a14:hiddenFill xmlns="" xmlns:a14="http://schemas.microsoft.com/office/drawing/2010/main">
+              <a14:hiddenFill xmlns:a14="http://schemas.microsoft.com/office/drawing/2010/main" xmlns="">
                 <a:solidFill>
                   <a:srgbClr val="FFFFFF"/>
                 </a:solidFill>
               </a14:hiddenFill>
             </a:ext>
             <a:ext uri="{91240B29-F687-4f45-9708-019B960494DF}">
-              <a14:hiddenLine xmlns="" xmlns:a14="http://schemas.microsoft.com/office/drawing/2010/main" w="12700">
+              <a14:hiddenLine xmlns:a14="http://schemas.microsoft.com/office/drawing/2010/main" xmlns="" w="12700">
                 <a:solidFill>
                   <a:schemeClr val="tx1"/>
                 </a:solidFill>
@@ -20385,14 +20590,14 @@
           </a:ln>
           <a:extLst>
             <a:ext uri="{909E8E84-426E-40dd-AFC4-6F175D3DCCD1}">
-              <a14:hiddenFill xmlns:a14="http://schemas.microsoft.com/office/drawing/2010/main" xmlns="">
+              <a14:hiddenFill xmlns="" xmlns:a14="http://schemas.microsoft.com/office/drawing/2010/main">
                 <a:solidFill>
                   <a:srgbClr val="FFFFFF"/>
                 </a:solidFill>
               </a14:hiddenFill>
             </a:ext>
             <a:ext uri="{91240B29-F687-4f45-9708-019B960494DF}">
-              <a14:hiddenLine xmlns:a14="http://schemas.microsoft.com/office/drawing/2010/main" xmlns="" w="12700">
+              <a14:hiddenLine xmlns="" xmlns:a14="http://schemas.microsoft.com/office/drawing/2010/main" w="12700">
                 <a:solidFill>
                   <a:schemeClr val="tx1"/>
                 </a:solidFill>
@@ -20595,14 +20800,14 @@
           </a:ln>
           <a:extLst>
             <a:ext uri="{909E8E84-426E-40dd-AFC4-6F175D3DCCD1}">
-              <a14:hiddenFill xmlns:a14="http://schemas.microsoft.com/office/drawing/2010/main" xmlns="">
+              <a14:hiddenFill xmlns="" xmlns:a14="http://schemas.microsoft.com/office/drawing/2010/main">
                 <a:solidFill>
                   <a:srgbClr val="FFFFFF"/>
                 </a:solidFill>
               </a14:hiddenFill>
             </a:ext>
             <a:ext uri="{91240B29-F687-4f45-9708-019B960494DF}">
-              <a14:hiddenLine xmlns:a14="http://schemas.microsoft.com/office/drawing/2010/main" xmlns="" w="12700">
+              <a14:hiddenLine xmlns="" xmlns:a14="http://schemas.microsoft.com/office/drawing/2010/main" w="12700">
                 <a:solidFill>
                   <a:schemeClr val="tx1"/>
                 </a:solidFill>

--- a/Presentation.pptx
+++ b/Presentation.pptx
@@ -10,17 +10,17 @@
   <p:sldIdLst>
     <p:sldId id="258" r:id="rId2"/>
     <p:sldId id="2039" r:id="rId3"/>
-    <p:sldId id="2044" r:id="rId4"/>
-    <p:sldId id="2041" r:id="rId5"/>
-    <p:sldId id="2042" r:id="rId6"/>
-    <p:sldId id="2050" r:id="rId7"/>
-    <p:sldId id="2051" r:id="rId8"/>
-    <p:sldId id="2052" r:id="rId9"/>
-    <p:sldId id="2049" r:id="rId10"/>
-    <p:sldId id="2043" r:id="rId11"/>
-    <p:sldId id="2045" r:id="rId12"/>
-    <p:sldId id="2053" r:id="rId13"/>
-    <p:sldId id="2054" r:id="rId14"/>
+    <p:sldId id="2050" r:id="rId4"/>
+    <p:sldId id="2051" r:id="rId5"/>
+    <p:sldId id="2052" r:id="rId6"/>
+    <p:sldId id="2049" r:id="rId7"/>
+    <p:sldId id="2043" r:id="rId8"/>
+    <p:sldId id="2045" r:id="rId9"/>
+    <p:sldId id="2053" r:id="rId10"/>
+    <p:sldId id="2054" r:id="rId11"/>
+    <p:sldId id="2044" r:id="rId12"/>
+    <p:sldId id="2041" r:id="rId13"/>
+    <p:sldId id="2042" r:id="rId14"/>
     <p:sldId id="2055" r:id="rId15"/>
     <p:sldId id="2056" r:id="rId16"/>
     <p:sldId id="2057" r:id="rId17"/>
@@ -10013,7 +10013,7 @@
     </p:spTree>
     <p:extLst>
       <p:ext uri="{BB962C8B-B14F-4D97-AF65-F5344CB8AC3E}">
-        <p14:creationId xmlns:p14="http://schemas.microsoft.com/office/powerpoint/2010/main" val="4274987597"/>
+        <p14:creationId xmlns:p14="http://schemas.microsoft.com/office/powerpoint/2010/main" val="868266810"/>
       </p:ext>
     </p:extLst>
   </p:cSld>
@@ -10154,7 +10154,7 @@
     </p:spTree>
     <p:extLst>
       <p:ext uri="{BB962C8B-B14F-4D97-AF65-F5344CB8AC3E}">
-        <p14:creationId xmlns:p14="http://schemas.microsoft.com/office/powerpoint/2010/main" val="4274987597"/>
+        <p14:creationId xmlns:p14="http://schemas.microsoft.com/office/powerpoint/2010/main" val="868266810"/>
       </p:ext>
     </p:extLst>
   </p:cSld>
@@ -10295,7 +10295,7 @@
     </p:spTree>
     <p:extLst>
       <p:ext uri="{BB962C8B-B14F-4D97-AF65-F5344CB8AC3E}">
-        <p14:creationId xmlns:p14="http://schemas.microsoft.com/office/powerpoint/2010/main" val="868266810"/>
+        <p14:creationId xmlns:p14="http://schemas.microsoft.com/office/powerpoint/2010/main" val="4274987597"/>
       </p:ext>
     </p:extLst>
   </p:cSld>
@@ -10436,7 +10436,7 @@
     </p:spTree>
     <p:extLst>
       <p:ext uri="{BB962C8B-B14F-4D97-AF65-F5344CB8AC3E}">
-        <p14:creationId xmlns:p14="http://schemas.microsoft.com/office/powerpoint/2010/main" val="868266810"/>
+        <p14:creationId xmlns:p14="http://schemas.microsoft.com/office/powerpoint/2010/main" val="4274987597"/>
       </p:ext>
     </p:extLst>
   </p:cSld>
@@ -14583,6 +14583,3891 @@
       </p:grpSpPr>
       <p:sp>
         <p:nvSpPr>
+          <p:cNvPr id="3" name="TextBox 2">
+            <a:extLst>
+              <a:ext uri="{FF2B5EF4-FFF2-40B4-BE49-F238E27FC236}">
+                <a16:creationId xmlns:a16="http://schemas.microsoft.com/office/drawing/2014/main" id="{1ADA55FA-CC4F-7715-6B27-7901D536E906}"/>
+              </a:ext>
+            </a:extLst>
+          </p:cNvPr>
+          <p:cNvSpPr txBox="1"/>
+          <p:nvPr/>
+        </p:nvSpPr>
+        <p:spPr>
+          <a:xfrm>
+            <a:off x="1581504" y="221082"/>
+            <a:ext cx="9028991" cy="736292"/>
+          </a:xfrm>
+          <a:prstGeom prst="rect">
+            <a:avLst/>
+          </a:prstGeom>
+          <a:noFill/>
+        </p:spPr>
+        <p:txBody>
+          <a:bodyPr wrap="square" rtlCol="0">
+            <a:spAutoFit/>
+          </a:bodyPr>
+          <a:lstStyle/>
+          <a:p>
+            <a:pPr algn="ctr">
+              <a:lnSpc>
+                <a:spcPts val="5500"/>
+              </a:lnSpc>
+            </a:pPr>
+            <a:r>
+              <a:rPr lang="en-IN" sz="4000" b="1" dirty="0">
+                <a:solidFill>
+                  <a:schemeClr val="accent1"/>
+                </a:solidFill>
+                <a:latin typeface="Oxygen" panose="02000503000000000000" pitchFamily="2" charset="77"/>
+                <a:cs typeface="Arima Madurai Semi" pitchFamily="2" charset="77"/>
+              </a:rPr>
+              <a:t>How are we going to implement it??!</a:t>
+            </a:r>
+            <a:endParaRPr lang="en-US" sz="4000" b="1" dirty="0">
+              <a:solidFill>
+                <a:schemeClr val="accent1"/>
+              </a:solidFill>
+              <a:latin typeface="Oxygen" panose="02000503000000000000" pitchFamily="2" charset="77"/>
+              <a:cs typeface="Arima Madurai Semi" pitchFamily="2" charset="77"/>
+            </a:endParaRPr>
+          </a:p>
+        </p:txBody>
+      </p:sp>
+      <p:sp>
+        <p:nvSpPr>
+          <p:cNvPr id="5" name="TextBox 4">
+            <a:extLst>
+              <a:ext uri="{FF2B5EF4-FFF2-40B4-BE49-F238E27FC236}">
+                <a16:creationId xmlns:a16="http://schemas.microsoft.com/office/drawing/2014/main" id="{4E7C4A89-E66C-A675-32E8-95B7020BC515}"/>
+              </a:ext>
+            </a:extLst>
+          </p:cNvPr>
+          <p:cNvSpPr txBox="1"/>
+          <p:nvPr/>
+        </p:nvSpPr>
+        <p:spPr>
+          <a:xfrm>
+            <a:off x="301868" y="1873712"/>
+            <a:ext cx="11588261" cy="2596545"/>
+          </a:xfrm>
+          <a:prstGeom prst="rect">
+            <a:avLst/>
+          </a:prstGeom>
+          <a:noFill/>
+        </p:spPr>
+        <p:txBody>
+          <a:bodyPr wrap="square" rtlCol="0">
+            <a:spAutoFit/>
+          </a:bodyPr>
+          <a:lstStyle/>
+          <a:p>
+            <a:pPr marL="457200" indent="-457200">
+              <a:lnSpc>
+                <a:spcPct val="150000"/>
+              </a:lnSpc>
+              <a:buFont typeface="Arial" panose="020B0604020202020204" pitchFamily="34" charset="0"/>
+              <a:buChar char="•"/>
+            </a:pPr>
+            <a:r>
+              <a:rPr lang="en-IN" sz="2800" dirty="0">
+                <a:latin typeface="Oxygen" panose="02000503000000000000" pitchFamily="2" charset="77"/>
+              </a:rPr>
+              <a:t>F</a:t>
+            </a:r>
+            <a:r>
+              <a:rPr lang="en-IN" sz="2800" i="0" dirty="0">
+                <a:effectLst/>
+                <a:latin typeface="Oxygen" panose="02000503000000000000" pitchFamily="2" charset="77"/>
+              </a:rPr>
+              <a:t>urther calling their main class of the other </a:t>
+            </a:r>
+            <a:r>
+              <a:rPr lang="en-IN" sz="2800" dirty="0">
+                <a:latin typeface="Oxygen" panose="02000503000000000000" pitchFamily="2" charset="77"/>
+              </a:rPr>
+              <a:t>files </a:t>
+            </a:r>
+            <a:r>
+              <a:rPr lang="en-IN" sz="2800" i="0" dirty="0">
+                <a:effectLst/>
+                <a:latin typeface="Oxygen" panose="02000503000000000000" pitchFamily="2" charset="77"/>
+              </a:rPr>
+              <a:t>directly in the switch case of the main file where we are making the menu and performing the operation on a user defined matrix</a:t>
+            </a:r>
+          </a:p>
+          <a:p>
+            <a:pPr marL="457200" indent="-457200">
+              <a:lnSpc>
+                <a:spcPct val="150000"/>
+              </a:lnSpc>
+              <a:buFont typeface="Arial" panose="020B0604020202020204" pitchFamily="34" charset="0"/>
+              <a:buChar char="•"/>
+            </a:pPr>
+            <a:endParaRPr lang="en-IN" sz="2800" dirty="0">
+              <a:latin typeface="Oxygen" panose="02000503000000000000" pitchFamily="2" charset="77"/>
+            </a:endParaRPr>
+          </a:p>
+        </p:txBody>
+      </p:sp>
+    </p:spTree>
+    <p:extLst>
+      <p:ext uri="{BB962C8B-B14F-4D97-AF65-F5344CB8AC3E}">
+        <p14:creationId xmlns:p14="http://schemas.microsoft.com/office/powerpoint/2010/main" val="476539695"/>
+      </p:ext>
+    </p:extLst>
+  </p:cSld>
+  <p:clrMapOvr>
+    <a:masterClrMapping/>
+  </p:clrMapOvr>
+  <p:transition advClick="0"/>
+</p:sld>
+</file>
+
+<file path=ppt/slides/slide11.xml><?xml version="1.0" encoding="utf-8"?>
+<p:sld xmlns:a="http://schemas.openxmlformats.org/drawingml/2006/main" xmlns:r="http://schemas.openxmlformats.org/officeDocument/2006/relationships" xmlns:p="http://schemas.openxmlformats.org/presentationml/2006/main">
+  <p:cSld>
+    <p:spTree>
+      <p:nvGrpSpPr>
+        <p:cNvPr id="1" name=""/>
+        <p:cNvGrpSpPr/>
+        <p:nvPr/>
+      </p:nvGrpSpPr>
+      <p:grpSpPr>
+        <a:xfrm>
+          <a:off x="0" y="0"/>
+          <a:ext cx="0" cy="0"/>
+          <a:chOff x="0" y="0"/>
+          <a:chExt cx="0" cy="0"/>
+        </a:xfrm>
+      </p:grpSpPr>
+      <p:sp>
+        <p:nvSpPr>
+          <p:cNvPr id="36" name="TextBox 35"/>
+          <p:cNvSpPr txBox="1"/>
+          <p:nvPr/>
+        </p:nvSpPr>
+        <p:spPr>
+          <a:xfrm>
+            <a:off x="1355753" y="1861761"/>
+            <a:ext cx="4411911" cy="2913618"/>
+          </a:xfrm>
+          <a:prstGeom prst="rect">
+            <a:avLst/>
+          </a:prstGeom>
+          <a:noFill/>
+        </p:spPr>
+        <p:txBody>
+          <a:bodyPr wrap="square" rtlCol="0">
+            <a:spAutoFit/>
+          </a:bodyPr>
+          <a:lstStyle/>
+          <a:p>
+            <a:pPr algn="ctr">
+              <a:lnSpc>
+                <a:spcPts val="5500"/>
+              </a:lnSpc>
+            </a:pPr>
+            <a:r>
+              <a:rPr lang="en-IN" sz="5400" b="1" dirty="0">
+                <a:solidFill>
+                  <a:schemeClr val="accent1"/>
+                </a:solidFill>
+                <a:latin typeface="Oxygen" panose="02000503000000090004" pitchFamily="2" charset="77"/>
+                <a:cs typeface="Arima Madurai Semi" pitchFamily="2" charset="77"/>
+              </a:rPr>
+              <a:t>What are these methods used for??!</a:t>
+            </a:r>
+            <a:endParaRPr lang="en-US" sz="5400" b="1" dirty="0">
+              <a:solidFill>
+                <a:schemeClr val="accent1"/>
+              </a:solidFill>
+              <a:latin typeface="Oxygen" panose="02000503000000090004" pitchFamily="2" charset="77"/>
+              <a:cs typeface="Arima Madurai Semi" pitchFamily="2" charset="77"/>
+            </a:endParaRPr>
+          </a:p>
+        </p:txBody>
+      </p:sp>
+      <p:pic>
+        <p:nvPicPr>
+          <p:cNvPr id="2" name="Picture 2">
+            <a:extLst>
+              <a:ext uri="{FF2B5EF4-FFF2-40B4-BE49-F238E27FC236}">
+                <a16:creationId xmlns:a16="http://schemas.microsoft.com/office/drawing/2014/main" id="{46F8249C-DE21-DFC0-53A5-C2D740A2706D}"/>
+              </a:ext>
+            </a:extLst>
+          </p:cNvPr>
+          <p:cNvPicPr>
+            <a:picLocks noGrp="1" noChangeAspect="1"/>
+          </p:cNvPicPr>
+          <p:nvPr>
+            <p:ph type="pic" sz="quarter" idx="14"/>
+          </p:nvPr>
+        </p:nvPicPr>
+        <p:blipFill rotWithShape="1">
+          <a:blip r:embed="rId3"/>
+          <a:srcRect l="16731" r="16731"/>
+          <a:stretch/>
+        </p:blipFill>
+        <p:spPr>
+          <a:xfrm>
+            <a:off x="6480247" y="1140022"/>
+            <a:ext cx="4356000" cy="4357096"/>
+          </a:xfrm>
+        </p:spPr>
+      </p:pic>
+    </p:spTree>
+    <p:extLst>
+      <p:ext uri="{BB962C8B-B14F-4D97-AF65-F5344CB8AC3E}">
+        <p14:creationId xmlns:p14="http://schemas.microsoft.com/office/powerpoint/2010/main" val="3228114635"/>
+      </p:ext>
+    </p:extLst>
+  </p:cSld>
+  <p:clrMapOvr>
+    <a:masterClrMapping/>
+  </p:clrMapOvr>
+  <p:transition spd="med"/>
+  <p:timing>
+    <p:tnLst>
+      <p:par>
+        <p:cTn id="1" dur="indefinite" restart="never" nodeType="tmRoot">
+          <p:childTnLst>
+            <p:seq concurrent="1" nextAc="seek">
+              <p:cTn id="2" dur="indefinite" nodeType="mainSeq"/>
+              <p:prevCondLst>
+                <p:cond evt="onPrev" delay="0">
+                  <p:tgtEl>
+                    <p:sldTgt/>
+                  </p:tgtEl>
+                </p:cond>
+              </p:prevCondLst>
+              <p:nextCondLst>
+                <p:cond evt="onNext" delay="0">
+                  <p:tgtEl>
+                    <p:sldTgt/>
+                  </p:tgtEl>
+                </p:cond>
+              </p:nextCondLst>
+            </p:seq>
+          </p:childTnLst>
+        </p:cTn>
+      </p:par>
+    </p:tnLst>
+  </p:timing>
+</p:sld>
+</file>
+
+<file path=ppt/slides/slide12.xml><?xml version="1.0" encoding="utf-8"?>
+<p:sld xmlns:a="http://schemas.openxmlformats.org/drawingml/2006/main" xmlns:r="http://schemas.openxmlformats.org/officeDocument/2006/relationships" xmlns:p="http://schemas.openxmlformats.org/presentationml/2006/main">
+  <p:cSld>
+    <p:spTree>
+      <p:nvGrpSpPr>
+        <p:cNvPr id="1" name=""/>
+        <p:cNvGrpSpPr/>
+        <p:nvPr/>
+      </p:nvGrpSpPr>
+      <p:grpSpPr>
+        <a:xfrm>
+          <a:off x="0" y="0"/>
+          <a:ext cx="0" cy="0"/>
+          <a:chOff x="0" y="0"/>
+          <a:chExt cx="0" cy="0"/>
+        </a:xfrm>
+      </p:grpSpPr>
+      <p:sp>
+        <p:nvSpPr>
+          <p:cNvPr id="10" name="TextBox 9">
+            <a:extLst>
+              <a:ext uri="{FF2B5EF4-FFF2-40B4-BE49-F238E27FC236}">
+                <a16:creationId xmlns:a16="http://schemas.microsoft.com/office/drawing/2014/main" id="{A0BAABA6-BF9A-1B4B-B530-AF17FCF8C6EB}"/>
+              </a:ext>
+            </a:extLst>
+          </p:cNvPr>
+          <p:cNvSpPr txBox="1"/>
+          <p:nvPr/>
+        </p:nvSpPr>
+        <p:spPr>
+          <a:xfrm>
+            <a:off x="7194645" y="2985210"/>
+            <a:ext cx="4297518" cy="2373470"/>
+          </a:xfrm>
+          <a:prstGeom prst="rect">
+            <a:avLst/>
+          </a:prstGeom>
+          <a:noFill/>
+        </p:spPr>
+        <p:txBody>
+          <a:bodyPr wrap="square" rtlCol="0">
+            <a:spAutoFit/>
+          </a:bodyPr>
+          <a:lstStyle/>
+          <a:p>
+            <a:pPr>
+              <a:lnSpc>
+                <a:spcPts val="3000"/>
+              </a:lnSpc>
+            </a:pPr>
+            <a:r>
+              <a:rPr lang="en-IN" sz="2400" i="0" dirty="0">
+                <a:effectLst/>
+                <a:latin typeface="Oxygen" panose="02000503000000000000" pitchFamily="2" charset="77"/>
+              </a:rPr>
+              <a:t>The Gauss–Seidel method is an iterative technique for solving a square system of n linear equations with unknown x.</a:t>
+            </a:r>
+            <a:endParaRPr lang="en-IN" sz="2400" dirty="0">
+              <a:effectLst/>
+              <a:latin typeface="Oxygen" panose="02000503000000000000" pitchFamily="2" charset="77"/>
+            </a:endParaRPr>
+          </a:p>
+          <a:p>
+            <a:pPr>
+              <a:lnSpc>
+                <a:spcPts val="3000"/>
+              </a:lnSpc>
+            </a:pPr>
+            <a:endParaRPr lang="en-US" sz="2400" dirty="0">
+              <a:latin typeface="Oxygen" panose="02000503000000000000" pitchFamily="2" charset="77"/>
+              <a:ea typeface="Lato Light" panose="020F0502020204030203" pitchFamily="34" charset="0"/>
+              <a:cs typeface="Arima Madurai Light" pitchFamily="2" charset="77"/>
+            </a:endParaRPr>
+          </a:p>
+        </p:txBody>
+      </p:sp>
+      <p:sp>
+        <p:nvSpPr>
+          <p:cNvPr id="11" name="TextBox 10">
+            <a:extLst>
+              <a:ext uri="{FF2B5EF4-FFF2-40B4-BE49-F238E27FC236}">
+                <a16:creationId xmlns:a16="http://schemas.microsoft.com/office/drawing/2014/main" id="{9C51D219-F231-0840-A649-C51C207FAF1B}"/>
+              </a:ext>
+            </a:extLst>
+          </p:cNvPr>
+          <p:cNvSpPr txBox="1"/>
+          <p:nvPr/>
+        </p:nvSpPr>
+        <p:spPr>
+          <a:xfrm>
+            <a:off x="7194645" y="2257303"/>
+            <a:ext cx="3998210" cy="523220"/>
+          </a:xfrm>
+          <a:prstGeom prst="rect">
+            <a:avLst/>
+          </a:prstGeom>
+          <a:noFill/>
+        </p:spPr>
+        <p:txBody>
+          <a:bodyPr wrap="none" rtlCol="0">
+            <a:spAutoFit/>
+          </a:bodyPr>
+          <a:lstStyle/>
+          <a:p>
+            <a:r>
+              <a:rPr lang="en-IN" sz="2800" dirty="0">
+                <a:solidFill>
+                  <a:schemeClr val="accent1"/>
+                </a:solidFill>
+                <a:latin typeface="Oxygen" panose="02000503000000090004" pitchFamily="2" charset="77"/>
+                <a:ea typeface="Nunito Bold" charset="0"/>
+                <a:cs typeface="Arima Madurai Medium" pitchFamily="2" charset="77"/>
+              </a:rPr>
+              <a:t>2. </a:t>
+            </a:r>
+            <a:r>
+              <a:rPr lang="en-IN" sz="2800" dirty="0" err="1">
+                <a:solidFill>
+                  <a:schemeClr val="accent1"/>
+                </a:solidFill>
+                <a:latin typeface="Oxygen" panose="02000503000000090004" pitchFamily="2" charset="77"/>
+                <a:ea typeface="Nunito Bold" charset="0"/>
+                <a:cs typeface="Arima Madurai Medium" pitchFamily="2" charset="77"/>
+              </a:rPr>
+              <a:t>Guass-Seidel</a:t>
+            </a:r>
+            <a:r>
+              <a:rPr lang="en-IN" sz="2800" dirty="0">
+                <a:solidFill>
+                  <a:schemeClr val="accent1"/>
+                </a:solidFill>
+                <a:latin typeface="Oxygen" panose="02000503000000090004" pitchFamily="2" charset="77"/>
+                <a:ea typeface="Nunito Bold" charset="0"/>
+                <a:cs typeface="Arima Madurai Medium" pitchFamily="2" charset="77"/>
+              </a:rPr>
+              <a:t> Method</a:t>
+            </a:r>
+            <a:endParaRPr lang="en-US" sz="2800" dirty="0">
+              <a:solidFill>
+                <a:schemeClr val="accent1"/>
+              </a:solidFill>
+              <a:latin typeface="Oxygen" panose="02000503000000090004" pitchFamily="2" charset="77"/>
+              <a:ea typeface="Nunito Bold" charset="0"/>
+              <a:cs typeface="Arima Madurai Medium" pitchFamily="2" charset="77"/>
+            </a:endParaRPr>
+          </a:p>
+        </p:txBody>
+      </p:sp>
+      <p:sp>
+        <p:nvSpPr>
+          <p:cNvPr id="12" name="TextBox 11">
+            <a:extLst>
+              <a:ext uri="{FF2B5EF4-FFF2-40B4-BE49-F238E27FC236}">
+                <a16:creationId xmlns:a16="http://schemas.microsoft.com/office/drawing/2014/main" id="{85466362-2756-9741-8C0C-026417C1D137}"/>
+              </a:ext>
+            </a:extLst>
+          </p:cNvPr>
+          <p:cNvSpPr txBox="1"/>
+          <p:nvPr/>
+        </p:nvSpPr>
+        <p:spPr>
+          <a:xfrm>
+            <a:off x="2700589" y="1153025"/>
+            <a:ext cx="6406648" cy="707886"/>
+          </a:xfrm>
+          <a:prstGeom prst="rect">
+            <a:avLst/>
+          </a:prstGeom>
+          <a:noFill/>
+        </p:spPr>
+        <p:txBody>
+          <a:bodyPr wrap="square" rtlCol="0">
+            <a:spAutoFit/>
+          </a:bodyPr>
+          <a:lstStyle/>
+          <a:p>
+            <a:r>
+              <a:rPr lang="en-IN" sz="4000" b="1" dirty="0">
+                <a:solidFill>
+                  <a:schemeClr val="accent1"/>
+                </a:solidFill>
+                <a:latin typeface="Oxygen" panose="02000503000000090004" pitchFamily="2" charset="77"/>
+                <a:ea typeface="Nunito Bold" charset="0"/>
+                <a:cs typeface="Arima Madurai Semi" pitchFamily="2" charset="77"/>
+              </a:rPr>
+              <a:t>What are they used for??!</a:t>
+            </a:r>
+          </a:p>
+        </p:txBody>
+      </p:sp>
+      <p:sp>
+        <p:nvSpPr>
+          <p:cNvPr id="13" name="TextBox 12">
+            <a:extLst>
+              <a:ext uri="{FF2B5EF4-FFF2-40B4-BE49-F238E27FC236}">
+                <a16:creationId xmlns:a16="http://schemas.microsoft.com/office/drawing/2014/main" id="{592DB263-5130-7149-84E4-6ACC76E4A8AF}"/>
+              </a:ext>
+            </a:extLst>
+          </p:cNvPr>
+          <p:cNvSpPr txBox="1"/>
+          <p:nvPr/>
+        </p:nvSpPr>
+        <p:spPr>
+          <a:xfrm>
+            <a:off x="924815" y="2985210"/>
+            <a:ext cx="4687949" cy="3527632"/>
+          </a:xfrm>
+          <a:prstGeom prst="rect">
+            <a:avLst/>
+          </a:prstGeom>
+          <a:noFill/>
+        </p:spPr>
+        <p:txBody>
+          <a:bodyPr wrap="square" rtlCol="0">
+            <a:spAutoFit/>
+          </a:bodyPr>
+          <a:lstStyle/>
+          <a:p>
+            <a:pPr>
+              <a:lnSpc>
+                <a:spcPts val="3000"/>
+              </a:lnSpc>
+            </a:pPr>
+            <a:r>
+              <a:rPr lang="en-IN" sz="2400" dirty="0">
+                <a:latin typeface="Oxygen" panose="02000503000000000000" pitchFamily="2" charset="77"/>
+              </a:rPr>
+              <a:t>The</a:t>
+            </a:r>
+            <a:r>
+              <a:rPr lang="en-IN" sz="2400" i="0" dirty="0">
+                <a:effectLst/>
+                <a:latin typeface="Oxygen" panose="02000503000000000000" pitchFamily="2" charset="77"/>
+              </a:rPr>
+              <a:t> Gaussian elimination method is known as the row reduction algorithm for solving linear equations systems. It consists of a sequence of operations performed on the corresponding matrix of coefficients.</a:t>
+            </a:r>
+            <a:endParaRPr lang="en-IN" sz="2400" dirty="0">
+              <a:effectLst/>
+              <a:latin typeface="Oxygen" panose="02000503000000000000" pitchFamily="2" charset="77"/>
+            </a:endParaRPr>
+          </a:p>
+          <a:p>
+            <a:pPr>
+              <a:lnSpc>
+                <a:spcPts val="3000"/>
+              </a:lnSpc>
+            </a:pPr>
+            <a:endParaRPr lang="en-IN" sz="2400" dirty="0">
+              <a:effectLst/>
+              <a:latin typeface="Oxygen" panose="02000503000000000000" pitchFamily="2" charset="77"/>
+            </a:endParaRPr>
+          </a:p>
+        </p:txBody>
+      </p:sp>
+      <p:sp>
+        <p:nvSpPr>
+          <p:cNvPr id="14" name="TextBox 13">
+            <a:extLst>
+              <a:ext uri="{FF2B5EF4-FFF2-40B4-BE49-F238E27FC236}">
+                <a16:creationId xmlns:a16="http://schemas.microsoft.com/office/drawing/2014/main" id="{B7533A35-5398-2040-A707-D97117D75873}"/>
+              </a:ext>
+            </a:extLst>
+          </p:cNvPr>
+          <p:cNvSpPr txBox="1"/>
+          <p:nvPr/>
+        </p:nvSpPr>
+        <p:spPr>
+          <a:xfrm>
+            <a:off x="924815" y="2226070"/>
+            <a:ext cx="4703532" cy="523220"/>
+          </a:xfrm>
+          <a:prstGeom prst="rect">
+            <a:avLst/>
+          </a:prstGeom>
+          <a:noFill/>
+        </p:spPr>
+        <p:txBody>
+          <a:bodyPr wrap="none" rtlCol="0">
+            <a:spAutoFit/>
+          </a:bodyPr>
+          <a:lstStyle/>
+          <a:p>
+            <a:r>
+              <a:rPr lang="en-IN" sz="2800" dirty="0">
+                <a:solidFill>
+                  <a:schemeClr val="accent1"/>
+                </a:solidFill>
+                <a:latin typeface="Oxygen" panose="02000503000000090004" pitchFamily="2" charset="77"/>
+                <a:ea typeface="Nunito Bold" charset="0"/>
+                <a:cs typeface="Arima Madurai Medium" pitchFamily="2" charset="77"/>
+              </a:rPr>
+              <a:t>1. </a:t>
+            </a:r>
+            <a:r>
+              <a:rPr lang="en-IN" sz="2800" dirty="0" err="1">
+                <a:solidFill>
+                  <a:schemeClr val="accent1"/>
+                </a:solidFill>
+                <a:latin typeface="Oxygen" panose="02000503000000090004" pitchFamily="2" charset="77"/>
+                <a:ea typeface="Nunito Bold" charset="0"/>
+                <a:cs typeface="Arima Madurai Medium" pitchFamily="2" charset="77"/>
+              </a:rPr>
+              <a:t>Guass</a:t>
+            </a:r>
+            <a:r>
+              <a:rPr lang="en-IN" sz="2800" dirty="0">
+                <a:solidFill>
+                  <a:schemeClr val="accent1"/>
+                </a:solidFill>
+                <a:latin typeface="Oxygen" panose="02000503000000090004" pitchFamily="2" charset="77"/>
+                <a:ea typeface="Nunito Bold" charset="0"/>
+                <a:cs typeface="Arima Madurai Medium" pitchFamily="2" charset="77"/>
+              </a:rPr>
+              <a:t> Elimination Method</a:t>
+            </a:r>
+            <a:endParaRPr lang="en-US" sz="2800" dirty="0">
+              <a:solidFill>
+                <a:schemeClr val="accent1"/>
+              </a:solidFill>
+              <a:latin typeface="Oxygen" panose="02000503000000090004" pitchFamily="2" charset="77"/>
+              <a:ea typeface="Nunito Bold" charset="0"/>
+              <a:cs typeface="Arima Madurai Medium" pitchFamily="2" charset="77"/>
+            </a:endParaRPr>
+          </a:p>
+        </p:txBody>
+      </p:sp>
+    </p:spTree>
+    <p:extLst>
+      <p:ext uri="{BB962C8B-B14F-4D97-AF65-F5344CB8AC3E}">
+        <p14:creationId xmlns:p14="http://schemas.microsoft.com/office/powerpoint/2010/main" val="1426339121"/>
+      </p:ext>
+    </p:extLst>
+  </p:cSld>
+  <p:clrMapOvr>
+    <a:masterClrMapping/>
+  </p:clrMapOvr>
+  <p:transition spd="med"/>
+  <p:timing>
+    <p:tnLst>
+      <p:par>
+        <p:cTn id="1" dur="indefinite" restart="never" nodeType="tmRoot">
+          <p:childTnLst>
+            <p:seq concurrent="1" nextAc="seek">
+              <p:cTn id="2" dur="indefinite" nodeType="mainSeq"/>
+              <p:prevCondLst>
+                <p:cond evt="onPrev" delay="0">
+                  <p:tgtEl>
+                    <p:sldTgt/>
+                  </p:tgtEl>
+                </p:cond>
+              </p:prevCondLst>
+              <p:nextCondLst>
+                <p:cond evt="onNext" delay="0">
+                  <p:tgtEl>
+                    <p:sldTgt/>
+                  </p:tgtEl>
+                </p:cond>
+              </p:nextCondLst>
+            </p:seq>
+          </p:childTnLst>
+        </p:cTn>
+      </p:par>
+    </p:tnLst>
+  </p:timing>
+</p:sld>
+</file>
+
+<file path=ppt/slides/slide13.xml><?xml version="1.0" encoding="utf-8"?>
+<p:sld xmlns:a="http://schemas.openxmlformats.org/drawingml/2006/main" xmlns:r="http://schemas.openxmlformats.org/officeDocument/2006/relationships" xmlns:p="http://schemas.openxmlformats.org/presentationml/2006/main">
+  <p:cSld>
+    <p:spTree>
+      <p:nvGrpSpPr>
+        <p:cNvPr id="1" name=""/>
+        <p:cNvGrpSpPr/>
+        <p:nvPr/>
+      </p:nvGrpSpPr>
+      <p:grpSpPr>
+        <a:xfrm>
+          <a:off x="0" y="0"/>
+          <a:ext cx="0" cy="0"/>
+          <a:chOff x="0" y="0"/>
+          <a:chExt cx="0" cy="0"/>
+        </a:xfrm>
+      </p:grpSpPr>
+      <p:sp>
+        <p:nvSpPr>
+          <p:cNvPr id="10" name="TextBox 9">
+            <a:extLst>
+              <a:ext uri="{FF2B5EF4-FFF2-40B4-BE49-F238E27FC236}">
+                <a16:creationId xmlns:a16="http://schemas.microsoft.com/office/drawing/2014/main" id="{A0BAABA6-BF9A-1B4B-B530-AF17FCF8C6EB}"/>
+              </a:ext>
+            </a:extLst>
+          </p:cNvPr>
+          <p:cNvSpPr txBox="1"/>
+          <p:nvPr/>
+        </p:nvSpPr>
+        <p:spPr>
+          <a:xfrm>
+            <a:off x="7026872" y="3429000"/>
+            <a:ext cx="4297518" cy="1988750"/>
+          </a:xfrm>
+          <a:prstGeom prst="rect">
+            <a:avLst/>
+          </a:prstGeom>
+          <a:noFill/>
+        </p:spPr>
+        <p:txBody>
+          <a:bodyPr wrap="square" rtlCol="0">
+            <a:spAutoFit/>
+          </a:bodyPr>
+          <a:lstStyle/>
+          <a:p>
+            <a:pPr>
+              <a:lnSpc>
+                <a:spcPts val="3000"/>
+              </a:lnSpc>
+            </a:pPr>
+            <a:r>
+              <a:rPr lang="en-IN" sz="2400" i="0" dirty="0">
+                <a:effectLst/>
+                <a:latin typeface="Oxygen" panose="02000503000000000000" pitchFamily="2" charset="77"/>
+              </a:rPr>
+              <a:t>The Gaussian elimination method can be used for finding the inverse of a matrix, if it exists.</a:t>
+            </a:r>
+            <a:endParaRPr lang="en-IN" sz="2400" dirty="0">
+              <a:effectLst/>
+              <a:latin typeface="Oxygen" panose="02000503000000000000" pitchFamily="2" charset="77"/>
+            </a:endParaRPr>
+          </a:p>
+          <a:p>
+            <a:pPr>
+              <a:lnSpc>
+                <a:spcPts val="3000"/>
+              </a:lnSpc>
+            </a:pPr>
+            <a:endParaRPr lang="en-IN" sz="2400" dirty="0">
+              <a:effectLst/>
+              <a:latin typeface="Oxygen" panose="02000503000000000000" pitchFamily="2" charset="77"/>
+            </a:endParaRPr>
+          </a:p>
+        </p:txBody>
+      </p:sp>
+      <p:sp>
+        <p:nvSpPr>
+          <p:cNvPr id="11" name="TextBox 10">
+            <a:extLst>
+              <a:ext uri="{FF2B5EF4-FFF2-40B4-BE49-F238E27FC236}">
+                <a16:creationId xmlns:a16="http://schemas.microsoft.com/office/drawing/2014/main" id="{9C51D219-F231-0840-A649-C51C207FAF1B}"/>
+              </a:ext>
+            </a:extLst>
+          </p:cNvPr>
+          <p:cNvSpPr txBox="1"/>
+          <p:nvPr/>
+        </p:nvSpPr>
+        <p:spPr>
+          <a:xfrm>
+            <a:off x="7026872" y="2333137"/>
+            <a:ext cx="4586944" cy="954107"/>
+          </a:xfrm>
+          <a:prstGeom prst="rect">
+            <a:avLst/>
+          </a:prstGeom>
+          <a:noFill/>
+        </p:spPr>
+        <p:txBody>
+          <a:bodyPr wrap="square" rtlCol="0">
+            <a:spAutoFit/>
+          </a:bodyPr>
+          <a:lstStyle/>
+          <a:p>
+            <a:r>
+              <a:rPr lang="en-IN" sz="2800" dirty="0">
+                <a:solidFill>
+                  <a:schemeClr val="accent1"/>
+                </a:solidFill>
+                <a:latin typeface="Oxygen" panose="02000503000000090004" pitchFamily="2" charset="77"/>
+                <a:ea typeface="Nunito Bold" charset="0"/>
+                <a:cs typeface="Arima Madurai Medium" pitchFamily="2" charset="77"/>
+              </a:rPr>
+              <a:t>4. Inverse of matrix using </a:t>
+            </a:r>
+            <a:r>
+              <a:rPr lang="en-IN" sz="2800" dirty="0" err="1">
+                <a:solidFill>
+                  <a:schemeClr val="accent1"/>
+                </a:solidFill>
+                <a:latin typeface="Oxygen" panose="02000503000000090004" pitchFamily="2" charset="77"/>
+                <a:ea typeface="Nunito Bold" charset="0"/>
+                <a:cs typeface="Arima Madurai Medium" pitchFamily="2" charset="77"/>
+              </a:rPr>
+              <a:t>Guass</a:t>
+            </a:r>
+            <a:r>
+              <a:rPr lang="en-IN" sz="2800" dirty="0">
+                <a:solidFill>
+                  <a:schemeClr val="accent1"/>
+                </a:solidFill>
+                <a:latin typeface="Oxygen" panose="02000503000000090004" pitchFamily="2" charset="77"/>
+                <a:ea typeface="Nunito Bold" charset="0"/>
+                <a:cs typeface="Arima Madurai Medium" pitchFamily="2" charset="77"/>
+              </a:rPr>
+              <a:t> Elimination </a:t>
+            </a:r>
+            <a:endParaRPr lang="en-US" sz="2800" dirty="0">
+              <a:solidFill>
+                <a:schemeClr val="accent1"/>
+              </a:solidFill>
+              <a:latin typeface="Oxygen" panose="02000503000000090004" pitchFamily="2" charset="77"/>
+              <a:ea typeface="Nunito Bold" charset="0"/>
+              <a:cs typeface="Arima Madurai Medium" pitchFamily="2" charset="77"/>
+            </a:endParaRPr>
+          </a:p>
+        </p:txBody>
+      </p:sp>
+      <p:sp>
+        <p:nvSpPr>
+          <p:cNvPr id="13" name="TextBox 12">
+            <a:extLst>
+              <a:ext uri="{FF2B5EF4-FFF2-40B4-BE49-F238E27FC236}">
+                <a16:creationId xmlns:a16="http://schemas.microsoft.com/office/drawing/2014/main" id="{592DB263-5130-7149-84E4-6ACC76E4A8AF}"/>
+              </a:ext>
+            </a:extLst>
+          </p:cNvPr>
+          <p:cNvSpPr txBox="1"/>
+          <p:nvPr/>
+        </p:nvSpPr>
+        <p:spPr>
+          <a:xfrm>
+            <a:off x="954942" y="3429000"/>
+            <a:ext cx="4289571" cy="2373470"/>
+          </a:xfrm>
+          <a:prstGeom prst="rect">
+            <a:avLst/>
+          </a:prstGeom>
+          <a:noFill/>
+        </p:spPr>
+        <p:txBody>
+          <a:bodyPr wrap="square" rtlCol="0">
+            <a:spAutoFit/>
+          </a:bodyPr>
+          <a:lstStyle/>
+          <a:p>
+            <a:pPr>
+              <a:lnSpc>
+                <a:spcPts val="3000"/>
+              </a:lnSpc>
+            </a:pPr>
+            <a:r>
+              <a:rPr lang="en-IN" sz="2400" i="0" dirty="0">
+                <a:effectLst/>
+                <a:latin typeface="Oxygen" panose="02000503000000000000" pitchFamily="2" charset="77"/>
+              </a:rPr>
+              <a:t>Interpolation is the technique of estimating the value of a function for any intermediate value of the independent variable.</a:t>
+            </a:r>
+            <a:endParaRPr lang="en-IN" sz="2400" dirty="0">
+              <a:effectLst/>
+              <a:latin typeface="Oxygen" panose="02000503000000000000" pitchFamily="2" charset="77"/>
+            </a:endParaRPr>
+          </a:p>
+          <a:p>
+            <a:pPr>
+              <a:lnSpc>
+                <a:spcPts val="3000"/>
+              </a:lnSpc>
+            </a:pPr>
+            <a:endParaRPr lang="en-IN" sz="2400" dirty="0">
+              <a:effectLst/>
+              <a:latin typeface="Oxygen" panose="02000503000000000000" pitchFamily="2" charset="77"/>
+            </a:endParaRPr>
+          </a:p>
+        </p:txBody>
+      </p:sp>
+      <p:sp>
+        <p:nvSpPr>
+          <p:cNvPr id="14" name="TextBox 13">
+            <a:extLst>
+              <a:ext uri="{FF2B5EF4-FFF2-40B4-BE49-F238E27FC236}">
+                <a16:creationId xmlns:a16="http://schemas.microsoft.com/office/drawing/2014/main" id="{B7533A35-5398-2040-A707-D97117D75873}"/>
+              </a:ext>
+            </a:extLst>
+          </p:cNvPr>
+          <p:cNvSpPr txBox="1"/>
+          <p:nvPr/>
+        </p:nvSpPr>
+        <p:spPr>
+          <a:xfrm>
+            <a:off x="954942" y="2333136"/>
+            <a:ext cx="4201139" cy="954107"/>
+          </a:xfrm>
+          <a:prstGeom prst="rect">
+            <a:avLst/>
+          </a:prstGeom>
+          <a:noFill/>
+        </p:spPr>
+        <p:txBody>
+          <a:bodyPr wrap="square" rtlCol="0">
+            <a:spAutoFit/>
+          </a:bodyPr>
+          <a:lstStyle/>
+          <a:p>
+            <a:r>
+              <a:rPr lang="en-IN" sz="2800" dirty="0">
+                <a:solidFill>
+                  <a:schemeClr val="accent1"/>
+                </a:solidFill>
+                <a:latin typeface="Oxygen" panose="02000503000000090004" pitchFamily="2" charset="77"/>
+                <a:ea typeface="Nunito Bold" charset="0"/>
+                <a:cs typeface="Arima Madurai Medium" pitchFamily="2" charset="77"/>
+              </a:rPr>
+              <a:t>3. Newton’s forward &amp; backward interpolation </a:t>
+            </a:r>
+            <a:endParaRPr lang="en-US" sz="2800" dirty="0">
+              <a:solidFill>
+                <a:schemeClr val="accent1"/>
+              </a:solidFill>
+              <a:latin typeface="Oxygen" panose="02000503000000090004" pitchFamily="2" charset="77"/>
+              <a:ea typeface="Nunito Bold" charset="0"/>
+              <a:cs typeface="Arima Madurai Medium" pitchFamily="2" charset="77"/>
+            </a:endParaRPr>
+          </a:p>
+        </p:txBody>
+      </p:sp>
+      <p:sp>
+        <p:nvSpPr>
+          <p:cNvPr id="3" name="TextBox 2">
+            <a:extLst>
+              <a:ext uri="{FF2B5EF4-FFF2-40B4-BE49-F238E27FC236}">
+                <a16:creationId xmlns:a16="http://schemas.microsoft.com/office/drawing/2014/main" id="{D42D1102-1DEA-39C6-3380-7F344779163D}"/>
+              </a:ext>
+            </a:extLst>
+          </p:cNvPr>
+          <p:cNvSpPr txBox="1"/>
+          <p:nvPr/>
+        </p:nvSpPr>
+        <p:spPr>
+          <a:xfrm>
+            <a:off x="2700589" y="1153025"/>
+            <a:ext cx="6406648" cy="707886"/>
+          </a:xfrm>
+          <a:prstGeom prst="rect">
+            <a:avLst/>
+          </a:prstGeom>
+          <a:noFill/>
+        </p:spPr>
+        <p:txBody>
+          <a:bodyPr wrap="square" rtlCol="0">
+            <a:spAutoFit/>
+          </a:bodyPr>
+          <a:lstStyle/>
+          <a:p>
+            <a:r>
+              <a:rPr lang="en-IN" sz="4000" b="1" dirty="0">
+                <a:solidFill>
+                  <a:schemeClr val="accent1"/>
+                </a:solidFill>
+                <a:latin typeface="Oxygen" panose="02000503000000090004" pitchFamily="2" charset="77"/>
+                <a:ea typeface="Nunito Bold" charset="0"/>
+                <a:cs typeface="Arima Madurai Semi" pitchFamily="2" charset="77"/>
+              </a:rPr>
+              <a:t>What are they used for??!</a:t>
+            </a:r>
+          </a:p>
+        </p:txBody>
+      </p:sp>
+    </p:spTree>
+    <p:extLst>
+      <p:ext uri="{BB962C8B-B14F-4D97-AF65-F5344CB8AC3E}">
+        <p14:creationId xmlns:p14="http://schemas.microsoft.com/office/powerpoint/2010/main" val="3671611136"/>
+      </p:ext>
+    </p:extLst>
+  </p:cSld>
+  <p:clrMapOvr>
+    <a:masterClrMapping/>
+  </p:clrMapOvr>
+  <p:transition spd="med"/>
+  <p:timing>
+    <p:tnLst>
+      <p:par>
+        <p:cTn id="1" dur="indefinite" restart="never" nodeType="tmRoot">
+          <p:childTnLst>
+            <p:seq concurrent="1" nextAc="seek">
+              <p:cTn id="2" dur="indefinite" nodeType="mainSeq"/>
+              <p:prevCondLst>
+                <p:cond evt="onPrev" delay="0">
+                  <p:tgtEl>
+                    <p:sldTgt/>
+                  </p:tgtEl>
+                </p:cond>
+              </p:prevCondLst>
+              <p:nextCondLst>
+                <p:cond evt="onNext" delay="0">
+                  <p:tgtEl>
+                    <p:sldTgt/>
+                  </p:tgtEl>
+                </p:cond>
+              </p:nextCondLst>
+            </p:seq>
+          </p:childTnLst>
+        </p:cTn>
+      </p:par>
+    </p:tnLst>
+  </p:timing>
+</p:sld>
+</file>
+
+<file path=ppt/slides/slide14.xml><?xml version="1.0" encoding="utf-8"?>
+<p:sld xmlns:a="http://schemas.openxmlformats.org/drawingml/2006/main" xmlns:r="http://schemas.openxmlformats.org/officeDocument/2006/relationships" xmlns:p="http://schemas.openxmlformats.org/presentationml/2006/main">
+  <p:cSld>
+    <p:spTree>
+      <p:nvGrpSpPr>
+        <p:cNvPr id="1" name=""/>
+        <p:cNvGrpSpPr/>
+        <p:nvPr/>
+      </p:nvGrpSpPr>
+      <p:grpSpPr>
+        <a:xfrm>
+          <a:off x="0" y="0"/>
+          <a:ext cx="0" cy="0"/>
+          <a:chOff x="0" y="0"/>
+          <a:chExt cx="0" cy="0"/>
+        </a:xfrm>
+      </p:grpSpPr>
+      <p:sp>
+        <p:nvSpPr>
+          <p:cNvPr id="3" name="TextBox 2">
+            <a:extLst>
+              <a:ext uri="{FF2B5EF4-FFF2-40B4-BE49-F238E27FC236}">
+                <a16:creationId xmlns:a16="http://schemas.microsoft.com/office/drawing/2014/main" id="{1ADA55FA-CC4F-7715-6B27-7901D536E906}"/>
+              </a:ext>
+            </a:extLst>
+          </p:cNvPr>
+          <p:cNvSpPr txBox="1"/>
+          <p:nvPr/>
+        </p:nvSpPr>
+        <p:spPr>
+          <a:xfrm>
+            <a:off x="1581504" y="221082"/>
+            <a:ext cx="9074773" cy="830997"/>
+          </a:xfrm>
+          <a:prstGeom prst="rect">
+            <a:avLst/>
+          </a:prstGeom>
+          <a:noFill/>
+        </p:spPr>
+        <p:txBody>
+          <a:bodyPr wrap="square" rtlCol="0">
+            <a:spAutoFit/>
+          </a:bodyPr>
+          <a:lstStyle/>
+          <a:p>
+            <a:pPr algn="ctr"/>
+            <a:r>
+              <a:rPr lang="en-IN" sz="4800" b="1" dirty="0">
+                <a:solidFill>
+                  <a:schemeClr val="accent1"/>
+                </a:solidFill>
+                <a:latin typeface="Oxygen" panose="02000503000000000000" pitchFamily="2" charset="77"/>
+              </a:rPr>
+              <a:t>Our Timeline</a:t>
+            </a:r>
+            <a:endParaRPr lang="en-US" sz="4800" b="1" dirty="0">
+              <a:solidFill>
+                <a:schemeClr val="accent1"/>
+              </a:solidFill>
+              <a:latin typeface="Oxygen" panose="02000503000000000000" pitchFamily="2" charset="77"/>
+            </a:endParaRPr>
+          </a:p>
+        </p:txBody>
+      </p:sp>
+      <p:graphicFrame>
+        <p:nvGraphicFramePr>
+          <p:cNvPr id="7" name="Diagram 6">
+            <a:extLst>
+              <a:ext uri="{FF2B5EF4-FFF2-40B4-BE49-F238E27FC236}">
+                <a16:creationId xmlns:a16="http://schemas.microsoft.com/office/drawing/2014/main" id="{585C9796-9A62-CC15-7553-0F541FF55DEB}"/>
+              </a:ext>
+            </a:extLst>
+          </p:cNvPr>
+          <p:cNvGraphicFramePr/>
+          <p:nvPr>
+            <p:extLst>
+              <p:ext uri="{D42A27DB-BD31-4B8C-83A1-F6EECF244321}">
+                <p14:modId xmlns:p14="http://schemas.microsoft.com/office/powerpoint/2010/main" val="4098162019"/>
+              </p:ext>
+            </p:extLst>
+          </p:nvPr>
+        </p:nvGraphicFramePr>
+        <p:xfrm>
+          <a:off x="173831" y="1357313"/>
+          <a:ext cx="11844337" cy="4865268"/>
+        </p:xfrm>
+        <a:graphic>
+          <a:graphicData uri="http://schemas.openxmlformats.org/drawingml/2006/diagram">
+            <dgm:relIds xmlns:dgm="http://schemas.openxmlformats.org/drawingml/2006/diagram" xmlns:r="http://schemas.openxmlformats.org/officeDocument/2006/relationships" r:dm="rId2" r:lo="rId3" r:qs="rId4" r:cs="rId5"/>
+          </a:graphicData>
+        </a:graphic>
+      </p:graphicFrame>
+    </p:spTree>
+    <p:extLst>
+      <p:ext uri="{BB962C8B-B14F-4D97-AF65-F5344CB8AC3E}">
+        <p14:creationId xmlns:p14="http://schemas.microsoft.com/office/powerpoint/2010/main" val="1583185961"/>
+      </p:ext>
+    </p:extLst>
+  </p:cSld>
+  <p:clrMapOvr>
+    <a:masterClrMapping/>
+  </p:clrMapOvr>
+  <p:transition advClick="0"/>
+</p:sld>
+</file>
+
+<file path=ppt/slides/slide15.xml><?xml version="1.0" encoding="utf-8"?>
+<p:sld xmlns:a="http://schemas.openxmlformats.org/drawingml/2006/main" xmlns:r="http://schemas.openxmlformats.org/officeDocument/2006/relationships" xmlns:p="http://schemas.openxmlformats.org/presentationml/2006/main">
+  <p:cSld>
+    <p:spTree>
+      <p:nvGrpSpPr>
+        <p:cNvPr id="1" name=""/>
+        <p:cNvGrpSpPr/>
+        <p:nvPr/>
+      </p:nvGrpSpPr>
+      <p:grpSpPr>
+        <a:xfrm>
+          <a:off x="0" y="0"/>
+          <a:ext cx="0" cy="0"/>
+          <a:chOff x="0" y="0"/>
+          <a:chExt cx="0" cy="0"/>
+        </a:xfrm>
+      </p:grpSpPr>
+      <p:sp>
+        <p:nvSpPr>
+          <p:cNvPr id="3" name="TextBox 2">
+            <a:extLst>
+              <a:ext uri="{FF2B5EF4-FFF2-40B4-BE49-F238E27FC236}">
+                <a16:creationId xmlns:a16="http://schemas.microsoft.com/office/drawing/2014/main" id="{1ADA55FA-CC4F-7715-6B27-7901D536E906}"/>
+              </a:ext>
+            </a:extLst>
+          </p:cNvPr>
+          <p:cNvSpPr txBox="1"/>
+          <p:nvPr/>
+        </p:nvSpPr>
+        <p:spPr>
+          <a:xfrm>
+            <a:off x="1581504" y="221082"/>
+            <a:ext cx="9074773" cy="830997"/>
+          </a:xfrm>
+          <a:prstGeom prst="rect">
+            <a:avLst/>
+          </a:prstGeom>
+          <a:noFill/>
+        </p:spPr>
+        <p:txBody>
+          <a:bodyPr wrap="square" rtlCol="0">
+            <a:spAutoFit/>
+          </a:bodyPr>
+          <a:lstStyle/>
+          <a:p>
+            <a:pPr algn="ctr"/>
+            <a:r>
+              <a:rPr lang="en-IN" sz="4800" b="1" dirty="0">
+                <a:solidFill>
+                  <a:schemeClr val="accent1"/>
+                </a:solidFill>
+                <a:latin typeface="Oxygen" panose="02000503000000000000" pitchFamily="2" charset="77"/>
+              </a:rPr>
+              <a:t>Our Timeline</a:t>
+            </a:r>
+            <a:endParaRPr lang="en-US" sz="4800" b="1" dirty="0">
+              <a:solidFill>
+                <a:schemeClr val="accent1"/>
+              </a:solidFill>
+              <a:latin typeface="Oxygen" panose="02000503000000000000" pitchFamily="2" charset="77"/>
+            </a:endParaRPr>
+          </a:p>
+        </p:txBody>
+      </p:sp>
+      <p:graphicFrame>
+        <p:nvGraphicFramePr>
+          <p:cNvPr id="7" name="Diagram 6">
+            <a:extLst>
+              <a:ext uri="{FF2B5EF4-FFF2-40B4-BE49-F238E27FC236}">
+                <a16:creationId xmlns:a16="http://schemas.microsoft.com/office/drawing/2014/main" id="{585C9796-9A62-CC15-7553-0F541FF55DEB}"/>
+              </a:ext>
+            </a:extLst>
+          </p:cNvPr>
+          <p:cNvGraphicFramePr/>
+          <p:nvPr>
+            <p:extLst>
+              <p:ext uri="{D42A27DB-BD31-4B8C-83A1-F6EECF244321}">
+                <p14:modId xmlns:p14="http://schemas.microsoft.com/office/powerpoint/2010/main" val="902624822"/>
+              </p:ext>
+            </p:extLst>
+          </p:nvPr>
+        </p:nvGraphicFramePr>
+        <p:xfrm>
+          <a:off x="173831" y="1357313"/>
+          <a:ext cx="11844337" cy="4865268"/>
+        </p:xfrm>
+        <a:graphic>
+          <a:graphicData uri="http://schemas.openxmlformats.org/drawingml/2006/diagram">
+            <dgm:relIds xmlns:dgm="http://schemas.openxmlformats.org/drawingml/2006/diagram" xmlns:r="http://schemas.openxmlformats.org/officeDocument/2006/relationships" r:dm="rId2" r:lo="rId3" r:qs="rId4" r:cs="rId5"/>
+          </a:graphicData>
+        </a:graphic>
+      </p:graphicFrame>
+    </p:spTree>
+    <p:extLst>
+      <p:ext uri="{BB962C8B-B14F-4D97-AF65-F5344CB8AC3E}">
+        <p14:creationId xmlns:p14="http://schemas.microsoft.com/office/powerpoint/2010/main" val="1148221833"/>
+      </p:ext>
+    </p:extLst>
+  </p:cSld>
+  <p:clrMapOvr>
+    <a:masterClrMapping/>
+  </p:clrMapOvr>
+  <p:transition advClick="0"/>
+</p:sld>
+</file>
+
+<file path=ppt/slides/slide16.xml><?xml version="1.0" encoding="utf-8"?>
+<p:sld xmlns:a="http://schemas.openxmlformats.org/drawingml/2006/main" xmlns:r="http://schemas.openxmlformats.org/officeDocument/2006/relationships" xmlns:p="http://schemas.openxmlformats.org/presentationml/2006/main">
+  <p:cSld>
+    <p:spTree>
+      <p:nvGrpSpPr>
+        <p:cNvPr id="1" name=""/>
+        <p:cNvGrpSpPr/>
+        <p:nvPr/>
+      </p:nvGrpSpPr>
+      <p:grpSpPr>
+        <a:xfrm>
+          <a:off x="0" y="0"/>
+          <a:ext cx="0" cy="0"/>
+          <a:chOff x="0" y="0"/>
+          <a:chExt cx="0" cy="0"/>
+        </a:xfrm>
+      </p:grpSpPr>
+      <p:sp>
+        <p:nvSpPr>
+          <p:cNvPr id="3" name="TextBox 2">
+            <a:extLst>
+              <a:ext uri="{FF2B5EF4-FFF2-40B4-BE49-F238E27FC236}">
+                <a16:creationId xmlns:a16="http://schemas.microsoft.com/office/drawing/2014/main" id="{1ADA55FA-CC4F-7715-6B27-7901D536E906}"/>
+              </a:ext>
+            </a:extLst>
+          </p:cNvPr>
+          <p:cNvSpPr txBox="1"/>
+          <p:nvPr/>
+        </p:nvSpPr>
+        <p:spPr>
+          <a:xfrm>
+            <a:off x="1581504" y="221082"/>
+            <a:ext cx="9074773" cy="830997"/>
+          </a:xfrm>
+          <a:prstGeom prst="rect">
+            <a:avLst/>
+          </a:prstGeom>
+          <a:noFill/>
+        </p:spPr>
+        <p:txBody>
+          <a:bodyPr wrap="square" rtlCol="0">
+            <a:spAutoFit/>
+          </a:bodyPr>
+          <a:lstStyle/>
+          <a:p>
+            <a:pPr algn="ctr"/>
+            <a:r>
+              <a:rPr lang="en-IN" sz="4800" b="1" dirty="0">
+                <a:solidFill>
+                  <a:schemeClr val="accent1"/>
+                </a:solidFill>
+                <a:latin typeface="Oxygen" panose="02000503000000000000" pitchFamily="2" charset="77"/>
+              </a:rPr>
+              <a:t>Our Timeline</a:t>
+            </a:r>
+            <a:endParaRPr lang="en-US" sz="4800" b="1" dirty="0">
+              <a:solidFill>
+                <a:schemeClr val="accent1"/>
+              </a:solidFill>
+              <a:latin typeface="Oxygen" panose="02000503000000000000" pitchFamily="2" charset="77"/>
+            </a:endParaRPr>
+          </a:p>
+        </p:txBody>
+      </p:sp>
+      <p:graphicFrame>
+        <p:nvGraphicFramePr>
+          <p:cNvPr id="7" name="Diagram 6">
+            <a:extLst>
+              <a:ext uri="{FF2B5EF4-FFF2-40B4-BE49-F238E27FC236}">
+                <a16:creationId xmlns:a16="http://schemas.microsoft.com/office/drawing/2014/main" id="{585C9796-9A62-CC15-7553-0F541FF55DEB}"/>
+              </a:ext>
+            </a:extLst>
+          </p:cNvPr>
+          <p:cNvGraphicFramePr/>
+          <p:nvPr>
+            <p:extLst>
+              <p:ext uri="{D42A27DB-BD31-4B8C-83A1-F6EECF244321}">
+                <p14:modId xmlns:p14="http://schemas.microsoft.com/office/powerpoint/2010/main" val="1346899573"/>
+              </p:ext>
+            </p:extLst>
+          </p:nvPr>
+        </p:nvGraphicFramePr>
+        <p:xfrm>
+          <a:off x="173831" y="928688"/>
+          <a:ext cx="11844337" cy="5708230"/>
+        </p:xfrm>
+        <a:graphic>
+          <a:graphicData uri="http://schemas.openxmlformats.org/drawingml/2006/diagram">
+            <dgm:relIds xmlns:dgm="http://schemas.openxmlformats.org/drawingml/2006/diagram" xmlns:r="http://schemas.openxmlformats.org/officeDocument/2006/relationships" r:dm="rId2" r:lo="rId3" r:qs="rId4" r:cs="rId5"/>
+          </a:graphicData>
+        </a:graphic>
+      </p:graphicFrame>
+    </p:spTree>
+    <p:extLst>
+      <p:ext uri="{BB962C8B-B14F-4D97-AF65-F5344CB8AC3E}">
+        <p14:creationId xmlns:p14="http://schemas.microsoft.com/office/powerpoint/2010/main" val="2401327818"/>
+      </p:ext>
+    </p:extLst>
+  </p:cSld>
+  <p:clrMapOvr>
+    <a:masterClrMapping/>
+  </p:clrMapOvr>
+  <p:transition advClick="0"/>
+</p:sld>
+</file>
+
+<file path=ppt/slides/slide17.xml><?xml version="1.0" encoding="utf-8"?>
+<p:sld xmlns:a="http://schemas.openxmlformats.org/drawingml/2006/main" xmlns:r="http://schemas.openxmlformats.org/officeDocument/2006/relationships" xmlns:p="http://schemas.openxmlformats.org/presentationml/2006/main">
+  <p:cSld>
+    <p:spTree>
+      <p:nvGrpSpPr>
+        <p:cNvPr id="1" name=""/>
+        <p:cNvGrpSpPr/>
+        <p:nvPr/>
+      </p:nvGrpSpPr>
+      <p:grpSpPr>
+        <a:xfrm>
+          <a:off x="0" y="0"/>
+          <a:ext cx="0" cy="0"/>
+          <a:chOff x="0" y="0"/>
+          <a:chExt cx="0" cy="0"/>
+        </a:xfrm>
+      </p:grpSpPr>
+      <p:sp>
+        <p:nvSpPr>
+          <p:cNvPr id="9" name="TextBox 8"/>
+          <p:cNvSpPr txBox="1"/>
+          <p:nvPr/>
+        </p:nvSpPr>
+        <p:spPr>
+          <a:xfrm>
+            <a:off x="1815821" y="2644170"/>
+            <a:ext cx="8560357" cy="1569660"/>
+          </a:xfrm>
+          <a:prstGeom prst="rect">
+            <a:avLst/>
+          </a:prstGeom>
+          <a:noFill/>
+        </p:spPr>
+        <p:txBody>
+          <a:bodyPr wrap="none" rtlCol="0">
+            <a:spAutoFit/>
+          </a:bodyPr>
+          <a:lstStyle/>
+          <a:p>
+            <a:pPr algn="ctr"/>
+            <a:r>
+              <a:rPr lang="en-US" sz="9600" b="1" spc="300" dirty="0">
+                <a:solidFill>
+                  <a:schemeClr val="accent1"/>
+                </a:solidFill>
+                <a:latin typeface="Oxygen" panose="02000503000000090004" pitchFamily="2" charset="77"/>
+                <a:ea typeface="Nunito Bold" charset="0"/>
+                <a:cs typeface="Arima Madurai Black" pitchFamily="2" charset="77"/>
+              </a:rPr>
+              <a:t>THANK</a:t>
+            </a:r>
+            <a:r>
+              <a:rPr lang="en-IN" sz="9600" b="1" spc="300" dirty="0">
+                <a:solidFill>
+                  <a:schemeClr val="accent1"/>
+                </a:solidFill>
+                <a:latin typeface="Oxygen" panose="02000503000000090004" pitchFamily="2" charset="77"/>
+                <a:ea typeface="Nunito Bold" charset="0"/>
+                <a:cs typeface="Arima Madurai Black" pitchFamily="2" charset="77"/>
+              </a:rPr>
+              <a:t> YOU!!</a:t>
+            </a:r>
+            <a:endParaRPr lang="en-US" sz="9600" b="1" spc="300" dirty="0">
+              <a:solidFill>
+                <a:schemeClr val="accent1"/>
+              </a:solidFill>
+              <a:latin typeface="Oxygen" panose="02000503000000090004" pitchFamily="2" charset="77"/>
+              <a:ea typeface="Nunito Bold" charset="0"/>
+              <a:cs typeface="Arima Madurai Black" pitchFamily="2" charset="77"/>
+            </a:endParaRPr>
+          </a:p>
+        </p:txBody>
+      </p:sp>
+    </p:spTree>
+    <p:extLst>
+      <p:ext uri="{BB962C8B-B14F-4D97-AF65-F5344CB8AC3E}">
+        <p14:creationId xmlns:p14="http://schemas.microsoft.com/office/powerpoint/2010/main" val="1524788130"/>
+      </p:ext>
+    </p:extLst>
+  </p:cSld>
+  <p:clrMapOvr>
+    <a:masterClrMapping/>
+  </p:clrMapOvr>
+  <p:transition advClick="0"/>
+</p:sld>
+</file>
+
+<file path=ppt/slides/slide2.xml><?xml version="1.0" encoding="utf-8"?>
+<p:sld xmlns:a="http://schemas.openxmlformats.org/drawingml/2006/main" xmlns:r="http://schemas.openxmlformats.org/officeDocument/2006/relationships" xmlns:p="http://schemas.openxmlformats.org/presentationml/2006/main">
+  <p:cSld>
+    <p:spTree>
+      <p:nvGrpSpPr>
+        <p:cNvPr id="1" name=""/>
+        <p:cNvGrpSpPr/>
+        <p:nvPr/>
+      </p:nvGrpSpPr>
+      <p:grpSpPr>
+        <a:xfrm>
+          <a:off x="0" y="0"/>
+          <a:ext cx="0" cy="0"/>
+          <a:chOff x="0" y="0"/>
+          <a:chExt cx="0" cy="0"/>
+        </a:xfrm>
+      </p:grpSpPr>
+      <p:sp>
+        <p:nvSpPr>
+          <p:cNvPr id="59" name="TextBox 58">
+            <a:extLst>
+              <a:ext uri="{FF2B5EF4-FFF2-40B4-BE49-F238E27FC236}">
+                <a16:creationId xmlns:a16="http://schemas.microsoft.com/office/drawing/2014/main" id="{98CEB661-0986-574F-9D6B-99CF0FE09E75}"/>
+              </a:ext>
+            </a:extLst>
+          </p:cNvPr>
+          <p:cNvSpPr txBox="1"/>
+          <p:nvPr/>
+        </p:nvSpPr>
+        <p:spPr>
+          <a:xfrm>
+            <a:off x="1417791" y="3292011"/>
+            <a:ext cx="8892603" cy="519053"/>
+          </a:xfrm>
+          <a:prstGeom prst="rect">
+            <a:avLst/>
+          </a:prstGeom>
+          <a:noFill/>
+        </p:spPr>
+        <p:txBody>
+          <a:bodyPr wrap="square" rtlCol="0">
+            <a:spAutoFit/>
+          </a:bodyPr>
+          <a:lstStyle/>
+          <a:p>
+            <a:pPr>
+              <a:lnSpc>
+                <a:spcPts val="3600"/>
+              </a:lnSpc>
+            </a:pPr>
+            <a:r>
+              <a:rPr lang="en-IN" sz="2800" dirty="0">
+                <a:latin typeface="Oxygen" panose="02000503000000090004" pitchFamily="2" charset="77"/>
+                <a:ea typeface="Lato Light" panose="020F0502020204030203" pitchFamily="34" charset="0"/>
+                <a:cs typeface="Arima Madurai Light" pitchFamily="2" charset="77"/>
+              </a:rPr>
+              <a:t>Newton’s forward &amp; backward interpolation </a:t>
+            </a:r>
+            <a:endParaRPr lang="en-US" sz="2800" dirty="0">
+              <a:latin typeface="Oxygen" panose="02000503000000090004" pitchFamily="2" charset="77"/>
+              <a:ea typeface="Lato Light" panose="020F0502020204030203" pitchFamily="34" charset="0"/>
+              <a:cs typeface="Arima Madurai Light" pitchFamily="2" charset="77"/>
+            </a:endParaRPr>
+          </a:p>
+        </p:txBody>
+      </p:sp>
+      <p:sp>
+        <p:nvSpPr>
+          <p:cNvPr id="60" name="TextBox 59">
+            <a:extLst>
+              <a:ext uri="{FF2B5EF4-FFF2-40B4-BE49-F238E27FC236}">
+                <a16:creationId xmlns:a16="http://schemas.microsoft.com/office/drawing/2014/main" id="{4FE6CA15-9B0B-F642-942F-026A33A42767}"/>
+              </a:ext>
+            </a:extLst>
+          </p:cNvPr>
+          <p:cNvSpPr txBox="1"/>
+          <p:nvPr/>
+        </p:nvSpPr>
+        <p:spPr>
+          <a:xfrm>
+            <a:off x="1438670" y="2079491"/>
+            <a:ext cx="5927647" cy="519053"/>
+          </a:xfrm>
+          <a:prstGeom prst="rect">
+            <a:avLst/>
+          </a:prstGeom>
+          <a:noFill/>
+        </p:spPr>
+        <p:txBody>
+          <a:bodyPr wrap="square" rtlCol="0">
+            <a:spAutoFit/>
+          </a:bodyPr>
+          <a:lstStyle/>
+          <a:p>
+            <a:pPr>
+              <a:lnSpc>
+                <a:spcPts val="3600"/>
+              </a:lnSpc>
+            </a:pPr>
+            <a:r>
+              <a:rPr lang="en-IN" sz="2800" dirty="0" err="1">
+                <a:latin typeface="Oxygen" panose="02000503000000090004" pitchFamily="2" charset="77"/>
+                <a:ea typeface="Lato Light" panose="020F0502020204030203" pitchFamily="34" charset="0"/>
+                <a:cs typeface="Arima Madurai Light" pitchFamily="2" charset="77"/>
+              </a:rPr>
+              <a:t>Guass</a:t>
+            </a:r>
+            <a:r>
+              <a:rPr lang="en-IN" sz="2800" dirty="0">
+                <a:latin typeface="Oxygen" panose="02000503000000090004" pitchFamily="2" charset="77"/>
+                <a:ea typeface="Lato Light" panose="020F0502020204030203" pitchFamily="34" charset="0"/>
+                <a:cs typeface="Arima Madurai Light" pitchFamily="2" charset="77"/>
+              </a:rPr>
+              <a:t> Elimination Method </a:t>
+            </a:r>
+            <a:endParaRPr lang="en-US" sz="2800" dirty="0">
+              <a:latin typeface="Oxygen" panose="02000503000000090004" pitchFamily="2" charset="77"/>
+              <a:ea typeface="Lato Light" panose="020F0502020204030203" pitchFamily="34" charset="0"/>
+              <a:cs typeface="Arima Madurai Light" pitchFamily="2" charset="77"/>
+            </a:endParaRPr>
+          </a:p>
+        </p:txBody>
+      </p:sp>
+      <p:sp>
+        <p:nvSpPr>
+          <p:cNvPr id="61" name="TextBox 60">
+            <a:extLst>
+              <a:ext uri="{FF2B5EF4-FFF2-40B4-BE49-F238E27FC236}">
+                <a16:creationId xmlns:a16="http://schemas.microsoft.com/office/drawing/2014/main" id="{285A00EB-6E19-6B40-9784-DC91AD0ADC92}"/>
+              </a:ext>
+            </a:extLst>
+          </p:cNvPr>
+          <p:cNvSpPr txBox="1"/>
+          <p:nvPr/>
+        </p:nvSpPr>
+        <p:spPr>
+          <a:xfrm>
+            <a:off x="1430989" y="2668195"/>
+            <a:ext cx="5419708" cy="515526"/>
+          </a:xfrm>
+          <a:prstGeom prst="rect">
+            <a:avLst/>
+          </a:prstGeom>
+          <a:noFill/>
+        </p:spPr>
+        <p:txBody>
+          <a:bodyPr wrap="square" rtlCol="0">
+            <a:spAutoFit/>
+          </a:bodyPr>
+          <a:lstStyle/>
+          <a:p>
+            <a:pPr>
+              <a:lnSpc>
+                <a:spcPts val="3600"/>
+              </a:lnSpc>
+            </a:pPr>
+            <a:r>
+              <a:rPr lang="en-IN" sz="2800" dirty="0" err="1">
+                <a:latin typeface="Oxygen" panose="02000503000000090004" pitchFamily="2" charset="77"/>
+                <a:ea typeface="Lato Light" panose="020F0502020204030203" pitchFamily="34" charset="0"/>
+                <a:cs typeface="Arima Madurai Light" pitchFamily="2" charset="77"/>
+              </a:rPr>
+              <a:t>Guass-Seidel</a:t>
+            </a:r>
+            <a:r>
+              <a:rPr lang="en-IN" sz="2800" dirty="0">
+                <a:latin typeface="Oxygen" panose="02000503000000090004" pitchFamily="2" charset="77"/>
+                <a:ea typeface="Lato Light" panose="020F0502020204030203" pitchFamily="34" charset="0"/>
+                <a:cs typeface="Arima Madurai Light" pitchFamily="2" charset="77"/>
+              </a:rPr>
+              <a:t> Method</a:t>
+            </a:r>
+            <a:endParaRPr lang="en-US" sz="2800" dirty="0">
+              <a:latin typeface="Oxygen" panose="02000503000000090004" pitchFamily="2" charset="77"/>
+              <a:ea typeface="Lato Light" panose="020F0502020204030203" pitchFamily="34" charset="0"/>
+              <a:cs typeface="Arima Madurai Light" pitchFamily="2" charset="77"/>
+            </a:endParaRPr>
+          </a:p>
+        </p:txBody>
+      </p:sp>
+      <p:sp>
+        <p:nvSpPr>
+          <p:cNvPr id="63" name="TextBox 62">
+            <a:extLst>
+              <a:ext uri="{FF2B5EF4-FFF2-40B4-BE49-F238E27FC236}">
+                <a16:creationId xmlns:a16="http://schemas.microsoft.com/office/drawing/2014/main" id="{60C170A5-2BCC-1641-AC0F-97230E222901}"/>
+              </a:ext>
+            </a:extLst>
+          </p:cNvPr>
+          <p:cNvSpPr txBox="1"/>
+          <p:nvPr/>
+        </p:nvSpPr>
+        <p:spPr>
+          <a:xfrm>
+            <a:off x="1085347" y="1165607"/>
+            <a:ext cx="9995756" cy="646331"/>
+          </a:xfrm>
+          <a:prstGeom prst="rect">
+            <a:avLst/>
+          </a:prstGeom>
+          <a:noFill/>
+        </p:spPr>
+        <p:txBody>
+          <a:bodyPr wrap="square" rtlCol="0">
+            <a:spAutoFit/>
+          </a:bodyPr>
+          <a:lstStyle/>
+          <a:p>
+            <a:r>
+              <a:rPr lang="en-IN" sz="3600" b="1" u="sng" dirty="0">
+                <a:solidFill>
+                  <a:schemeClr val="accent1"/>
+                </a:solidFill>
+                <a:latin typeface="Oxygen" panose="02000503000000090004" pitchFamily="2" charset="77"/>
+                <a:ea typeface="Nunito Bold" charset="0"/>
+                <a:cs typeface="Mukta SemiBold" panose="020B0000000000000000" pitchFamily="34" charset="77"/>
+              </a:rPr>
+              <a:t>Sub-topics:</a:t>
+            </a:r>
+            <a:endParaRPr lang="en-US" sz="3600" b="1" u="sng" dirty="0">
+              <a:solidFill>
+                <a:schemeClr val="accent1"/>
+              </a:solidFill>
+              <a:latin typeface="Oxygen" panose="02000503000000090004" pitchFamily="2" charset="77"/>
+              <a:ea typeface="Nunito Bold" charset="0"/>
+              <a:cs typeface="Mukta SemiBold" panose="020B0000000000000000" pitchFamily="34" charset="77"/>
+            </a:endParaRPr>
+          </a:p>
+        </p:txBody>
+      </p:sp>
+      <p:sp>
+        <p:nvSpPr>
+          <p:cNvPr id="503" name="Freeform 55">
+            <a:extLst>
+              <a:ext uri="{FF2B5EF4-FFF2-40B4-BE49-F238E27FC236}">
+                <a16:creationId xmlns:a16="http://schemas.microsoft.com/office/drawing/2014/main" id="{D43D1CBA-DECD-CE42-8D16-890A21FA8AC1}"/>
+              </a:ext>
+            </a:extLst>
+          </p:cNvPr>
+          <p:cNvSpPr>
+            <a:spLocks noChangeArrowheads="1"/>
+          </p:cNvSpPr>
+          <p:nvPr/>
+        </p:nvSpPr>
+        <p:spPr bwMode="auto">
+          <a:xfrm rot="11369540">
+            <a:off x="1106875" y="2227507"/>
+            <a:ext cx="283226" cy="284583"/>
+          </a:xfrm>
+          <a:custGeom>
+            <a:avLst/>
+            <a:gdLst>
+              <a:gd name="T0" fmla="*/ 42 w 390"/>
+              <a:gd name="T1" fmla="*/ 271 h 391"/>
+              <a:gd name="T2" fmla="*/ 42 w 390"/>
+              <a:gd name="T3" fmla="*/ 271 h 391"/>
+              <a:gd name="T4" fmla="*/ 270 w 390"/>
+              <a:gd name="T5" fmla="*/ 348 h 391"/>
+              <a:gd name="T6" fmla="*/ 270 w 390"/>
+              <a:gd name="T7" fmla="*/ 348 h 391"/>
+              <a:gd name="T8" fmla="*/ 347 w 390"/>
+              <a:gd name="T9" fmla="*/ 119 h 391"/>
+              <a:gd name="T10" fmla="*/ 347 w 390"/>
+              <a:gd name="T11" fmla="*/ 119 h 391"/>
+              <a:gd name="T12" fmla="*/ 118 w 390"/>
+              <a:gd name="T13" fmla="*/ 42 h 391"/>
+              <a:gd name="T14" fmla="*/ 118 w 390"/>
+              <a:gd name="T15" fmla="*/ 42 h 391"/>
+              <a:gd name="T16" fmla="*/ 42 w 390"/>
+              <a:gd name="T17" fmla="*/ 271 h 391"/>
+            </a:gdLst>
+            <a:ahLst/>
+            <a:cxnLst>
+              <a:cxn ang="0">
+                <a:pos x="T0" y="T1"/>
+              </a:cxn>
+              <a:cxn ang="0">
+                <a:pos x="T2" y="T3"/>
+              </a:cxn>
+              <a:cxn ang="0">
+                <a:pos x="T4" y="T5"/>
+              </a:cxn>
+              <a:cxn ang="0">
+                <a:pos x="T6" y="T7"/>
+              </a:cxn>
+              <a:cxn ang="0">
+                <a:pos x="T8" y="T9"/>
+              </a:cxn>
+              <a:cxn ang="0">
+                <a:pos x="T10" y="T11"/>
+              </a:cxn>
+              <a:cxn ang="0">
+                <a:pos x="T12" y="T13"/>
+              </a:cxn>
+              <a:cxn ang="0">
+                <a:pos x="T14" y="T15"/>
+              </a:cxn>
+              <a:cxn ang="0">
+                <a:pos x="T16" y="T17"/>
+              </a:cxn>
+            </a:cxnLst>
+            <a:rect l="0" t="0" r="r" b="b"/>
+            <a:pathLst>
+              <a:path w="390" h="391">
+                <a:moveTo>
+                  <a:pt x="42" y="271"/>
+                </a:moveTo>
+                <a:lnTo>
+                  <a:pt x="42" y="271"/>
+                </a:lnTo>
+                <a:cubicBezTo>
+                  <a:pt x="84" y="356"/>
+                  <a:pt x="187" y="390"/>
+                  <a:pt x="270" y="348"/>
+                </a:cubicBezTo>
+                <a:lnTo>
+                  <a:pt x="270" y="348"/>
+                </a:lnTo>
+                <a:cubicBezTo>
+                  <a:pt x="355" y="306"/>
+                  <a:pt x="389" y="203"/>
+                  <a:pt x="347" y="119"/>
+                </a:cubicBezTo>
+                <a:lnTo>
+                  <a:pt x="347" y="119"/>
+                </a:lnTo>
+                <a:cubicBezTo>
+                  <a:pt x="305" y="34"/>
+                  <a:pt x="202" y="0"/>
+                  <a:pt x="118" y="42"/>
+                </a:cubicBezTo>
+                <a:lnTo>
+                  <a:pt x="118" y="42"/>
+                </a:lnTo>
+                <a:cubicBezTo>
+                  <a:pt x="34" y="84"/>
+                  <a:pt x="0" y="187"/>
+                  <a:pt x="42" y="271"/>
+                </a:cubicBezTo>
+              </a:path>
+            </a:pathLst>
+          </a:custGeom>
+          <a:solidFill>
+            <a:schemeClr val="accent1"/>
+          </a:solidFill>
+          <a:ln>
+            <a:noFill/>
+          </a:ln>
+          <a:effectLst/>
+        </p:spPr>
+        <p:txBody>
+          <a:bodyPr wrap="none" anchor="ctr"/>
+          <a:lstStyle/>
+          <a:p>
+            <a:endParaRPr lang="es-ES_tradnl" dirty="0"/>
+          </a:p>
+        </p:txBody>
+      </p:sp>
+      <p:sp>
+        <p:nvSpPr>
+          <p:cNvPr id="504" name="Freeform 55">
+            <a:extLst>
+              <a:ext uri="{FF2B5EF4-FFF2-40B4-BE49-F238E27FC236}">
+                <a16:creationId xmlns:a16="http://schemas.microsoft.com/office/drawing/2014/main" id="{FB3FFE4C-97DA-4445-BCFE-F67A3FC32CED}"/>
+              </a:ext>
+            </a:extLst>
+          </p:cNvPr>
+          <p:cNvSpPr>
+            <a:spLocks noChangeArrowheads="1"/>
+          </p:cNvSpPr>
+          <p:nvPr/>
+        </p:nvSpPr>
+        <p:spPr bwMode="auto">
+          <a:xfrm rot="11369540">
+            <a:off x="1106990" y="2827168"/>
+            <a:ext cx="283226" cy="284583"/>
+          </a:xfrm>
+          <a:custGeom>
+            <a:avLst/>
+            <a:gdLst>
+              <a:gd name="T0" fmla="*/ 42 w 390"/>
+              <a:gd name="T1" fmla="*/ 271 h 391"/>
+              <a:gd name="T2" fmla="*/ 42 w 390"/>
+              <a:gd name="T3" fmla="*/ 271 h 391"/>
+              <a:gd name="T4" fmla="*/ 270 w 390"/>
+              <a:gd name="T5" fmla="*/ 348 h 391"/>
+              <a:gd name="T6" fmla="*/ 270 w 390"/>
+              <a:gd name="T7" fmla="*/ 348 h 391"/>
+              <a:gd name="T8" fmla="*/ 347 w 390"/>
+              <a:gd name="T9" fmla="*/ 119 h 391"/>
+              <a:gd name="T10" fmla="*/ 347 w 390"/>
+              <a:gd name="T11" fmla="*/ 119 h 391"/>
+              <a:gd name="T12" fmla="*/ 118 w 390"/>
+              <a:gd name="T13" fmla="*/ 42 h 391"/>
+              <a:gd name="T14" fmla="*/ 118 w 390"/>
+              <a:gd name="T15" fmla="*/ 42 h 391"/>
+              <a:gd name="T16" fmla="*/ 42 w 390"/>
+              <a:gd name="T17" fmla="*/ 271 h 391"/>
+            </a:gdLst>
+            <a:ahLst/>
+            <a:cxnLst>
+              <a:cxn ang="0">
+                <a:pos x="T0" y="T1"/>
+              </a:cxn>
+              <a:cxn ang="0">
+                <a:pos x="T2" y="T3"/>
+              </a:cxn>
+              <a:cxn ang="0">
+                <a:pos x="T4" y="T5"/>
+              </a:cxn>
+              <a:cxn ang="0">
+                <a:pos x="T6" y="T7"/>
+              </a:cxn>
+              <a:cxn ang="0">
+                <a:pos x="T8" y="T9"/>
+              </a:cxn>
+              <a:cxn ang="0">
+                <a:pos x="T10" y="T11"/>
+              </a:cxn>
+              <a:cxn ang="0">
+                <a:pos x="T12" y="T13"/>
+              </a:cxn>
+              <a:cxn ang="0">
+                <a:pos x="T14" y="T15"/>
+              </a:cxn>
+              <a:cxn ang="0">
+                <a:pos x="T16" y="T17"/>
+              </a:cxn>
+            </a:cxnLst>
+            <a:rect l="0" t="0" r="r" b="b"/>
+            <a:pathLst>
+              <a:path w="390" h="391">
+                <a:moveTo>
+                  <a:pt x="42" y="271"/>
+                </a:moveTo>
+                <a:lnTo>
+                  <a:pt x="42" y="271"/>
+                </a:lnTo>
+                <a:cubicBezTo>
+                  <a:pt x="84" y="356"/>
+                  <a:pt x="187" y="390"/>
+                  <a:pt x="270" y="348"/>
+                </a:cubicBezTo>
+                <a:lnTo>
+                  <a:pt x="270" y="348"/>
+                </a:lnTo>
+                <a:cubicBezTo>
+                  <a:pt x="355" y="306"/>
+                  <a:pt x="389" y="203"/>
+                  <a:pt x="347" y="119"/>
+                </a:cubicBezTo>
+                <a:lnTo>
+                  <a:pt x="347" y="119"/>
+                </a:lnTo>
+                <a:cubicBezTo>
+                  <a:pt x="305" y="34"/>
+                  <a:pt x="202" y="0"/>
+                  <a:pt x="118" y="42"/>
+                </a:cubicBezTo>
+                <a:lnTo>
+                  <a:pt x="118" y="42"/>
+                </a:lnTo>
+                <a:cubicBezTo>
+                  <a:pt x="34" y="84"/>
+                  <a:pt x="0" y="187"/>
+                  <a:pt x="42" y="271"/>
+                </a:cubicBezTo>
+              </a:path>
+            </a:pathLst>
+          </a:custGeom>
+          <a:solidFill>
+            <a:schemeClr val="accent2"/>
+          </a:solidFill>
+          <a:ln>
+            <a:noFill/>
+          </a:ln>
+          <a:effectLst/>
+        </p:spPr>
+        <p:txBody>
+          <a:bodyPr wrap="none" anchor="ctr"/>
+          <a:lstStyle/>
+          <a:p>
+            <a:endParaRPr lang="es-ES_tradnl"/>
+          </a:p>
+        </p:txBody>
+      </p:sp>
+      <p:sp>
+        <p:nvSpPr>
+          <p:cNvPr id="505" name="Freeform 55">
+            <a:extLst>
+              <a:ext uri="{FF2B5EF4-FFF2-40B4-BE49-F238E27FC236}">
+                <a16:creationId xmlns:a16="http://schemas.microsoft.com/office/drawing/2014/main" id="{73B0943B-CAAF-2F41-A02D-C051C944994A}"/>
+              </a:ext>
+            </a:extLst>
+          </p:cNvPr>
+          <p:cNvSpPr>
+            <a:spLocks noChangeArrowheads="1"/>
+          </p:cNvSpPr>
+          <p:nvPr/>
+        </p:nvSpPr>
+        <p:spPr bwMode="auto">
+          <a:xfrm rot="11369540">
+            <a:off x="1106990" y="3422116"/>
+            <a:ext cx="283226" cy="284583"/>
+          </a:xfrm>
+          <a:custGeom>
+            <a:avLst/>
+            <a:gdLst>
+              <a:gd name="T0" fmla="*/ 42 w 390"/>
+              <a:gd name="T1" fmla="*/ 271 h 391"/>
+              <a:gd name="T2" fmla="*/ 42 w 390"/>
+              <a:gd name="T3" fmla="*/ 271 h 391"/>
+              <a:gd name="T4" fmla="*/ 270 w 390"/>
+              <a:gd name="T5" fmla="*/ 348 h 391"/>
+              <a:gd name="T6" fmla="*/ 270 w 390"/>
+              <a:gd name="T7" fmla="*/ 348 h 391"/>
+              <a:gd name="T8" fmla="*/ 347 w 390"/>
+              <a:gd name="T9" fmla="*/ 119 h 391"/>
+              <a:gd name="T10" fmla="*/ 347 w 390"/>
+              <a:gd name="T11" fmla="*/ 119 h 391"/>
+              <a:gd name="T12" fmla="*/ 118 w 390"/>
+              <a:gd name="T13" fmla="*/ 42 h 391"/>
+              <a:gd name="T14" fmla="*/ 118 w 390"/>
+              <a:gd name="T15" fmla="*/ 42 h 391"/>
+              <a:gd name="T16" fmla="*/ 42 w 390"/>
+              <a:gd name="T17" fmla="*/ 271 h 391"/>
+            </a:gdLst>
+            <a:ahLst/>
+            <a:cxnLst>
+              <a:cxn ang="0">
+                <a:pos x="T0" y="T1"/>
+              </a:cxn>
+              <a:cxn ang="0">
+                <a:pos x="T2" y="T3"/>
+              </a:cxn>
+              <a:cxn ang="0">
+                <a:pos x="T4" y="T5"/>
+              </a:cxn>
+              <a:cxn ang="0">
+                <a:pos x="T6" y="T7"/>
+              </a:cxn>
+              <a:cxn ang="0">
+                <a:pos x="T8" y="T9"/>
+              </a:cxn>
+              <a:cxn ang="0">
+                <a:pos x="T10" y="T11"/>
+              </a:cxn>
+              <a:cxn ang="0">
+                <a:pos x="T12" y="T13"/>
+              </a:cxn>
+              <a:cxn ang="0">
+                <a:pos x="T14" y="T15"/>
+              </a:cxn>
+              <a:cxn ang="0">
+                <a:pos x="T16" y="T17"/>
+              </a:cxn>
+            </a:cxnLst>
+            <a:rect l="0" t="0" r="r" b="b"/>
+            <a:pathLst>
+              <a:path w="390" h="391">
+                <a:moveTo>
+                  <a:pt x="42" y="271"/>
+                </a:moveTo>
+                <a:lnTo>
+                  <a:pt x="42" y="271"/>
+                </a:lnTo>
+                <a:cubicBezTo>
+                  <a:pt x="84" y="356"/>
+                  <a:pt x="187" y="390"/>
+                  <a:pt x="270" y="348"/>
+                </a:cubicBezTo>
+                <a:lnTo>
+                  <a:pt x="270" y="348"/>
+                </a:lnTo>
+                <a:cubicBezTo>
+                  <a:pt x="355" y="306"/>
+                  <a:pt x="389" y="203"/>
+                  <a:pt x="347" y="119"/>
+                </a:cubicBezTo>
+                <a:lnTo>
+                  <a:pt x="347" y="119"/>
+                </a:lnTo>
+                <a:cubicBezTo>
+                  <a:pt x="305" y="34"/>
+                  <a:pt x="202" y="0"/>
+                  <a:pt x="118" y="42"/>
+                </a:cubicBezTo>
+                <a:lnTo>
+                  <a:pt x="118" y="42"/>
+                </a:lnTo>
+                <a:cubicBezTo>
+                  <a:pt x="34" y="84"/>
+                  <a:pt x="0" y="187"/>
+                  <a:pt x="42" y="271"/>
+                </a:cubicBezTo>
+              </a:path>
+            </a:pathLst>
+          </a:custGeom>
+          <a:solidFill>
+            <a:schemeClr val="accent3"/>
+          </a:solidFill>
+          <a:ln>
+            <a:noFill/>
+          </a:ln>
+          <a:effectLst/>
+        </p:spPr>
+        <p:txBody>
+          <a:bodyPr wrap="none" anchor="ctr"/>
+          <a:lstStyle/>
+          <a:p>
+            <a:endParaRPr lang="es-ES_tradnl"/>
+          </a:p>
+        </p:txBody>
+      </p:sp>
+      <p:sp>
+        <p:nvSpPr>
+          <p:cNvPr id="11" name="Oval 10">
+            <a:extLst>
+              <a:ext uri="{FF2B5EF4-FFF2-40B4-BE49-F238E27FC236}">
+                <a16:creationId xmlns:a16="http://schemas.microsoft.com/office/drawing/2014/main" id="{1152D7C3-FA5C-CD86-96E8-63A20F85E0D5}"/>
+              </a:ext>
+            </a:extLst>
+          </p:cNvPr>
+          <p:cNvSpPr/>
+          <p:nvPr/>
+        </p:nvSpPr>
+        <p:spPr>
+          <a:xfrm>
+            <a:off x="1143000" y="3969935"/>
+            <a:ext cx="268629" cy="275217"/>
+          </a:xfrm>
+          <a:prstGeom prst="ellipse">
+            <a:avLst/>
+          </a:prstGeom>
+          <a:solidFill>
+            <a:schemeClr val="accent4">
+              <a:lumMod val="75000"/>
+            </a:schemeClr>
+          </a:solidFill>
+          <a:ln>
+            <a:solidFill>
+              <a:schemeClr val="accent4">
+                <a:lumMod val="75000"/>
+              </a:schemeClr>
+            </a:solidFill>
+          </a:ln>
+        </p:spPr>
+        <p:style>
+          <a:lnRef idx="2">
+            <a:schemeClr val="accent1">
+              <a:shade val="50000"/>
+            </a:schemeClr>
+          </a:lnRef>
+          <a:fillRef idx="1">
+            <a:schemeClr val="accent1"/>
+          </a:fillRef>
+          <a:effectRef idx="0">
+            <a:schemeClr val="accent1"/>
+          </a:effectRef>
+          <a:fontRef idx="minor">
+            <a:schemeClr val="lt1"/>
+          </a:fontRef>
+        </p:style>
+        <p:txBody>
+          <a:bodyPr rtlCol="0" anchor="ctr"/>
+          <a:lstStyle/>
+          <a:p>
+            <a:pPr algn="ctr"/>
+            <a:endParaRPr lang="en-US"/>
+          </a:p>
+        </p:txBody>
+      </p:sp>
+      <p:sp>
+        <p:nvSpPr>
+          <p:cNvPr id="12" name="TextBox 11">
+            <a:extLst>
+              <a:ext uri="{FF2B5EF4-FFF2-40B4-BE49-F238E27FC236}">
+                <a16:creationId xmlns:a16="http://schemas.microsoft.com/office/drawing/2014/main" id="{53F621FB-CDB0-A0C2-C1B0-57B7338E9BFE}"/>
+              </a:ext>
+            </a:extLst>
+          </p:cNvPr>
+          <p:cNvSpPr txBox="1"/>
+          <p:nvPr/>
+        </p:nvSpPr>
+        <p:spPr>
+          <a:xfrm>
+            <a:off x="1438670" y="3834272"/>
+            <a:ext cx="7361157" cy="523220"/>
+          </a:xfrm>
+          <a:prstGeom prst="rect">
+            <a:avLst/>
+          </a:prstGeom>
+          <a:noFill/>
+        </p:spPr>
+        <p:txBody>
+          <a:bodyPr wrap="square" rtlCol="0">
+            <a:spAutoFit/>
+          </a:bodyPr>
+          <a:lstStyle/>
+          <a:p>
+            <a:pPr algn="l"/>
+            <a:r>
+              <a:rPr lang="en-IN" sz="2800" dirty="0">
+                <a:latin typeface="Oxygen" panose="02000503000000000000" pitchFamily="2" charset="77"/>
+              </a:rPr>
+              <a:t>Inverse of matrix using </a:t>
+            </a:r>
+            <a:r>
+              <a:rPr lang="en-IN" sz="2800" dirty="0" err="1">
+                <a:latin typeface="Oxygen" panose="02000503000000000000" pitchFamily="2" charset="77"/>
+              </a:rPr>
+              <a:t>Guass</a:t>
+            </a:r>
+            <a:r>
+              <a:rPr lang="en-IN" sz="2800" dirty="0">
+                <a:latin typeface="Oxygen" panose="02000503000000000000" pitchFamily="2" charset="77"/>
+              </a:rPr>
+              <a:t> Elimination </a:t>
+            </a:r>
+            <a:endParaRPr lang="en-US" sz="2800" dirty="0">
+              <a:latin typeface="Oxygen" panose="02000503000000000000" pitchFamily="2" charset="77"/>
+            </a:endParaRPr>
+          </a:p>
+        </p:txBody>
+      </p:sp>
+    </p:spTree>
+    <p:extLst>
+      <p:ext uri="{BB962C8B-B14F-4D97-AF65-F5344CB8AC3E}">
+        <p14:creationId xmlns:p14="http://schemas.microsoft.com/office/powerpoint/2010/main" val="1201655497"/>
+      </p:ext>
+    </p:extLst>
+  </p:cSld>
+  <p:clrMapOvr>
+    <a:masterClrMapping/>
+  </p:clrMapOvr>
+  <p:transition spd="med"/>
+  <p:timing>
+    <p:tnLst>
+      <p:par>
+        <p:cTn id="1" dur="indefinite" restart="never" nodeType="tmRoot">
+          <p:childTnLst>
+            <p:seq concurrent="1" nextAc="seek">
+              <p:cTn id="2" dur="0" nodeType="mainSeq"/>
+              <p:prevCondLst>
+                <p:cond evt="onPrev" delay="0">
+                  <p:tgtEl>
+                    <p:sldTgt/>
+                  </p:tgtEl>
+                </p:cond>
+              </p:prevCondLst>
+              <p:nextCondLst>
+                <p:cond evt="onNext" delay="0">
+                  <p:tgtEl>
+                    <p:sldTgt/>
+                  </p:tgtEl>
+                </p:cond>
+              </p:nextCondLst>
+            </p:seq>
+          </p:childTnLst>
+        </p:cTn>
+      </p:par>
+    </p:tnLst>
+  </p:timing>
+</p:sld>
+</file>
+
+<file path=ppt/slides/slide3.xml><?xml version="1.0" encoding="utf-8"?>
+<p:sld xmlns:a="http://schemas.openxmlformats.org/drawingml/2006/main" xmlns:r="http://schemas.openxmlformats.org/officeDocument/2006/relationships" xmlns:p="http://schemas.openxmlformats.org/presentationml/2006/main">
+  <p:cSld>
+    <p:spTree>
+      <p:nvGrpSpPr>
+        <p:cNvPr id="1" name=""/>
+        <p:cNvGrpSpPr/>
+        <p:nvPr/>
+      </p:nvGrpSpPr>
+      <p:grpSpPr>
+        <a:xfrm>
+          <a:off x="0" y="0"/>
+          <a:ext cx="0" cy="0"/>
+          <a:chOff x="0" y="0"/>
+          <a:chExt cx="0" cy="0"/>
+        </a:xfrm>
+      </p:grpSpPr>
+      <p:sp>
+        <p:nvSpPr>
+          <p:cNvPr id="36" name="TextBox 35"/>
+          <p:cNvSpPr txBox="1"/>
+          <p:nvPr/>
+        </p:nvSpPr>
+        <p:spPr>
+          <a:xfrm>
+            <a:off x="730588" y="2157746"/>
+            <a:ext cx="6030492" cy="2208297"/>
+          </a:xfrm>
+          <a:prstGeom prst="rect">
+            <a:avLst/>
+          </a:prstGeom>
+          <a:noFill/>
+        </p:spPr>
+        <p:txBody>
+          <a:bodyPr wrap="square" rtlCol="0">
+            <a:spAutoFit/>
+          </a:bodyPr>
+          <a:lstStyle/>
+          <a:p>
+            <a:pPr algn="ctr">
+              <a:lnSpc>
+                <a:spcPts val="5500"/>
+              </a:lnSpc>
+            </a:pPr>
+            <a:r>
+              <a:rPr lang="en-IN" sz="5400" b="1" dirty="0">
+                <a:solidFill>
+                  <a:schemeClr val="accent1"/>
+                </a:solidFill>
+                <a:latin typeface="Oxygen" panose="02000503000000090004" pitchFamily="2" charset="77"/>
+                <a:cs typeface="Arima Madurai Semi" pitchFamily="2" charset="77"/>
+              </a:rPr>
+              <a:t>What are we going to learn from this??!</a:t>
+            </a:r>
+            <a:endParaRPr lang="en-US" sz="5400" b="1" dirty="0">
+              <a:solidFill>
+                <a:schemeClr val="accent1"/>
+              </a:solidFill>
+              <a:latin typeface="Oxygen" panose="02000503000000090004" pitchFamily="2" charset="77"/>
+              <a:cs typeface="Arima Madurai Semi" pitchFamily="2" charset="77"/>
+            </a:endParaRPr>
+          </a:p>
+        </p:txBody>
+      </p:sp>
+      <p:pic>
+        <p:nvPicPr>
+          <p:cNvPr id="14" name="Picture 14">
+            <a:extLst>
+              <a:ext uri="{FF2B5EF4-FFF2-40B4-BE49-F238E27FC236}">
+                <a16:creationId xmlns:a16="http://schemas.microsoft.com/office/drawing/2014/main" id="{C4CFEF86-9D7F-949D-9AA2-4960A04D8118}"/>
+              </a:ext>
+            </a:extLst>
+          </p:cNvPr>
+          <p:cNvPicPr>
+            <a:picLocks noGrp="1" noChangeAspect="1"/>
+          </p:cNvPicPr>
+          <p:nvPr>
+            <p:ph type="pic" sz="quarter" idx="14"/>
+          </p:nvPr>
+        </p:nvPicPr>
+        <p:blipFill rotWithShape="1">
+          <a:blip r:embed="rId3"/>
+          <a:srcRect l="18" r="18"/>
+          <a:stretch/>
+        </p:blipFill>
+        <p:spPr>
+          <a:xfrm>
+            <a:off x="6709834" y="1250452"/>
+            <a:ext cx="4356000" cy="4357096"/>
+          </a:xfrm>
+        </p:spPr>
+      </p:pic>
+    </p:spTree>
+    <p:extLst>
+      <p:ext uri="{BB962C8B-B14F-4D97-AF65-F5344CB8AC3E}">
+        <p14:creationId xmlns:p14="http://schemas.microsoft.com/office/powerpoint/2010/main" val="2633445978"/>
+      </p:ext>
+    </p:extLst>
+  </p:cSld>
+  <p:clrMapOvr>
+    <a:masterClrMapping/>
+  </p:clrMapOvr>
+  <p:transition spd="med"/>
+  <p:timing>
+    <p:tnLst>
+      <p:par>
+        <p:cTn id="1" dur="indefinite" restart="never" nodeType="tmRoot">
+          <p:childTnLst>
+            <p:seq concurrent="1" nextAc="seek">
+              <p:cTn id="2" dur="indefinite" nodeType="mainSeq"/>
+              <p:prevCondLst>
+                <p:cond evt="onPrev" delay="0">
+                  <p:tgtEl>
+                    <p:sldTgt/>
+                  </p:tgtEl>
+                </p:cond>
+              </p:prevCondLst>
+              <p:nextCondLst>
+                <p:cond evt="onNext" delay="0">
+                  <p:tgtEl>
+                    <p:sldTgt/>
+                  </p:tgtEl>
+                </p:cond>
+              </p:nextCondLst>
+            </p:seq>
+          </p:childTnLst>
+        </p:cTn>
+      </p:par>
+    </p:tnLst>
+  </p:timing>
+</p:sld>
+</file>
+
+<file path=ppt/slides/slide4.xml><?xml version="1.0" encoding="utf-8"?>
+<p:sld xmlns:a="http://schemas.openxmlformats.org/drawingml/2006/main" xmlns:r="http://schemas.openxmlformats.org/officeDocument/2006/relationships" xmlns:p="http://schemas.openxmlformats.org/presentationml/2006/main">
+  <p:cSld>
+    <p:spTree>
+      <p:nvGrpSpPr>
+        <p:cNvPr id="1" name=""/>
+        <p:cNvGrpSpPr/>
+        <p:nvPr/>
+      </p:nvGrpSpPr>
+      <p:grpSpPr>
+        <a:xfrm>
+          <a:off x="0" y="0"/>
+          <a:ext cx="0" cy="0"/>
+          <a:chOff x="0" y="0"/>
+          <a:chExt cx="0" cy="0"/>
+        </a:xfrm>
+      </p:grpSpPr>
+      <p:sp>
+        <p:nvSpPr>
+          <p:cNvPr id="6" name="TextBox 5">
+            <a:extLst>
+              <a:ext uri="{FF2B5EF4-FFF2-40B4-BE49-F238E27FC236}">
+                <a16:creationId xmlns:a16="http://schemas.microsoft.com/office/drawing/2014/main" id="{698303D4-85A0-B598-1479-C401D83D4A52}"/>
+              </a:ext>
+            </a:extLst>
+          </p:cNvPr>
+          <p:cNvSpPr txBox="1"/>
+          <p:nvPr/>
+        </p:nvSpPr>
+        <p:spPr>
+          <a:xfrm>
+            <a:off x="973888" y="1904061"/>
+            <a:ext cx="10339138" cy="523220"/>
+          </a:xfrm>
+          <a:prstGeom prst="rect">
+            <a:avLst/>
+          </a:prstGeom>
+          <a:noFill/>
+        </p:spPr>
+        <p:txBody>
+          <a:bodyPr wrap="square" rtlCol="0">
+            <a:spAutoFit/>
+          </a:bodyPr>
+          <a:lstStyle/>
+          <a:p>
+            <a:r>
+              <a:rPr lang="en-IN" sz="2800" dirty="0">
+                <a:latin typeface="Oxygen" panose="02000503000000000000" pitchFamily="2" charset="77"/>
+              </a:rPr>
+              <a:t>1. Class:</a:t>
+            </a:r>
+            <a:endParaRPr lang="en-IN" sz="2800" dirty="0">
+              <a:effectLst/>
+              <a:latin typeface="System Font"/>
+            </a:endParaRPr>
+          </a:p>
+        </p:txBody>
+      </p:sp>
+      <p:sp>
+        <p:nvSpPr>
+          <p:cNvPr id="7" name="TextBox 6">
+            <a:extLst>
+              <a:ext uri="{FF2B5EF4-FFF2-40B4-BE49-F238E27FC236}">
+                <a16:creationId xmlns:a16="http://schemas.microsoft.com/office/drawing/2014/main" id="{0A3EA76B-013A-956B-C1C3-5BDC0BA229F7}"/>
+              </a:ext>
+            </a:extLst>
+          </p:cNvPr>
+          <p:cNvSpPr txBox="1"/>
+          <p:nvPr/>
+        </p:nvSpPr>
+        <p:spPr>
+          <a:xfrm>
+            <a:off x="2476285" y="1904061"/>
+            <a:ext cx="8235162" cy="1384995"/>
+          </a:xfrm>
+          <a:prstGeom prst="rect">
+            <a:avLst/>
+          </a:prstGeom>
+          <a:noFill/>
+        </p:spPr>
+        <p:txBody>
+          <a:bodyPr wrap="square" rtlCol="0">
+            <a:spAutoFit/>
+          </a:bodyPr>
+          <a:lstStyle/>
+          <a:p>
+            <a:r>
+              <a:rPr lang="en-IN" sz="2800" i="0" dirty="0">
+                <a:effectLst/>
+                <a:latin typeface="Oxygen" panose="02000503000000000000" pitchFamily="2" charset="77"/>
+              </a:rPr>
+              <a:t>Class is a set of object which shares common characteristics/</a:t>
+            </a:r>
+            <a:r>
+              <a:rPr lang="en-IN" sz="2800" i="0" dirty="0" err="1">
+                <a:effectLst/>
+                <a:latin typeface="Oxygen" panose="02000503000000000000" pitchFamily="2" charset="77"/>
+              </a:rPr>
+              <a:t>behavior</a:t>
+            </a:r>
+            <a:r>
+              <a:rPr lang="en-IN" sz="2800" i="0" dirty="0">
+                <a:effectLst/>
+                <a:latin typeface="Oxygen" panose="02000503000000000000" pitchFamily="2" charset="77"/>
+              </a:rPr>
+              <a:t> and common attributes.</a:t>
+            </a:r>
+            <a:endParaRPr lang="en-IN" sz="2800" dirty="0">
+              <a:effectLst/>
+              <a:latin typeface="Oxygen" panose="02000503000000000000" pitchFamily="2" charset="77"/>
+            </a:endParaRPr>
+          </a:p>
+          <a:p>
+            <a:pPr algn="l"/>
+            <a:endParaRPr lang="en-US" sz="2800" dirty="0">
+              <a:latin typeface="Oxygen" panose="02000503000000000000" pitchFamily="2" charset="77"/>
+            </a:endParaRPr>
+          </a:p>
+        </p:txBody>
+      </p:sp>
+      <p:sp>
+        <p:nvSpPr>
+          <p:cNvPr id="8" name="TextBox 7">
+            <a:extLst>
+              <a:ext uri="{FF2B5EF4-FFF2-40B4-BE49-F238E27FC236}">
+                <a16:creationId xmlns:a16="http://schemas.microsoft.com/office/drawing/2014/main" id="{6F87829A-8F59-6D16-CE1E-A971EAA96A12}"/>
+              </a:ext>
+            </a:extLst>
+          </p:cNvPr>
+          <p:cNvSpPr txBox="1"/>
+          <p:nvPr/>
+        </p:nvSpPr>
+        <p:spPr>
+          <a:xfrm>
+            <a:off x="973888" y="3307335"/>
+            <a:ext cx="1828800" cy="523220"/>
+          </a:xfrm>
+          <a:prstGeom prst="rect">
+            <a:avLst/>
+          </a:prstGeom>
+          <a:noFill/>
+        </p:spPr>
+        <p:txBody>
+          <a:bodyPr wrap="square" rtlCol="0">
+            <a:spAutoFit/>
+          </a:bodyPr>
+          <a:lstStyle/>
+          <a:p>
+            <a:pPr algn="l"/>
+            <a:r>
+              <a:rPr lang="en-IN" sz="2800" dirty="0">
+                <a:latin typeface="Oxygen" panose="02000503000000000000" pitchFamily="2" charset="77"/>
+              </a:rPr>
+              <a:t>2. Object: </a:t>
+            </a:r>
+            <a:endParaRPr lang="en-US" sz="2800" dirty="0">
+              <a:latin typeface="Oxygen" panose="02000503000000000000" pitchFamily="2" charset="77"/>
+            </a:endParaRPr>
+          </a:p>
+        </p:txBody>
+      </p:sp>
+      <p:sp>
+        <p:nvSpPr>
+          <p:cNvPr id="9" name="TextBox 8">
+            <a:extLst>
+              <a:ext uri="{FF2B5EF4-FFF2-40B4-BE49-F238E27FC236}">
+                <a16:creationId xmlns:a16="http://schemas.microsoft.com/office/drawing/2014/main" id="{5AC2ACDB-CD39-475A-3D15-3405B1FAE3A7}"/>
+              </a:ext>
+            </a:extLst>
+          </p:cNvPr>
+          <p:cNvSpPr txBox="1"/>
+          <p:nvPr/>
+        </p:nvSpPr>
+        <p:spPr>
+          <a:xfrm>
+            <a:off x="2767130" y="3307335"/>
+            <a:ext cx="7944317" cy="1384995"/>
+          </a:xfrm>
+          <a:prstGeom prst="rect">
+            <a:avLst/>
+          </a:prstGeom>
+          <a:noFill/>
+        </p:spPr>
+        <p:txBody>
+          <a:bodyPr wrap="square" rtlCol="0">
+            <a:spAutoFit/>
+          </a:bodyPr>
+          <a:lstStyle/>
+          <a:p>
+            <a:r>
+              <a:rPr lang="en-IN" sz="2800" i="0" dirty="0">
+                <a:effectLst/>
+                <a:latin typeface="Oxygen" panose="02000503000000000000" pitchFamily="2" charset="77"/>
+              </a:rPr>
+              <a:t>A Java object is a member of a Java class. Each object has an identity, a </a:t>
+            </a:r>
+            <a:r>
+              <a:rPr lang="en-IN" sz="2800" i="0" dirty="0" err="1">
+                <a:effectLst/>
+                <a:latin typeface="Oxygen" panose="02000503000000000000" pitchFamily="2" charset="77"/>
+              </a:rPr>
+              <a:t>behavior</a:t>
+            </a:r>
+            <a:r>
+              <a:rPr lang="en-IN" sz="2800" i="0" dirty="0">
+                <a:effectLst/>
+                <a:latin typeface="Oxygen" panose="02000503000000000000" pitchFamily="2" charset="77"/>
+              </a:rPr>
+              <a:t> and a state.</a:t>
+            </a:r>
+            <a:endParaRPr lang="en-IN" sz="2800" dirty="0">
+              <a:effectLst/>
+              <a:latin typeface="Oxygen" panose="02000503000000000000" pitchFamily="2" charset="77"/>
+            </a:endParaRPr>
+          </a:p>
+          <a:p>
+            <a:pPr algn="l"/>
+            <a:endParaRPr lang="en-US" sz="2800" dirty="0">
+              <a:latin typeface="Oxygen" panose="02000503000000000000" pitchFamily="2" charset="77"/>
+            </a:endParaRPr>
+          </a:p>
+        </p:txBody>
+      </p:sp>
+      <p:sp>
+        <p:nvSpPr>
+          <p:cNvPr id="3" name="Rectangle 2">
+            <a:extLst>
+              <a:ext uri="{FF2B5EF4-FFF2-40B4-BE49-F238E27FC236}">
+                <a16:creationId xmlns:a16="http://schemas.microsoft.com/office/drawing/2014/main" id="{4E4B74AD-CE15-C3D2-B22D-38EC2EEBDC57}"/>
+              </a:ext>
+            </a:extLst>
+          </p:cNvPr>
+          <p:cNvSpPr>
+            <a:spLocks/>
+          </p:cNvSpPr>
+          <p:nvPr/>
+        </p:nvSpPr>
+        <p:spPr bwMode="auto">
+          <a:xfrm>
+            <a:off x="2476285" y="933799"/>
+            <a:ext cx="7268015" cy="615553"/>
+          </a:xfrm>
+          <a:prstGeom prst="rect">
+            <a:avLst/>
+          </a:prstGeom>
+          <a:noFill/>
+          <a:ln>
+            <a:noFill/>
+          </a:ln>
+          <a:extLst>
+            <a:ext uri="{909E8E84-426E-40dd-AFC4-6F175D3DCCD1}">
+              <a14:hiddenFill xmlns="" xmlns:a14="http://schemas.microsoft.com/office/drawing/2010/main">
+                <a:solidFill>
+                  <a:srgbClr val="FFFFFF"/>
+                </a:solidFill>
+              </a14:hiddenFill>
+            </a:ext>
+            <a:ext uri="{91240B29-F687-4f45-9708-019B960494DF}">
+              <a14:hiddenLine xmlns="" xmlns:a14="http://schemas.microsoft.com/office/drawing/2010/main" w="12700">
+                <a:solidFill>
+                  <a:schemeClr val="tx1"/>
+                </a:solidFill>
+                <a:miter lim="800000"/>
+                <a:headEnd/>
+                <a:tailEnd/>
+              </a14:hiddenLine>
+            </a:ext>
+          </a:extLst>
+        </p:spPr>
+        <p:txBody>
+          <a:bodyPr wrap="none" lIns="0" tIns="0" rIns="0" bIns="0" anchor="ctr">
+            <a:spAutoFit/>
+          </a:bodyPr>
+          <a:lstStyle/>
+          <a:p>
+            <a:pPr algn="ctr"/>
+            <a:r>
+              <a:rPr lang="en-IN" sz="4000" b="1" spc="150" dirty="0">
+                <a:solidFill>
+                  <a:schemeClr val="accent1"/>
+                </a:solidFill>
+                <a:latin typeface="Oxygen" panose="02000503000000090004" pitchFamily="2" charset="77"/>
+                <a:ea typeface="Roboto" charset="0"/>
+                <a:cs typeface="Poppins" pitchFamily="2" charset="77"/>
+                <a:sym typeface="Bebas Neue" charset="0"/>
+              </a:rPr>
+              <a:t>WHAT ARE WE LEARNING??!</a:t>
+            </a:r>
+            <a:endParaRPr lang="en-US" sz="4000" b="1" spc="150" dirty="0">
+              <a:solidFill>
+                <a:schemeClr val="accent1"/>
+              </a:solidFill>
+              <a:latin typeface="Oxygen" panose="02000503000000090004" pitchFamily="2" charset="77"/>
+              <a:ea typeface="Roboto" charset="0"/>
+              <a:cs typeface="Poppins" pitchFamily="2" charset="77"/>
+              <a:sym typeface="Bebas Neue" charset="0"/>
+            </a:endParaRPr>
+          </a:p>
+        </p:txBody>
+      </p:sp>
+      <p:sp>
+        <p:nvSpPr>
+          <p:cNvPr id="2" name="TextBox 1">
+            <a:extLst>
+              <a:ext uri="{FF2B5EF4-FFF2-40B4-BE49-F238E27FC236}">
+                <a16:creationId xmlns:a16="http://schemas.microsoft.com/office/drawing/2014/main" id="{62430689-52DF-C6C4-2EE9-F6873FAE8DF1}"/>
+              </a:ext>
+            </a:extLst>
+          </p:cNvPr>
+          <p:cNvSpPr txBox="1"/>
+          <p:nvPr/>
+        </p:nvSpPr>
+        <p:spPr>
+          <a:xfrm>
+            <a:off x="973888" y="4710609"/>
+            <a:ext cx="1828800" cy="523220"/>
+          </a:xfrm>
+          <a:prstGeom prst="rect">
+            <a:avLst/>
+          </a:prstGeom>
+          <a:noFill/>
+        </p:spPr>
+        <p:txBody>
+          <a:bodyPr wrap="square" rtlCol="0">
+            <a:spAutoFit/>
+          </a:bodyPr>
+          <a:lstStyle/>
+          <a:p>
+            <a:pPr algn="l"/>
+            <a:r>
+              <a:rPr lang="en-IN" sz="2800" dirty="0">
+                <a:latin typeface="Oxygen" panose="02000503000000000000" pitchFamily="2" charset="77"/>
+              </a:rPr>
+              <a:t>3. Arrays:</a:t>
+            </a:r>
+            <a:endParaRPr lang="en-US" sz="2800" dirty="0">
+              <a:latin typeface="Oxygen" panose="02000503000000000000" pitchFamily="2" charset="77"/>
+            </a:endParaRPr>
+          </a:p>
+        </p:txBody>
+      </p:sp>
+      <p:sp>
+        <p:nvSpPr>
+          <p:cNvPr id="4" name="TextBox 3">
+            <a:extLst>
+              <a:ext uri="{FF2B5EF4-FFF2-40B4-BE49-F238E27FC236}">
+                <a16:creationId xmlns:a16="http://schemas.microsoft.com/office/drawing/2014/main" id="{E9F92DBF-EFAB-14C9-C585-C84A5D1B0221}"/>
+              </a:ext>
+            </a:extLst>
+          </p:cNvPr>
+          <p:cNvSpPr txBox="1"/>
+          <p:nvPr/>
+        </p:nvSpPr>
+        <p:spPr>
+          <a:xfrm>
+            <a:off x="2767130" y="4710609"/>
+            <a:ext cx="8235162" cy="954107"/>
+          </a:xfrm>
+          <a:prstGeom prst="rect">
+            <a:avLst/>
+          </a:prstGeom>
+          <a:noFill/>
+        </p:spPr>
+        <p:txBody>
+          <a:bodyPr wrap="square" rtlCol="0">
+            <a:spAutoFit/>
+          </a:bodyPr>
+          <a:lstStyle/>
+          <a:p>
+            <a:pPr algn="l"/>
+            <a:r>
+              <a:rPr lang="en-IN" sz="2800" i="0" u="none" strike="noStrike" dirty="0">
+                <a:effectLst/>
+                <a:latin typeface="Oxygen" panose="02000503000000000000" pitchFamily="2" charset="77"/>
+              </a:rPr>
+              <a:t>An array is a container object that holds a fixed number of values of a single type.</a:t>
+            </a:r>
+            <a:endParaRPr lang="en-US" sz="2800" dirty="0">
+              <a:latin typeface="Oxygen" panose="02000503000000000000" pitchFamily="2" charset="77"/>
+            </a:endParaRPr>
+          </a:p>
+        </p:txBody>
+      </p:sp>
+    </p:spTree>
+    <p:extLst>
+      <p:ext uri="{BB962C8B-B14F-4D97-AF65-F5344CB8AC3E}">
+        <p14:creationId xmlns:p14="http://schemas.microsoft.com/office/powerpoint/2010/main" val="516558354"/>
+      </p:ext>
+    </p:extLst>
+  </p:cSld>
+  <p:clrMapOvr>
+    <a:masterClrMapping/>
+  </p:clrMapOvr>
+  <p:transition advClick="0"/>
+</p:sld>
+</file>
+
+<file path=ppt/slides/slide5.xml><?xml version="1.0" encoding="utf-8"?>
+<p:sld xmlns:a="http://schemas.openxmlformats.org/drawingml/2006/main" xmlns:r="http://schemas.openxmlformats.org/officeDocument/2006/relationships" xmlns:p="http://schemas.openxmlformats.org/presentationml/2006/main">
+  <p:cSld>
+    <p:spTree>
+      <p:nvGrpSpPr>
+        <p:cNvPr id="1" name=""/>
+        <p:cNvGrpSpPr/>
+        <p:nvPr/>
+      </p:nvGrpSpPr>
+      <p:grpSpPr>
+        <a:xfrm>
+          <a:off x="0" y="0"/>
+          <a:ext cx="0" cy="0"/>
+          <a:chOff x="0" y="0"/>
+          <a:chExt cx="0" cy="0"/>
+        </a:xfrm>
+      </p:grpSpPr>
+      <p:sp>
+        <p:nvSpPr>
+          <p:cNvPr id="6" name="TextBox 5">
+            <a:extLst>
+              <a:ext uri="{FF2B5EF4-FFF2-40B4-BE49-F238E27FC236}">
+                <a16:creationId xmlns:a16="http://schemas.microsoft.com/office/drawing/2014/main" id="{698303D4-85A0-B598-1479-C401D83D4A52}"/>
+              </a:ext>
+            </a:extLst>
+          </p:cNvPr>
+          <p:cNvSpPr txBox="1"/>
+          <p:nvPr/>
+        </p:nvSpPr>
+        <p:spPr>
+          <a:xfrm>
+            <a:off x="757012" y="1904060"/>
+            <a:ext cx="2279266" cy="461665"/>
+          </a:xfrm>
+          <a:prstGeom prst="rect">
+            <a:avLst/>
+          </a:prstGeom>
+          <a:noFill/>
+        </p:spPr>
+        <p:txBody>
+          <a:bodyPr wrap="square" rtlCol="0">
+            <a:spAutoFit/>
+          </a:bodyPr>
+          <a:lstStyle/>
+          <a:p>
+            <a:r>
+              <a:rPr lang="en-IN" sz="2400" dirty="0">
+                <a:effectLst/>
+                <a:latin typeface="Oxygen" panose="02000503000000000000" pitchFamily="2" charset="77"/>
+              </a:rPr>
+              <a:t>4. Java </a:t>
+            </a:r>
+            <a:r>
+              <a:rPr lang="en-IN" sz="2400" dirty="0">
+                <a:latin typeface="Oxygen" panose="02000503000000000000" pitchFamily="2" charset="77"/>
+              </a:rPr>
+              <a:t>Swing:</a:t>
+            </a:r>
+            <a:endParaRPr lang="en-IN" sz="2400" dirty="0">
+              <a:effectLst/>
+              <a:latin typeface="System Font"/>
+            </a:endParaRPr>
+          </a:p>
+        </p:txBody>
+      </p:sp>
+      <p:sp>
+        <p:nvSpPr>
+          <p:cNvPr id="7" name="TextBox 6">
+            <a:extLst>
+              <a:ext uri="{FF2B5EF4-FFF2-40B4-BE49-F238E27FC236}">
+                <a16:creationId xmlns:a16="http://schemas.microsoft.com/office/drawing/2014/main" id="{0A3EA76B-013A-956B-C1C3-5BDC0BA229F7}"/>
+              </a:ext>
+            </a:extLst>
+          </p:cNvPr>
+          <p:cNvSpPr txBox="1"/>
+          <p:nvPr/>
+        </p:nvSpPr>
+        <p:spPr>
+          <a:xfrm>
+            <a:off x="2960078" y="1904060"/>
+            <a:ext cx="9463453" cy="2308324"/>
+          </a:xfrm>
+          <a:prstGeom prst="rect">
+            <a:avLst/>
+          </a:prstGeom>
+          <a:noFill/>
+        </p:spPr>
+        <p:txBody>
+          <a:bodyPr wrap="square" rtlCol="0">
+            <a:spAutoFit/>
+          </a:bodyPr>
+          <a:lstStyle/>
+          <a:p>
+            <a:r>
+              <a:rPr lang="en-US" sz="2400" b="0" i="0" dirty="0">
+                <a:solidFill>
+                  <a:srgbClr val="202124"/>
+                </a:solidFill>
+                <a:effectLst/>
+                <a:latin typeface="arial" panose="020B0604020202020204" pitchFamily="34" charset="0"/>
+              </a:rPr>
+              <a:t>Swing is a lightweight Java graphical user interface (GUI) that is used </a:t>
+            </a:r>
+            <a:r>
+              <a:rPr lang="en-US" sz="2400" b="1" i="0" dirty="0">
+                <a:solidFill>
+                  <a:srgbClr val="202124"/>
+                </a:solidFill>
+                <a:effectLst/>
+                <a:latin typeface="arial" panose="020B0604020202020204" pitchFamily="34" charset="0"/>
+              </a:rPr>
+              <a:t>to create various applications</a:t>
+            </a:r>
+            <a:r>
+              <a:rPr lang="en-US" sz="2400" b="0" i="0" dirty="0">
+                <a:solidFill>
+                  <a:srgbClr val="202124"/>
+                </a:solidFill>
+                <a:effectLst/>
+                <a:latin typeface="arial" panose="020B0604020202020204" pitchFamily="34" charset="0"/>
+              </a:rPr>
+              <a:t>. Swing has platform-independent components. It enables the user to create buttons and scroll bars. Swing includes packages for creating desktop applications in Java.</a:t>
+            </a:r>
+            <a:r>
+              <a:rPr lang="en-IN" sz="2400" dirty="0">
+                <a:effectLst/>
+                <a:latin typeface="Oxygen" panose="02000503000000000000" pitchFamily="2" charset="77"/>
+              </a:rPr>
+              <a:t>.</a:t>
+            </a:r>
+          </a:p>
+          <a:p>
+            <a:endParaRPr lang="en-IN" sz="2400" dirty="0">
+              <a:effectLst/>
+              <a:latin typeface="Oxygen" panose="02000503000000000000" pitchFamily="2" charset="77"/>
+            </a:endParaRPr>
+          </a:p>
+        </p:txBody>
+      </p:sp>
+      <p:sp>
+        <p:nvSpPr>
+          <p:cNvPr id="8" name="TextBox 7">
+            <a:extLst>
+              <a:ext uri="{FF2B5EF4-FFF2-40B4-BE49-F238E27FC236}">
+                <a16:creationId xmlns:a16="http://schemas.microsoft.com/office/drawing/2014/main" id="{6F87829A-8F59-6D16-CE1E-A971EAA96A12}"/>
+              </a:ext>
+            </a:extLst>
+          </p:cNvPr>
+          <p:cNvSpPr txBox="1"/>
+          <p:nvPr/>
+        </p:nvSpPr>
+        <p:spPr>
+          <a:xfrm>
+            <a:off x="757012" y="4043024"/>
+            <a:ext cx="7464928" cy="461665"/>
+          </a:xfrm>
+          <a:prstGeom prst="rect">
+            <a:avLst/>
+          </a:prstGeom>
+          <a:noFill/>
+        </p:spPr>
+        <p:txBody>
+          <a:bodyPr wrap="square" rtlCol="0">
+            <a:spAutoFit/>
+          </a:bodyPr>
+          <a:lstStyle/>
+          <a:p>
+            <a:pPr algn="l"/>
+            <a:r>
+              <a:rPr lang="en-IN" sz="2400" dirty="0">
+                <a:latin typeface="Oxygen" panose="02000503000000000000" pitchFamily="2" charset="77"/>
+              </a:rPr>
+              <a:t>5. Making Interface using Java Swing</a:t>
+            </a:r>
+            <a:endParaRPr lang="en-US" sz="2400" dirty="0">
+              <a:latin typeface="Oxygen" panose="02000503000000000000" pitchFamily="2" charset="77"/>
+            </a:endParaRPr>
+          </a:p>
+        </p:txBody>
+      </p:sp>
+      <p:sp>
+        <p:nvSpPr>
+          <p:cNvPr id="3" name="Rectangle 2">
+            <a:extLst>
+              <a:ext uri="{FF2B5EF4-FFF2-40B4-BE49-F238E27FC236}">
+                <a16:creationId xmlns:a16="http://schemas.microsoft.com/office/drawing/2014/main" id="{4E4B74AD-CE15-C3D2-B22D-38EC2EEBDC57}"/>
+              </a:ext>
+            </a:extLst>
+          </p:cNvPr>
+          <p:cNvSpPr>
+            <a:spLocks/>
+          </p:cNvSpPr>
+          <p:nvPr/>
+        </p:nvSpPr>
+        <p:spPr bwMode="auto">
+          <a:xfrm>
+            <a:off x="3165576" y="995354"/>
+            <a:ext cx="5889434" cy="492443"/>
+          </a:xfrm>
+          <a:prstGeom prst="rect">
+            <a:avLst/>
+          </a:prstGeom>
+          <a:noFill/>
+          <a:ln>
+            <a:noFill/>
+          </a:ln>
+          <a:extLst>
+            <a:ext uri="{909E8E84-426E-40dd-AFC4-6F175D3DCCD1}">
+              <a14:hiddenFill xmlns:a14="http://schemas.microsoft.com/office/drawing/2010/main" xmlns="">
+                <a:solidFill>
+                  <a:srgbClr val="FFFFFF"/>
+                </a:solidFill>
+              </a14:hiddenFill>
+            </a:ext>
+            <a:ext uri="{91240B29-F687-4f45-9708-019B960494DF}">
+              <a14:hiddenLine xmlns:a14="http://schemas.microsoft.com/office/drawing/2010/main" xmlns="" w="12700">
+                <a:solidFill>
+                  <a:schemeClr val="tx1"/>
+                </a:solidFill>
+                <a:miter lim="800000"/>
+                <a:headEnd/>
+                <a:tailEnd/>
+              </a14:hiddenLine>
+            </a:ext>
+          </a:extLst>
+        </p:spPr>
+        <p:txBody>
+          <a:bodyPr wrap="none" lIns="0" tIns="0" rIns="0" bIns="0" anchor="ctr">
+            <a:spAutoFit/>
+          </a:bodyPr>
+          <a:lstStyle/>
+          <a:p>
+            <a:pPr algn="ctr"/>
+            <a:r>
+              <a:rPr lang="en-IN" sz="3200" b="1" spc="150" dirty="0">
+                <a:solidFill>
+                  <a:schemeClr val="accent1"/>
+                </a:solidFill>
+                <a:latin typeface="Oxygen" panose="02000503000000090004" pitchFamily="2" charset="77"/>
+                <a:ea typeface="Roboto" charset="0"/>
+                <a:cs typeface="Poppins" pitchFamily="2" charset="77"/>
+                <a:sym typeface="Bebas Neue" charset="0"/>
+              </a:rPr>
+              <a:t>WHAT ARE WE LEARNING??!</a:t>
+            </a:r>
+            <a:endParaRPr lang="en-US" sz="3200" b="1" spc="150" dirty="0">
+              <a:solidFill>
+                <a:schemeClr val="accent1"/>
+              </a:solidFill>
+              <a:latin typeface="Oxygen" panose="02000503000000090004" pitchFamily="2" charset="77"/>
+              <a:ea typeface="Roboto" charset="0"/>
+              <a:cs typeface="Poppins" pitchFamily="2" charset="77"/>
+              <a:sym typeface="Bebas Neue" charset="0"/>
+            </a:endParaRPr>
+          </a:p>
+        </p:txBody>
+      </p:sp>
+      <p:sp>
+        <p:nvSpPr>
+          <p:cNvPr id="2" name="TextBox 1">
+            <a:extLst>
+              <a:ext uri="{FF2B5EF4-FFF2-40B4-BE49-F238E27FC236}">
+                <a16:creationId xmlns:a16="http://schemas.microsoft.com/office/drawing/2014/main" id="{62430689-52DF-C6C4-2EE9-F6873FAE8DF1}"/>
+              </a:ext>
+            </a:extLst>
+          </p:cNvPr>
+          <p:cNvSpPr txBox="1"/>
+          <p:nvPr/>
+        </p:nvSpPr>
+        <p:spPr>
+          <a:xfrm>
+            <a:off x="757012" y="4796995"/>
+            <a:ext cx="10740191" cy="830997"/>
+          </a:xfrm>
+          <a:prstGeom prst="rect">
+            <a:avLst/>
+          </a:prstGeom>
+          <a:noFill/>
+        </p:spPr>
+        <p:txBody>
+          <a:bodyPr wrap="square" rtlCol="0">
+            <a:spAutoFit/>
+          </a:bodyPr>
+          <a:lstStyle/>
+          <a:p>
+            <a:r>
+              <a:rPr lang="en-IN" sz="2400" dirty="0">
+                <a:latin typeface="Oxygen" panose="02000503000000000000" pitchFamily="2" charset="77"/>
+              </a:rPr>
+              <a:t>6. </a:t>
+            </a:r>
+            <a:r>
+              <a:rPr lang="en-IN" sz="2400" i="0" dirty="0">
+                <a:effectLst/>
+                <a:latin typeface="Oxygen" panose="02000503000000000000" pitchFamily="2" charset="77"/>
+              </a:rPr>
+              <a:t>We will learn to solve various mathematical properties using matrices</a:t>
+            </a:r>
+            <a:endParaRPr lang="en-IN" sz="2400" dirty="0">
+              <a:effectLst/>
+              <a:latin typeface="Oxygen" panose="02000503000000000000" pitchFamily="2" charset="77"/>
+            </a:endParaRPr>
+          </a:p>
+          <a:p>
+            <a:pPr algn="l"/>
+            <a:endParaRPr lang="en-US" sz="2400" dirty="0">
+              <a:latin typeface="Oxygen" panose="02000503000000000000" pitchFamily="2" charset="77"/>
+            </a:endParaRPr>
+          </a:p>
+        </p:txBody>
+      </p:sp>
+      <p:sp>
+        <p:nvSpPr>
+          <p:cNvPr id="5" name="TextBox 4">
+            <a:extLst>
+              <a:ext uri="{FF2B5EF4-FFF2-40B4-BE49-F238E27FC236}">
+                <a16:creationId xmlns:a16="http://schemas.microsoft.com/office/drawing/2014/main" id="{5BE9EFA5-4E4B-A266-4B4C-4FA623EE919E}"/>
+              </a:ext>
+            </a:extLst>
+          </p:cNvPr>
+          <p:cNvSpPr txBox="1"/>
+          <p:nvPr/>
+        </p:nvSpPr>
+        <p:spPr>
+          <a:xfrm>
+            <a:off x="757012" y="5492386"/>
+            <a:ext cx="9485111" cy="461665"/>
+          </a:xfrm>
+          <a:prstGeom prst="rect">
+            <a:avLst/>
+          </a:prstGeom>
+          <a:noFill/>
+        </p:spPr>
+        <p:txBody>
+          <a:bodyPr wrap="square" rtlCol="0">
+            <a:spAutoFit/>
+          </a:bodyPr>
+          <a:lstStyle/>
+          <a:p>
+            <a:r>
+              <a:rPr lang="en-IN" sz="2400" dirty="0">
+                <a:latin typeface="Oxygen" panose="02000503000000000000" pitchFamily="2" charset="77"/>
+              </a:rPr>
+              <a:t>7. </a:t>
+            </a:r>
+            <a:r>
+              <a:rPr lang="en-IN" sz="2400" i="0" dirty="0">
+                <a:effectLst/>
+                <a:latin typeface="Oxygen" panose="02000503000000000000" pitchFamily="2" charset="77"/>
+              </a:rPr>
+              <a:t>Also this will help us in building our logic in iterative approach</a:t>
+            </a:r>
+            <a:endParaRPr lang="en-IN" sz="2400" dirty="0">
+              <a:effectLst/>
+              <a:latin typeface="Oxygen" panose="02000503000000000000" pitchFamily="2" charset="77"/>
+            </a:endParaRPr>
+          </a:p>
+        </p:txBody>
+      </p:sp>
+    </p:spTree>
+    <p:extLst>
+      <p:ext uri="{BB962C8B-B14F-4D97-AF65-F5344CB8AC3E}">
+        <p14:creationId xmlns:p14="http://schemas.microsoft.com/office/powerpoint/2010/main" val="3675538675"/>
+      </p:ext>
+    </p:extLst>
+  </p:cSld>
+  <p:clrMapOvr>
+    <a:masterClrMapping/>
+  </p:clrMapOvr>
+  <p:transition advClick="0"/>
+</p:sld>
+</file>
+
+<file path=ppt/slides/slide6.xml><?xml version="1.0" encoding="utf-8"?>
+<p:sld xmlns:a="http://schemas.openxmlformats.org/drawingml/2006/main" xmlns:r="http://schemas.openxmlformats.org/officeDocument/2006/relationships" xmlns:p="http://schemas.openxmlformats.org/presentationml/2006/main">
+  <p:cSld>
+    <p:spTree>
+      <p:nvGrpSpPr>
+        <p:cNvPr id="1" name=""/>
+        <p:cNvGrpSpPr/>
+        <p:nvPr/>
+      </p:nvGrpSpPr>
+      <p:grpSpPr>
+        <a:xfrm>
+          <a:off x="0" y="0"/>
+          <a:ext cx="0" cy="0"/>
+          <a:chOff x="0" y="0"/>
+          <a:chExt cx="0" cy="0"/>
+        </a:xfrm>
+      </p:grpSpPr>
+      <p:sp>
+        <p:nvSpPr>
+          <p:cNvPr id="39" name="Rectangle 38">
+            <a:extLst>
+              <a:ext uri="{FF2B5EF4-FFF2-40B4-BE49-F238E27FC236}">
+                <a16:creationId xmlns:a16="http://schemas.microsoft.com/office/drawing/2014/main" id="{B761464F-3D5A-614D-93E8-02ACD7A158E7}"/>
+              </a:ext>
+            </a:extLst>
+          </p:cNvPr>
+          <p:cNvSpPr>
+            <a:spLocks/>
+          </p:cNvSpPr>
+          <p:nvPr/>
+        </p:nvSpPr>
+        <p:spPr bwMode="auto">
+          <a:xfrm>
+            <a:off x="2476285" y="933799"/>
+            <a:ext cx="7268015" cy="615553"/>
+          </a:xfrm>
+          <a:prstGeom prst="rect">
+            <a:avLst/>
+          </a:prstGeom>
+          <a:noFill/>
+          <a:ln>
+            <a:noFill/>
+          </a:ln>
+          <a:extLst>
+            <a:ext uri="{909E8E84-426E-40dd-AFC4-6F175D3DCCD1}">
+              <a14:hiddenFill xmlns:a14="http://schemas.microsoft.com/office/drawing/2010/main" xmlns="">
+                <a:solidFill>
+                  <a:srgbClr val="FFFFFF"/>
+                </a:solidFill>
+              </a14:hiddenFill>
+            </a:ext>
+            <a:ext uri="{91240B29-F687-4f45-9708-019B960494DF}">
+              <a14:hiddenLine xmlns:a14="http://schemas.microsoft.com/office/drawing/2010/main" xmlns="" w="12700">
+                <a:solidFill>
+                  <a:schemeClr val="tx1"/>
+                </a:solidFill>
+                <a:miter lim="800000"/>
+                <a:headEnd/>
+                <a:tailEnd/>
+              </a14:hiddenLine>
+            </a:ext>
+          </a:extLst>
+        </p:spPr>
+        <p:txBody>
+          <a:bodyPr wrap="none" lIns="0" tIns="0" rIns="0" bIns="0" anchor="ctr">
+            <a:spAutoFit/>
+          </a:bodyPr>
+          <a:lstStyle/>
+          <a:p>
+            <a:pPr algn="ctr"/>
+            <a:r>
+              <a:rPr lang="en-IN" sz="4000" b="1" spc="150" dirty="0">
+                <a:solidFill>
+                  <a:schemeClr val="accent1"/>
+                </a:solidFill>
+                <a:latin typeface="Oxygen" panose="02000503000000090004" pitchFamily="2" charset="77"/>
+                <a:ea typeface="Roboto" charset="0"/>
+                <a:cs typeface="Poppins" pitchFamily="2" charset="77"/>
+                <a:sym typeface="Bebas Neue" charset="0"/>
+              </a:rPr>
+              <a:t>WHAT ARE WE LEARNING??!</a:t>
+            </a:r>
+            <a:endParaRPr lang="en-US" sz="4000" b="1" spc="150" dirty="0">
+              <a:solidFill>
+                <a:schemeClr val="accent1"/>
+              </a:solidFill>
+              <a:latin typeface="Oxygen" panose="02000503000000090004" pitchFamily="2" charset="77"/>
+              <a:ea typeface="Roboto" charset="0"/>
+              <a:cs typeface="Poppins" pitchFamily="2" charset="77"/>
+              <a:sym typeface="Bebas Neue" charset="0"/>
+            </a:endParaRPr>
+          </a:p>
+        </p:txBody>
+      </p:sp>
+      <p:sp>
+        <p:nvSpPr>
+          <p:cNvPr id="5" name="Freeform: Shape 7696"/>
+          <p:cNvSpPr/>
+          <p:nvPr/>
+        </p:nvSpPr>
+        <p:spPr>
+          <a:xfrm rot="4800">
+            <a:off x="1840747" y="1853776"/>
+            <a:ext cx="2180965" cy="2183910"/>
+          </a:xfrm>
+          <a:custGeom>
+            <a:avLst/>
+            <a:gdLst/>
+            <a:ahLst/>
+            <a:cxnLst>
+              <a:cxn ang="3cd4">
+                <a:pos x="hc" y="t"/>
+              </a:cxn>
+              <a:cxn ang="cd2">
+                <a:pos x="l" y="vc"/>
+              </a:cxn>
+              <a:cxn ang="cd4">
+                <a:pos x="hc" y="b"/>
+              </a:cxn>
+              <a:cxn ang="0">
+                <a:pos x="r" y="vc"/>
+              </a:cxn>
+            </a:cxnLst>
+            <a:rect l="l" t="t" r="r" b="b"/>
+            <a:pathLst>
+              <a:path w="742" h="743">
+                <a:moveTo>
+                  <a:pt x="742" y="372"/>
+                </a:moveTo>
+                <a:cubicBezTo>
+                  <a:pt x="742" y="577"/>
+                  <a:pt x="576" y="743"/>
+                  <a:pt x="371" y="743"/>
+                </a:cubicBezTo>
+                <a:cubicBezTo>
+                  <a:pt x="166" y="743"/>
+                  <a:pt x="0" y="577"/>
+                  <a:pt x="0" y="372"/>
+                </a:cubicBezTo>
+                <a:cubicBezTo>
+                  <a:pt x="0" y="166"/>
+                  <a:pt x="166" y="0"/>
+                  <a:pt x="371" y="0"/>
+                </a:cubicBezTo>
+                <a:cubicBezTo>
+                  <a:pt x="576" y="0"/>
+                  <a:pt x="742" y="166"/>
+                  <a:pt x="742" y="372"/>
+                </a:cubicBezTo>
+                <a:close/>
+              </a:path>
+            </a:pathLst>
+          </a:custGeom>
+          <a:solidFill>
+            <a:schemeClr val="accent1"/>
+          </a:solidFill>
+          <a:ln cap="flat">
+            <a:noFill/>
+            <a:prstDash val="solid"/>
+          </a:ln>
+        </p:spPr>
+        <p:txBody>
+          <a:bodyPr vert="horz" wrap="none" lIns="45000" tIns="22500" rIns="45000" bIns="22500" anchor="ctr" anchorCtr="1" compatLnSpc="0"/>
+          <a:lstStyle/>
+          <a:p>
+            <a:pPr hangingPunct="0"/>
+            <a:endParaRPr lang="en-US" sz="900">
+              <a:latin typeface="Arial" pitchFamily="18"/>
+              <a:ea typeface="Arial Unicode MS" pitchFamily="2"/>
+              <a:cs typeface="Arial Unicode MS" pitchFamily="2"/>
+            </a:endParaRPr>
+          </a:p>
+        </p:txBody>
+      </p:sp>
+      <p:sp>
+        <p:nvSpPr>
+          <p:cNvPr id="6" name="Freeform: Shape 7697"/>
+          <p:cNvSpPr/>
+          <p:nvPr/>
+        </p:nvSpPr>
+        <p:spPr>
+          <a:xfrm rot="4800">
+            <a:off x="3448379" y="3424724"/>
+            <a:ext cx="2183908" cy="2183910"/>
+          </a:xfrm>
+          <a:custGeom>
+            <a:avLst/>
+            <a:gdLst/>
+            <a:ahLst/>
+            <a:cxnLst>
+              <a:cxn ang="3cd4">
+                <a:pos x="hc" y="t"/>
+              </a:cxn>
+              <a:cxn ang="cd2">
+                <a:pos x="l" y="vc"/>
+              </a:cxn>
+              <a:cxn ang="cd4">
+                <a:pos x="hc" y="b"/>
+              </a:cxn>
+              <a:cxn ang="0">
+                <a:pos x="r" y="vc"/>
+              </a:cxn>
+            </a:cxnLst>
+            <a:rect l="l" t="t" r="r" b="b"/>
+            <a:pathLst>
+              <a:path w="743" h="743">
+                <a:moveTo>
+                  <a:pt x="743" y="372"/>
+                </a:moveTo>
+                <a:cubicBezTo>
+                  <a:pt x="743" y="577"/>
+                  <a:pt x="576" y="743"/>
+                  <a:pt x="371" y="743"/>
+                </a:cubicBezTo>
+                <a:cubicBezTo>
+                  <a:pt x="166" y="743"/>
+                  <a:pt x="0" y="577"/>
+                  <a:pt x="0" y="372"/>
+                </a:cubicBezTo>
+                <a:cubicBezTo>
+                  <a:pt x="0" y="167"/>
+                  <a:pt x="166" y="0"/>
+                  <a:pt x="371" y="0"/>
+                </a:cubicBezTo>
+                <a:cubicBezTo>
+                  <a:pt x="576" y="0"/>
+                  <a:pt x="743" y="167"/>
+                  <a:pt x="743" y="372"/>
+                </a:cubicBezTo>
+                <a:close/>
+              </a:path>
+            </a:pathLst>
+          </a:custGeom>
+          <a:solidFill>
+            <a:schemeClr val="accent2"/>
+          </a:solidFill>
+          <a:ln cap="flat">
+            <a:noFill/>
+            <a:prstDash val="solid"/>
+          </a:ln>
+        </p:spPr>
+        <p:txBody>
+          <a:bodyPr vert="horz" wrap="none" lIns="45000" tIns="22500" rIns="45000" bIns="22500" anchor="ctr" anchorCtr="1" compatLnSpc="0"/>
+          <a:lstStyle/>
+          <a:p>
+            <a:pPr hangingPunct="0"/>
+            <a:endParaRPr lang="en-US" sz="900">
+              <a:latin typeface="Arial" pitchFamily="18"/>
+              <a:ea typeface="Arial Unicode MS" pitchFamily="2"/>
+              <a:cs typeface="Arial Unicode MS" pitchFamily="2"/>
+            </a:endParaRPr>
+          </a:p>
+        </p:txBody>
+      </p:sp>
+      <p:sp>
+        <p:nvSpPr>
+          <p:cNvPr id="7" name="Freeform: Shape 7698"/>
+          <p:cNvSpPr/>
+          <p:nvPr/>
+        </p:nvSpPr>
+        <p:spPr>
+          <a:xfrm rot="4800">
+            <a:off x="5030977" y="1849402"/>
+            <a:ext cx="2183908" cy="2183910"/>
+          </a:xfrm>
+          <a:custGeom>
+            <a:avLst/>
+            <a:gdLst/>
+            <a:ahLst/>
+            <a:cxnLst>
+              <a:cxn ang="3cd4">
+                <a:pos x="hc" y="t"/>
+              </a:cxn>
+              <a:cxn ang="cd2">
+                <a:pos x="l" y="vc"/>
+              </a:cxn>
+              <a:cxn ang="cd4">
+                <a:pos x="hc" y="b"/>
+              </a:cxn>
+              <a:cxn ang="0">
+                <a:pos x="r" y="vc"/>
+              </a:cxn>
+            </a:cxnLst>
+            <a:rect l="l" t="t" r="r" b="b"/>
+            <a:pathLst>
+              <a:path w="743" h="743">
+                <a:moveTo>
+                  <a:pt x="743" y="371"/>
+                </a:moveTo>
+                <a:cubicBezTo>
+                  <a:pt x="743" y="576"/>
+                  <a:pt x="576" y="743"/>
+                  <a:pt x="371" y="743"/>
+                </a:cubicBezTo>
+                <a:cubicBezTo>
+                  <a:pt x="166" y="743"/>
+                  <a:pt x="0" y="576"/>
+                  <a:pt x="0" y="371"/>
+                </a:cubicBezTo>
+                <a:cubicBezTo>
+                  <a:pt x="0" y="166"/>
+                  <a:pt x="166" y="0"/>
+                  <a:pt x="371" y="0"/>
+                </a:cubicBezTo>
+                <a:cubicBezTo>
+                  <a:pt x="576" y="0"/>
+                  <a:pt x="743" y="166"/>
+                  <a:pt x="743" y="371"/>
+                </a:cubicBezTo>
+                <a:close/>
+              </a:path>
+            </a:pathLst>
+          </a:custGeom>
+          <a:solidFill>
+            <a:schemeClr val="accent3"/>
+          </a:solidFill>
+          <a:ln cap="flat">
+            <a:noFill/>
+            <a:prstDash val="solid"/>
+          </a:ln>
+        </p:spPr>
+        <p:txBody>
+          <a:bodyPr vert="horz" wrap="none" lIns="45000" tIns="22500" rIns="45000" bIns="22500" anchor="ctr" anchorCtr="1" compatLnSpc="0"/>
+          <a:lstStyle/>
+          <a:p>
+            <a:pPr hangingPunct="0"/>
+            <a:endParaRPr lang="en-US" sz="900">
+              <a:latin typeface="Arial" pitchFamily="18"/>
+              <a:ea typeface="Arial Unicode MS" pitchFamily="2"/>
+              <a:cs typeface="Arial Unicode MS" pitchFamily="2"/>
+            </a:endParaRPr>
+          </a:p>
+        </p:txBody>
+      </p:sp>
+      <p:sp>
+        <p:nvSpPr>
+          <p:cNvPr id="8" name="Freeform: Shape 7699"/>
+          <p:cNvSpPr/>
+          <p:nvPr/>
+        </p:nvSpPr>
+        <p:spPr>
+          <a:xfrm rot="4800">
+            <a:off x="6606241" y="3420310"/>
+            <a:ext cx="2183908" cy="2183910"/>
+          </a:xfrm>
+          <a:custGeom>
+            <a:avLst/>
+            <a:gdLst/>
+            <a:ahLst/>
+            <a:cxnLst>
+              <a:cxn ang="3cd4">
+                <a:pos x="hc" y="t"/>
+              </a:cxn>
+              <a:cxn ang="cd2">
+                <a:pos x="l" y="vc"/>
+              </a:cxn>
+              <a:cxn ang="cd4">
+                <a:pos x="hc" y="b"/>
+              </a:cxn>
+              <a:cxn ang="0">
+                <a:pos x="r" y="vc"/>
+              </a:cxn>
+            </a:cxnLst>
+            <a:rect l="l" t="t" r="r" b="b"/>
+            <a:pathLst>
+              <a:path w="743" h="743">
+                <a:moveTo>
+                  <a:pt x="743" y="371"/>
+                </a:moveTo>
+                <a:cubicBezTo>
+                  <a:pt x="743" y="576"/>
+                  <a:pt x="577" y="743"/>
+                  <a:pt x="372" y="743"/>
+                </a:cubicBezTo>
+                <a:cubicBezTo>
+                  <a:pt x="166" y="743"/>
+                  <a:pt x="0" y="576"/>
+                  <a:pt x="0" y="371"/>
+                </a:cubicBezTo>
+                <a:cubicBezTo>
+                  <a:pt x="0" y="166"/>
+                  <a:pt x="166" y="0"/>
+                  <a:pt x="372" y="0"/>
+                </a:cubicBezTo>
+                <a:cubicBezTo>
+                  <a:pt x="577" y="0"/>
+                  <a:pt x="743" y="166"/>
+                  <a:pt x="743" y="371"/>
+                </a:cubicBezTo>
+                <a:close/>
+              </a:path>
+            </a:pathLst>
+          </a:custGeom>
+          <a:solidFill>
+            <a:schemeClr val="accent4"/>
+          </a:solidFill>
+          <a:ln cap="flat">
+            <a:noFill/>
+            <a:prstDash val="solid"/>
+          </a:ln>
+        </p:spPr>
+        <p:txBody>
+          <a:bodyPr vert="horz" wrap="none" lIns="45000" tIns="22500" rIns="45000" bIns="22500" anchor="ctr" anchorCtr="1" compatLnSpc="0"/>
+          <a:lstStyle/>
+          <a:p>
+            <a:pPr hangingPunct="0"/>
+            <a:endParaRPr lang="en-US" sz="900">
+              <a:latin typeface="Arial" pitchFamily="18"/>
+              <a:ea typeface="Arial Unicode MS" pitchFamily="2"/>
+              <a:cs typeface="Arial Unicode MS" pitchFamily="2"/>
+            </a:endParaRPr>
+          </a:p>
+        </p:txBody>
+      </p:sp>
+      <p:sp>
+        <p:nvSpPr>
+          <p:cNvPr id="9" name="Freeform: Shape 7700"/>
+          <p:cNvSpPr/>
+          <p:nvPr/>
+        </p:nvSpPr>
+        <p:spPr>
+          <a:xfrm rot="4800">
+            <a:off x="8188839" y="1842036"/>
+            <a:ext cx="2183908" cy="2183910"/>
+          </a:xfrm>
+          <a:custGeom>
+            <a:avLst/>
+            <a:gdLst/>
+            <a:ahLst/>
+            <a:cxnLst>
+              <a:cxn ang="3cd4">
+                <a:pos x="hc" y="t"/>
+              </a:cxn>
+              <a:cxn ang="cd2">
+                <a:pos x="l" y="vc"/>
+              </a:cxn>
+              <a:cxn ang="cd4">
+                <a:pos x="hc" y="b"/>
+              </a:cxn>
+              <a:cxn ang="0">
+                <a:pos x="r" y="vc"/>
+              </a:cxn>
+            </a:cxnLst>
+            <a:rect l="l" t="t" r="r" b="b"/>
+            <a:pathLst>
+              <a:path w="743" h="743">
+                <a:moveTo>
+                  <a:pt x="743" y="371"/>
+                </a:moveTo>
+                <a:cubicBezTo>
+                  <a:pt x="743" y="577"/>
+                  <a:pt x="576" y="743"/>
+                  <a:pt x="371" y="743"/>
+                </a:cubicBezTo>
+                <a:cubicBezTo>
+                  <a:pt x="166" y="743"/>
+                  <a:pt x="0" y="577"/>
+                  <a:pt x="0" y="371"/>
+                </a:cubicBezTo>
+                <a:cubicBezTo>
+                  <a:pt x="0" y="166"/>
+                  <a:pt x="166" y="0"/>
+                  <a:pt x="371" y="0"/>
+                </a:cubicBezTo>
+                <a:cubicBezTo>
+                  <a:pt x="576" y="0"/>
+                  <a:pt x="743" y="166"/>
+                  <a:pt x="743" y="371"/>
+                </a:cubicBezTo>
+                <a:close/>
+              </a:path>
+            </a:pathLst>
+          </a:custGeom>
+          <a:solidFill>
+            <a:schemeClr val="accent5"/>
+          </a:solidFill>
+          <a:ln cap="flat">
+            <a:noFill/>
+            <a:prstDash val="solid"/>
+          </a:ln>
+        </p:spPr>
+        <p:txBody>
+          <a:bodyPr vert="horz" wrap="none" lIns="45000" tIns="22500" rIns="45000" bIns="22500" anchor="ctr" anchorCtr="1" compatLnSpc="0"/>
+          <a:lstStyle/>
+          <a:p>
+            <a:pPr hangingPunct="0"/>
+            <a:endParaRPr lang="en-US" sz="900">
+              <a:latin typeface="Arial" pitchFamily="18"/>
+              <a:ea typeface="Arial Unicode MS" pitchFamily="2"/>
+              <a:cs typeface="Arial Unicode MS" pitchFamily="2"/>
+            </a:endParaRPr>
+          </a:p>
+        </p:txBody>
+      </p:sp>
+      <p:sp>
+        <p:nvSpPr>
+          <p:cNvPr id="230" name="TextBox 229"/>
+          <p:cNvSpPr txBox="1"/>
+          <p:nvPr/>
+        </p:nvSpPr>
+        <p:spPr>
+          <a:xfrm flipH="1">
+            <a:off x="2323718" y="3242516"/>
+            <a:ext cx="1164507" cy="359907"/>
+          </a:xfrm>
+          <a:prstGeom prst="rect">
+            <a:avLst/>
+          </a:prstGeom>
+          <a:noFill/>
+        </p:spPr>
+        <p:txBody>
+          <a:bodyPr wrap="square" rtlCol="0">
+            <a:spAutoFit/>
+          </a:bodyPr>
+          <a:lstStyle/>
+          <a:p>
+            <a:pPr algn="ctr">
+              <a:lnSpc>
+                <a:spcPct val="120000"/>
+              </a:lnSpc>
+            </a:pPr>
+            <a:r>
+              <a:rPr lang="en-IN" sz="1600" dirty="0">
+                <a:solidFill>
+                  <a:schemeClr val="bg1"/>
+                </a:solidFill>
+                <a:latin typeface="Oxygen" panose="02000503000000090004" pitchFamily="2" charset="77"/>
+                <a:ea typeface="Lato" panose="020F0502020204030203" pitchFamily="34" charset="0"/>
+                <a:cs typeface="Lato" panose="020F0502020204030203" pitchFamily="34" charset="0"/>
+              </a:rPr>
+              <a:t>i.e JAVA</a:t>
+            </a:r>
+            <a:endParaRPr lang="en-US" sz="1600" dirty="0">
+              <a:solidFill>
+                <a:schemeClr val="bg1"/>
+              </a:solidFill>
+              <a:latin typeface="Oxygen" panose="02000503000000090004" pitchFamily="2" charset="77"/>
+              <a:ea typeface="Lato" panose="020F0502020204030203" pitchFamily="34" charset="0"/>
+              <a:cs typeface="Lato" panose="020F0502020204030203" pitchFamily="34" charset="0"/>
+            </a:endParaRPr>
+          </a:p>
+        </p:txBody>
+      </p:sp>
+      <p:sp>
+        <p:nvSpPr>
+          <p:cNvPr id="231" name="TextBox 230"/>
+          <p:cNvSpPr txBox="1"/>
+          <p:nvPr/>
+        </p:nvSpPr>
+        <p:spPr>
+          <a:xfrm>
+            <a:off x="1934457" y="2637197"/>
+            <a:ext cx="2045253" cy="677108"/>
+          </a:xfrm>
+          <a:prstGeom prst="rect">
+            <a:avLst/>
+          </a:prstGeom>
+          <a:noFill/>
+        </p:spPr>
+        <p:txBody>
+          <a:bodyPr wrap="square" rtlCol="0">
+            <a:spAutoFit/>
+          </a:bodyPr>
+          <a:lstStyle/>
+          <a:p>
+            <a:pPr algn="ctr"/>
+            <a:r>
+              <a:rPr lang="en-IN" sz="1900" b="1" dirty="0">
+                <a:solidFill>
+                  <a:schemeClr val="bg1"/>
+                </a:solidFill>
+                <a:latin typeface="Oxygen" panose="02000503000000090004" pitchFamily="2" charset="77"/>
+                <a:ea typeface="Roboto" charset="0"/>
+                <a:cs typeface="Poppins" pitchFamily="2" charset="77"/>
+              </a:rPr>
+              <a:t>PROGRAMMING LANGUAGE</a:t>
+            </a:r>
+            <a:endParaRPr lang="en-US" sz="1900" b="1" dirty="0">
+              <a:solidFill>
+                <a:schemeClr val="bg1"/>
+              </a:solidFill>
+              <a:latin typeface="Oxygen" panose="02000503000000090004" pitchFamily="2" charset="77"/>
+              <a:ea typeface="Roboto" charset="0"/>
+              <a:cs typeface="Poppins" pitchFamily="2" charset="77"/>
+            </a:endParaRPr>
+          </a:p>
+        </p:txBody>
+      </p:sp>
+      <p:sp>
+        <p:nvSpPr>
+          <p:cNvPr id="42" name="TextBox 41">
+            <a:extLst>
+              <a:ext uri="{FF2B5EF4-FFF2-40B4-BE49-F238E27FC236}">
+                <a16:creationId xmlns:a16="http://schemas.microsoft.com/office/drawing/2014/main" id="{A087615B-C6ED-3A44-9158-89E289E8ADF4}"/>
+              </a:ext>
+            </a:extLst>
+          </p:cNvPr>
+          <p:cNvSpPr txBox="1"/>
+          <p:nvPr/>
+        </p:nvSpPr>
+        <p:spPr>
+          <a:xfrm>
+            <a:off x="3908932" y="4200079"/>
+            <a:ext cx="1285385" cy="677108"/>
+          </a:xfrm>
+          <a:prstGeom prst="rect">
+            <a:avLst/>
+          </a:prstGeom>
+          <a:noFill/>
+        </p:spPr>
+        <p:txBody>
+          <a:bodyPr wrap="square" rtlCol="0">
+            <a:spAutoFit/>
+          </a:bodyPr>
+          <a:lstStyle/>
+          <a:p>
+            <a:pPr algn="ctr"/>
+            <a:r>
+              <a:rPr lang="en-IN" sz="1900" b="1" dirty="0">
+                <a:solidFill>
+                  <a:schemeClr val="bg1"/>
+                </a:solidFill>
+                <a:latin typeface="Oxygen" panose="02000503000000090004" pitchFamily="2" charset="77"/>
+                <a:ea typeface="Roboto" charset="0"/>
+                <a:cs typeface="Poppins" pitchFamily="2" charset="77"/>
+              </a:rPr>
+              <a:t>TEAM WORK</a:t>
+            </a:r>
+            <a:endParaRPr lang="en-US" sz="1900" b="1" dirty="0">
+              <a:solidFill>
+                <a:schemeClr val="bg1"/>
+              </a:solidFill>
+              <a:latin typeface="Oxygen" panose="02000503000000090004" pitchFamily="2" charset="77"/>
+              <a:ea typeface="Roboto" charset="0"/>
+              <a:cs typeface="Poppins" pitchFamily="2" charset="77"/>
+            </a:endParaRPr>
+          </a:p>
+        </p:txBody>
+      </p:sp>
+      <p:sp>
+        <p:nvSpPr>
+          <p:cNvPr id="44" name="TextBox 43">
+            <a:extLst>
+              <a:ext uri="{FF2B5EF4-FFF2-40B4-BE49-F238E27FC236}">
+                <a16:creationId xmlns:a16="http://schemas.microsoft.com/office/drawing/2014/main" id="{E58D1C06-0F3A-2D46-A2FC-699D28160C96}"/>
+              </a:ext>
+            </a:extLst>
+          </p:cNvPr>
+          <p:cNvSpPr txBox="1"/>
+          <p:nvPr/>
+        </p:nvSpPr>
+        <p:spPr>
+          <a:xfrm>
+            <a:off x="4871331" y="2684773"/>
+            <a:ext cx="2505939" cy="677108"/>
+          </a:xfrm>
+          <a:prstGeom prst="rect">
+            <a:avLst/>
+          </a:prstGeom>
+          <a:noFill/>
+        </p:spPr>
+        <p:txBody>
+          <a:bodyPr wrap="square" rtlCol="0">
+            <a:spAutoFit/>
+          </a:bodyPr>
+          <a:lstStyle/>
+          <a:p>
+            <a:pPr algn="ctr"/>
+            <a:r>
+              <a:rPr lang="en-IN" sz="1900" b="1" dirty="0">
+                <a:solidFill>
+                  <a:schemeClr val="bg1"/>
+                </a:solidFill>
+                <a:latin typeface="Oxygen" panose="02000503000000090004" pitchFamily="2" charset="77"/>
+                <a:ea typeface="Roboto" charset="0"/>
+                <a:cs typeface="Poppins" pitchFamily="2" charset="77"/>
+              </a:rPr>
+              <a:t>COMMUNICATION SKILLS</a:t>
+            </a:r>
+            <a:endParaRPr lang="en-US" sz="1900" b="1" dirty="0">
+              <a:solidFill>
+                <a:schemeClr val="bg1"/>
+              </a:solidFill>
+              <a:latin typeface="Oxygen" panose="02000503000000090004" pitchFamily="2" charset="77"/>
+              <a:ea typeface="Roboto" charset="0"/>
+              <a:cs typeface="Poppins" pitchFamily="2" charset="77"/>
+            </a:endParaRPr>
+          </a:p>
+        </p:txBody>
+      </p:sp>
+      <p:sp>
+        <p:nvSpPr>
+          <p:cNvPr id="46" name="TextBox 45">
+            <a:extLst>
+              <a:ext uri="{FF2B5EF4-FFF2-40B4-BE49-F238E27FC236}">
+                <a16:creationId xmlns:a16="http://schemas.microsoft.com/office/drawing/2014/main" id="{2314EF98-39E8-6C4A-9072-881E2DE3A773}"/>
+              </a:ext>
+            </a:extLst>
+          </p:cNvPr>
+          <p:cNvSpPr txBox="1"/>
+          <p:nvPr/>
+        </p:nvSpPr>
+        <p:spPr>
+          <a:xfrm>
+            <a:off x="6476974" y="4198201"/>
+            <a:ext cx="2442442" cy="677108"/>
+          </a:xfrm>
+          <a:prstGeom prst="rect">
+            <a:avLst/>
+          </a:prstGeom>
+          <a:noFill/>
+        </p:spPr>
+        <p:txBody>
+          <a:bodyPr wrap="square" rtlCol="0">
+            <a:spAutoFit/>
+          </a:bodyPr>
+          <a:lstStyle/>
+          <a:p>
+            <a:pPr algn="ctr"/>
+            <a:r>
+              <a:rPr lang="en-IN" sz="1900" b="1" dirty="0">
+                <a:solidFill>
+                  <a:schemeClr val="bg1"/>
+                </a:solidFill>
+                <a:latin typeface="Oxygen" panose="02000503000000090004" pitchFamily="2" charset="77"/>
+                <a:ea typeface="Roboto" charset="0"/>
+                <a:cs typeface="Poppins" pitchFamily="2" charset="77"/>
+              </a:rPr>
+              <a:t>PRESENTATION SKILLS</a:t>
+            </a:r>
+            <a:endParaRPr lang="en-US" sz="1900" b="1" dirty="0">
+              <a:solidFill>
+                <a:schemeClr val="bg1"/>
+              </a:solidFill>
+              <a:latin typeface="Oxygen" panose="02000503000000090004" pitchFamily="2" charset="77"/>
+              <a:ea typeface="Roboto" charset="0"/>
+              <a:cs typeface="Poppins" pitchFamily="2" charset="77"/>
+            </a:endParaRPr>
+          </a:p>
+        </p:txBody>
+      </p:sp>
+      <p:sp>
+        <p:nvSpPr>
+          <p:cNvPr id="48" name="TextBox 47">
+            <a:extLst>
+              <a:ext uri="{FF2B5EF4-FFF2-40B4-BE49-F238E27FC236}">
+                <a16:creationId xmlns:a16="http://schemas.microsoft.com/office/drawing/2014/main" id="{ED3163F3-67ED-D149-AFFD-6EA92D12A8A9}"/>
+              </a:ext>
+            </a:extLst>
+          </p:cNvPr>
+          <p:cNvSpPr txBox="1"/>
+          <p:nvPr/>
+        </p:nvSpPr>
+        <p:spPr>
+          <a:xfrm>
+            <a:off x="8208630" y="2647773"/>
+            <a:ext cx="2165641" cy="677108"/>
+          </a:xfrm>
+          <a:prstGeom prst="rect">
+            <a:avLst/>
+          </a:prstGeom>
+          <a:noFill/>
+        </p:spPr>
+        <p:txBody>
+          <a:bodyPr wrap="square" rtlCol="0">
+            <a:spAutoFit/>
+          </a:bodyPr>
+          <a:lstStyle/>
+          <a:p>
+            <a:pPr algn="ctr"/>
+            <a:r>
+              <a:rPr lang="en-IN" sz="1900" b="1" dirty="0">
+                <a:solidFill>
+                  <a:schemeClr val="bg1"/>
+                </a:solidFill>
+                <a:latin typeface="Oxygen" panose="02000503000000090004" pitchFamily="2" charset="77"/>
+                <a:ea typeface="Roboto" charset="0"/>
+                <a:cs typeface="Poppins" pitchFamily="2" charset="77"/>
+              </a:rPr>
+              <a:t>TIME MANAGEMENT </a:t>
+            </a:r>
+            <a:endParaRPr lang="en-US" sz="1900" b="1" dirty="0">
+              <a:solidFill>
+                <a:schemeClr val="bg1"/>
+              </a:solidFill>
+              <a:latin typeface="Oxygen" panose="02000503000000090004" pitchFamily="2" charset="77"/>
+              <a:ea typeface="Roboto" charset="0"/>
+              <a:cs typeface="Poppins" pitchFamily="2" charset="77"/>
+            </a:endParaRPr>
+          </a:p>
+        </p:txBody>
+      </p:sp>
+    </p:spTree>
+    <p:extLst>
+      <p:ext uri="{BB962C8B-B14F-4D97-AF65-F5344CB8AC3E}">
+        <p14:creationId xmlns:p14="http://schemas.microsoft.com/office/powerpoint/2010/main" val="3044473799"/>
+      </p:ext>
+    </p:extLst>
+  </p:cSld>
+  <p:clrMapOvr>
+    <a:masterClrMapping/>
+  </p:clrMapOvr>
+  <mc:AlternateContent xmlns:mc="http://schemas.openxmlformats.org/markup-compatibility/2006" xmlns:p14="http://schemas.microsoft.com/office/powerpoint/2010/main">
+    <mc:Choice Requires="p14">
+      <p:transition p14:dur="0" advClick="0"/>
+    </mc:Choice>
+    <mc:Fallback xmlns="">
+      <p:transition advClick="0"/>
+    </mc:Fallback>
+  </mc:AlternateContent>
+</p:sld>
+</file>
+
+<file path=ppt/slides/slide7.xml><?xml version="1.0" encoding="utf-8"?>
+<p:sld xmlns:a="http://schemas.openxmlformats.org/drawingml/2006/main" xmlns:r="http://schemas.openxmlformats.org/officeDocument/2006/relationships" xmlns:p="http://schemas.openxmlformats.org/presentationml/2006/main">
+  <p:cSld>
+    <p:spTree>
+      <p:nvGrpSpPr>
+        <p:cNvPr id="1" name=""/>
+        <p:cNvGrpSpPr/>
+        <p:nvPr/>
+      </p:nvGrpSpPr>
+      <p:grpSpPr>
+        <a:xfrm>
+          <a:off x="0" y="0"/>
+          <a:ext cx="0" cy="0"/>
+          <a:chOff x="0" y="0"/>
+          <a:chExt cx="0" cy="0"/>
+        </a:xfrm>
+      </p:grpSpPr>
+      <p:sp>
+        <p:nvSpPr>
           <p:cNvPr id="36" name="TextBox 35"/>
           <p:cNvSpPr txBox="1"/>
           <p:nvPr/>
@@ -14697,7 +18582,7 @@
 </p:sld>
 </file>
 
-<file path=ppt/slides/slide11.xml><?xml version="1.0" encoding="utf-8"?>
+<file path=ppt/slides/slide8.xml><?xml version="1.0" encoding="utf-8"?>
 <p:sld xmlns:a="http://schemas.openxmlformats.org/drawingml/2006/main" xmlns:r="http://schemas.openxmlformats.org/officeDocument/2006/relationships" xmlns:p="http://schemas.openxmlformats.org/presentationml/2006/main">
   <p:cSld>
     <p:spTree>
@@ -17345,14 +21230,14 @@
           </a:ln>
           <a:extLst>
             <a:ext uri="{909E8E84-426E-40dd-AFC4-6F175D3DCCD1}">
-              <a14:hiddenFill xmlns:a14="http://schemas.microsoft.com/office/drawing/2010/main" xmlns="">
+              <a14:hiddenFill xmlns="" xmlns:a14="http://schemas.microsoft.com/office/drawing/2010/main">
                 <a:solidFill>
                   <a:srgbClr val="FFFFFF"/>
                 </a:solidFill>
               </a14:hiddenFill>
             </a:ext>
             <a:ext uri="{91240B29-F687-4f45-9708-019B960494DF}">
-              <a14:hiddenLine xmlns:a14="http://schemas.microsoft.com/office/drawing/2010/main" xmlns="" w="12700">
+              <a14:hiddenLine xmlns="" xmlns:a14="http://schemas.microsoft.com/office/drawing/2010/main" w="12700">
                 <a:solidFill>
                   <a:schemeClr val="tx1"/>
                 </a:solidFill>
@@ -17427,7 +21312,7 @@
 </p:sld>
 </file>
 
-<file path=ppt/slides/slide12.xml><?xml version="1.0" encoding="utf-8"?>
+<file path=ppt/slides/slide9.xml><?xml version="1.0" encoding="utf-8"?>
 <p:sld xmlns:a="http://schemas.openxmlformats.org/drawingml/2006/main" xmlns:r="http://schemas.openxmlformats.org/officeDocument/2006/relationships" xmlns:p="http://schemas.openxmlformats.org/presentationml/2006/main">
   <p:cSld>
     <p:spTree>
@@ -17680,3891 +21565,6 @@
     <a:masterClrMapping/>
   </p:clrMapOvr>
   <p:transition advClick="0"/>
-</p:sld>
-</file>
-
-<file path=ppt/slides/slide13.xml><?xml version="1.0" encoding="utf-8"?>
-<p:sld xmlns:a="http://schemas.openxmlformats.org/drawingml/2006/main" xmlns:r="http://schemas.openxmlformats.org/officeDocument/2006/relationships" xmlns:p="http://schemas.openxmlformats.org/presentationml/2006/main">
-  <p:cSld>
-    <p:spTree>
-      <p:nvGrpSpPr>
-        <p:cNvPr id="1" name=""/>
-        <p:cNvGrpSpPr/>
-        <p:nvPr/>
-      </p:nvGrpSpPr>
-      <p:grpSpPr>
-        <a:xfrm>
-          <a:off x="0" y="0"/>
-          <a:ext cx="0" cy="0"/>
-          <a:chOff x="0" y="0"/>
-          <a:chExt cx="0" cy="0"/>
-        </a:xfrm>
-      </p:grpSpPr>
-      <p:sp>
-        <p:nvSpPr>
-          <p:cNvPr id="3" name="TextBox 2">
-            <a:extLst>
-              <a:ext uri="{FF2B5EF4-FFF2-40B4-BE49-F238E27FC236}">
-                <a16:creationId xmlns:a16="http://schemas.microsoft.com/office/drawing/2014/main" id="{1ADA55FA-CC4F-7715-6B27-7901D536E906}"/>
-              </a:ext>
-            </a:extLst>
-          </p:cNvPr>
-          <p:cNvSpPr txBox="1"/>
-          <p:nvPr/>
-        </p:nvSpPr>
-        <p:spPr>
-          <a:xfrm>
-            <a:off x="1581504" y="221082"/>
-            <a:ext cx="9028991" cy="736292"/>
-          </a:xfrm>
-          <a:prstGeom prst="rect">
-            <a:avLst/>
-          </a:prstGeom>
-          <a:noFill/>
-        </p:spPr>
-        <p:txBody>
-          <a:bodyPr wrap="square" rtlCol="0">
-            <a:spAutoFit/>
-          </a:bodyPr>
-          <a:lstStyle/>
-          <a:p>
-            <a:pPr algn="ctr">
-              <a:lnSpc>
-                <a:spcPts val="5500"/>
-              </a:lnSpc>
-            </a:pPr>
-            <a:r>
-              <a:rPr lang="en-IN" sz="4000" b="1" dirty="0">
-                <a:solidFill>
-                  <a:schemeClr val="accent1"/>
-                </a:solidFill>
-                <a:latin typeface="Oxygen" panose="02000503000000000000" pitchFamily="2" charset="77"/>
-                <a:cs typeface="Arima Madurai Semi" pitchFamily="2" charset="77"/>
-              </a:rPr>
-              <a:t>How are we going to implement it??!</a:t>
-            </a:r>
-            <a:endParaRPr lang="en-US" sz="4000" b="1" dirty="0">
-              <a:solidFill>
-                <a:schemeClr val="accent1"/>
-              </a:solidFill>
-              <a:latin typeface="Oxygen" panose="02000503000000000000" pitchFamily="2" charset="77"/>
-              <a:cs typeface="Arima Madurai Semi" pitchFamily="2" charset="77"/>
-            </a:endParaRPr>
-          </a:p>
-        </p:txBody>
-      </p:sp>
-      <p:sp>
-        <p:nvSpPr>
-          <p:cNvPr id="5" name="TextBox 4">
-            <a:extLst>
-              <a:ext uri="{FF2B5EF4-FFF2-40B4-BE49-F238E27FC236}">
-                <a16:creationId xmlns:a16="http://schemas.microsoft.com/office/drawing/2014/main" id="{4E7C4A89-E66C-A675-32E8-95B7020BC515}"/>
-              </a:ext>
-            </a:extLst>
-          </p:cNvPr>
-          <p:cNvSpPr txBox="1"/>
-          <p:nvPr/>
-        </p:nvSpPr>
-        <p:spPr>
-          <a:xfrm>
-            <a:off x="301868" y="1873712"/>
-            <a:ext cx="11588261" cy="2596545"/>
-          </a:xfrm>
-          <a:prstGeom prst="rect">
-            <a:avLst/>
-          </a:prstGeom>
-          <a:noFill/>
-        </p:spPr>
-        <p:txBody>
-          <a:bodyPr wrap="square" rtlCol="0">
-            <a:spAutoFit/>
-          </a:bodyPr>
-          <a:lstStyle/>
-          <a:p>
-            <a:pPr marL="457200" indent="-457200">
-              <a:lnSpc>
-                <a:spcPct val="150000"/>
-              </a:lnSpc>
-              <a:buFont typeface="Arial" panose="020B0604020202020204" pitchFamily="34" charset="0"/>
-              <a:buChar char="•"/>
-            </a:pPr>
-            <a:r>
-              <a:rPr lang="en-IN" sz="2800" dirty="0">
-                <a:latin typeface="Oxygen" panose="02000503000000000000" pitchFamily="2" charset="77"/>
-              </a:rPr>
-              <a:t>F</a:t>
-            </a:r>
-            <a:r>
-              <a:rPr lang="en-IN" sz="2800" i="0" dirty="0">
-                <a:effectLst/>
-                <a:latin typeface="Oxygen" panose="02000503000000000000" pitchFamily="2" charset="77"/>
-              </a:rPr>
-              <a:t>urther calling their main class of the other </a:t>
-            </a:r>
-            <a:r>
-              <a:rPr lang="en-IN" sz="2800" dirty="0">
-                <a:latin typeface="Oxygen" panose="02000503000000000000" pitchFamily="2" charset="77"/>
-              </a:rPr>
-              <a:t>files </a:t>
-            </a:r>
-            <a:r>
-              <a:rPr lang="en-IN" sz="2800" i="0" dirty="0">
-                <a:effectLst/>
-                <a:latin typeface="Oxygen" panose="02000503000000000000" pitchFamily="2" charset="77"/>
-              </a:rPr>
-              <a:t>directly in the switch case of the main file where we are making the menu and performing the operation on a user defined matrix</a:t>
-            </a:r>
-          </a:p>
-          <a:p>
-            <a:pPr marL="457200" indent="-457200">
-              <a:lnSpc>
-                <a:spcPct val="150000"/>
-              </a:lnSpc>
-              <a:buFont typeface="Arial" panose="020B0604020202020204" pitchFamily="34" charset="0"/>
-              <a:buChar char="•"/>
-            </a:pPr>
-            <a:endParaRPr lang="en-IN" sz="2800" dirty="0">
-              <a:latin typeface="Oxygen" panose="02000503000000000000" pitchFamily="2" charset="77"/>
-            </a:endParaRPr>
-          </a:p>
-        </p:txBody>
-      </p:sp>
-    </p:spTree>
-    <p:extLst>
-      <p:ext uri="{BB962C8B-B14F-4D97-AF65-F5344CB8AC3E}">
-        <p14:creationId xmlns:p14="http://schemas.microsoft.com/office/powerpoint/2010/main" val="476539695"/>
-      </p:ext>
-    </p:extLst>
-  </p:cSld>
-  <p:clrMapOvr>
-    <a:masterClrMapping/>
-  </p:clrMapOvr>
-  <p:transition advClick="0"/>
-</p:sld>
-</file>
-
-<file path=ppt/slides/slide14.xml><?xml version="1.0" encoding="utf-8"?>
-<p:sld xmlns:a="http://schemas.openxmlformats.org/drawingml/2006/main" xmlns:r="http://schemas.openxmlformats.org/officeDocument/2006/relationships" xmlns:p="http://schemas.openxmlformats.org/presentationml/2006/main">
-  <p:cSld>
-    <p:spTree>
-      <p:nvGrpSpPr>
-        <p:cNvPr id="1" name=""/>
-        <p:cNvGrpSpPr/>
-        <p:nvPr/>
-      </p:nvGrpSpPr>
-      <p:grpSpPr>
-        <a:xfrm>
-          <a:off x="0" y="0"/>
-          <a:ext cx="0" cy="0"/>
-          <a:chOff x="0" y="0"/>
-          <a:chExt cx="0" cy="0"/>
-        </a:xfrm>
-      </p:grpSpPr>
-      <p:sp>
-        <p:nvSpPr>
-          <p:cNvPr id="3" name="TextBox 2">
-            <a:extLst>
-              <a:ext uri="{FF2B5EF4-FFF2-40B4-BE49-F238E27FC236}">
-                <a16:creationId xmlns:a16="http://schemas.microsoft.com/office/drawing/2014/main" id="{1ADA55FA-CC4F-7715-6B27-7901D536E906}"/>
-              </a:ext>
-            </a:extLst>
-          </p:cNvPr>
-          <p:cNvSpPr txBox="1"/>
-          <p:nvPr/>
-        </p:nvSpPr>
-        <p:spPr>
-          <a:xfrm>
-            <a:off x="1581504" y="221082"/>
-            <a:ext cx="9074773" cy="830997"/>
-          </a:xfrm>
-          <a:prstGeom prst="rect">
-            <a:avLst/>
-          </a:prstGeom>
-          <a:noFill/>
-        </p:spPr>
-        <p:txBody>
-          <a:bodyPr wrap="square" rtlCol="0">
-            <a:spAutoFit/>
-          </a:bodyPr>
-          <a:lstStyle/>
-          <a:p>
-            <a:pPr algn="ctr"/>
-            <a:r>
-              <a:rPr lang="en-IN" sz="4800" b="1" dirty="0">
-                <a:solidFill>
-                  <a:schemeClr val="accent1"/>
-                </a:solidFill>
-                <a:latin typeface="Oxygen" panose="02000503000000000000" pitchFamily="2" charset="77"/>
-              </a:rPr>
-              <a:t>Our Timeline</a:t>
-            </a:r>
-            <a:endParaRPr lang="en-US" sz="4800" b="1" dirty="0">
-              <a:solidFill>
-                <a:schemeClr val="accent1"/>
-              </a:solidFill>
-              <a:latin typeface="Oxygen" panose="02000503000000000000" pitchFamily="2" charset="77"/>
-            </a:endParaRPr>
-          </a:p>
-        </p:txBody>
-      </p:sp>
-      <p:graphicFrame>
-        <p:nvGraphicFramePr>
-          <p:cNvPr id="7" name="Diagram 6">
-            <a:extLst>
-              <a:ext uri="{FF2B5EF4-FFF2-40B4-BE49-F238E27FC236}">
-                <a16:creationId xmlns:a16="http://schemas.microsoft.com/office/drawing/2014/main" id="{585C9796-9A62-CC15-7553-0F541FF55DEB}"/>
-              </a:ext>
-            </a:extLst>
-          </p:cNvPr>
-          <p:cNvGraphicFramePr/>
-          <p:nvPr>
-            <p:extLst>
-              <p:ext uri="{D42A27DB-BD31-4B8C-83A1-F6EECF244321}">
-                <p14:modId xmlns:p14="http://schemas.microsoft.com/office/powerpoint/2010/main" val="4098162019"/>
-              </p:ext>
-            </p:extLst>
-          </p:nvPr>
-        </p:nvGraphicFramePr>
-        <p:xfrm>
-          <a:off x="173831" y="1357313"/>
-          <a:ext cx="11844337" cy="4865268"/>
-        </p:xfrm>
-        <a:graphic>
-          <a:graphicData uri="http://schemas.openxmlformats.org/drawingml/2006/diagram">
-            <dgm:relIds xmlns:dgm="http://schemas.openxmlformats.org/drawingml/2006/diagram" xmlns:r="http://schemas.openxmlformats.org/officeDocument/2006/relationships" r:dm="rId2" r:lo="rId3" r:qs="rId4" r:cs="rId5"/>
-          </a:graphicData>
-        </a:graphic>
-      </p:graphicFrame>
-    </p:spTree>
-    <p:extLst>
-      <p:ext uri="{BB962C8B-B14F-4D97-AF65-F5344CB8AC3E}">
-        <p14:creationId xmlns:p14="http://schemas.microsoft.com/office/powerpoint/2010/main" val="1583185961"/>
-      </p:ext>
-    </p:extLst>
-  </p:cSld>
-  <p:clrMapOvr>
-    <a:masterClrMapping/>
-  </p:clrMapOvr>
-  <p:transition advClick="0"/>
-</p:sld>
-</file>
-
-<file path=ppt/slides/slide15.xml><?xml version="1.0" encoding="utf-8"?>
-<p:sld xmlns:a="http://schemas.openxmlformats.org/drawingml/2006/main" xmlns:r="http://schemas.openxmlformats.org/officeDocument/2006/relationships" xmlns:p="http://schemas.openxmlformats.org/presentationml/2006/main">
-  <p:cSld>
-    <p:spTree>
-      <p:nvGrpSpPr>
-        <p:cNvPr id="1" name=""/>
-        <p:cNvGrpSpPr/>
-        <p:nvPr/>
-      </p:nvGrpSpPr>
-      <p:grpSpPr>
-        <a:xfrm>
-          <a:off x="0" y="0"/>
-          <a:ext cx="0" cy="0"/>
-          <a:chOff x="0" y="0"/>
-          <a:chExt cx="0" cy="0"/>
-        </a:xfrm>
-      </p:grpSpPr>
-      <p:sp>
-        <p:nvSpPr>
-          <p:cNvPr id="3" name="TextBox 2">
-            <a:extLst>
-              <a:ext uri="{FF2B5EF4-FFF2-40B4-BE49-F238E27FC236}">
-                <a16:creationId xmlns:a16="http://schemas.microsoft.com/office/drawing/2014/main" id="{1ADA55FA-CC4F-7715-6B27-7901D536E906}"/>
-              </a:ext>
-            </a:extLst>
-          </p:cNvPr>
-          <p:cNvSpPr txBox="1"/>
-          <p:nvPr/>
-        </p:nvSpPr>
-        <p:spPr>
-          <a:xfrm>
-            <a:off x="1581504" y="221082"/>
-            <a:ext cx="9074773" cy="830997"/>
-          </a:xfrm>
-          <a:prstGeom prst="rect">
-            <a:avLst/>
-          </a:prstGeom>
-          <a:noFill/>
-        </p:spPr>
-        <p:txBody>
-          <a:bodyPr wrap="square" rtlCol="0">
-            <a:spAutoFit/>
-          </a:bodyPr>
-          <a:lstStyle/>
-          <a:p>
-            <a:pPr algn="ctr"/>
-            <a:r>
-              <a:rPr lang="en-IN" sz="4800" b="1" dirty="0">
-                <a:solidFill>
-                  <a:schemeClr val="accent1"/>
-                </a:solidFill>
-                <a:latin typeface="Oxygen" panose="02000503000000000000" pitchFamily="2" charset="77"/>
-              </a:rPr>
-              <a:t>Our Timeline</a:t>
-            </a:r>
-            <a:endParaRPr lang="en-US" sz="4800" b="1" dirty="0">
-              <a:solidFill>
-                <a:schemeClr val="accent1"/>
-              </a:solidFill>
-              <a:latin typeface="Oxygen" panose="02000503000000000000" pitchFamily="2" charset="77"/>
-            </a:endParaRPr>
-          </a:p>
-        </p:txBody>
-      </p:sp>
-      <p:graphicFrame>
-        <p:nvGraphicFramePr>
-          <p:cNvPr id="7" name="Diagram 6">
-            <a:extLst>
-              <a:ext uri="{FF2B5EF4-FFF2-40B4-BE49-F238E27FC236}">
-                <a16:creationId xmlns:a16="http://schemas.microsoft.com/office/drawing/2014/main" id="{585C9796-9A62-CC15-7553-0F541FF55DEB}"/>
-              </a:ext>
-            </a:extLst>
-          </p:cNvPr>
-          <p:cNvGraphicFramePr/>
-          <p:nvPr>
-            <p:extLst>
-              <p:ext uri="{D42A27DB-BD31-4B8C-83A1-F6EECF244321}">
-                <p14:modId xmlns:p14="http://schemas.microsoft.com/office/powerpoint/2010/main" val="902624822"/>
-              </p:ext>
-            </p:extLst>
-          </p:nvPr>
-        </p:nvGraphicFramePr>
-        <p:xfrm>
-          <a:off x="173831" y="1357313"/>
-          <a:ext cx="11844337" cy="4865268"/>
-        </p:xfrm>
-        <a:graphic>
-          <a:graphicData uri="http://schemas.openxmlformats.org/drawingml/2006/diagram">
-            <dgm:relIds xmlns:dgm="http://schemas.openxmlformats.org/drawingml/2006/diagram" xmlns:r="http://schemas.openxmlformats.org/officeDocument/2006/relationships" r:dm="rId2" r:lo="rId3" r:qs="rId4" r:cs="rId5"/>
-          </a:graphicData>
-        </a:graphic>
-      </p:graphicFrame>
-    </p:spTree>
-    <p:extLst>
-      <p:ext uri="{BB962C8B-B14F-4D97-AF65-F5344CB8AC3E}">
-        <p14:creationId xmlns:p14="http://schemas.microsoft.com/office/powerpoint/2010/main" val="1148221833"/>
-      </p:ext>
-    </p:extLst>
-  </p:cSld>
-  <p:clrMapOvr>
-    <a:masterClrMapping/>
-  </p:clrMapOvr>
-  <p:transition advClick="0"/>
-</p:sld>
-</file>
-
-<file path=ppt/slides/slide16.xml><?xml version="1.0" encoding="utf-8"?>
-<p:sld xmlns:a="http://schemas.openxmlformats.org/drawingml/2006/main" xmlns:r="http://schemas.openxmlformats.org/officeDocument/2006/relationships" xmlns:p="http://schemas.openxmlformats.org/presentationml/2006/main">
-  <p:cSld>
-    <p:spTree>
-      <p:nvGrpSpPr>
-        <p:cNvPr id="1" name=""/>
-        <p:cNvGrpSpPr/>
-        <p:nvPr/>
-      </p:nvGrpSpPr>
-      <p:grpSpPr>
-        <a:xfrm>
-          <a:off x="0" y="0"/>
-          <a:ext cx="0" cy="0"/>
-          <a:chOff x="0" y="0"/>
-          <a:chExt cx="0" cy="0"/>
-        </a:xfrm>
-      </p:grpSpPr>
-      <p:sp>
-        <p:nvSpPr>
-          <p:cNvPr id="3" name="TextBox 2">
-            <a:extLst>
-              <a:ext uri="{FF2B5EF4-FFF2-40B4-BE49-F238E27FC236}">
-                <a16:creationId xmlns:a16="http://schemas.microsoft.com/office/drawing/2014/main" id="{1ADA55FA-CC4F-7715-6B27-7901D536E906}"/>
-              </a:ext>
-            </a:extLst>
-          </p:cNvPr>
-          <p:cNvSpPr txBox="1"/>
-          <p:nvPr/>
-        </p:nvSpPr>
-        <p:spPr>
-          <a:xfrm>
-            <a:off x="1581504" y="221082"/>
-            <a:ext cx="9074773" cy="830997"/>
-          </a:xfrm>
-          <a:prstGeom prst="rect">
-            <a:avLst/>
-          </a:prstGeom>
-          <a:noFill/>
-        </p:spPr>
-        <p:txBody>
-          <a:bodyPr wrap="square" rtlCol="0">
-            <a:spAutoFit/>
-          </a:bodyPr>
-          <a:lstStyle/>
-          <a:p>
-            <a:pPr algn="ctr"/>
-            <a:r>
-              <a:rPr lang="en-IN" sz="4800" b="1" dirty="0">
-                <a:solidFill>
-                  <a:schemeClr val="accent1"/>
-                </a:solidFill>
-                <a:latin typeface="Oxygen" panose="02000503000000000000" pitchFamily="2" charset="77"/>
-              </a:rPr>
-              <a:t>Our Timeline</a:t>
-            </a:r>
-            <a:endParaRPr lang="en-US" sz="4800" b="1" dirty="0">
-              <a:solidFill>
-                <a:schemeClr val="accent1"/>
-              </a:solidFill>
-              <a:latin typeface="Oxygen" panose="02000503000000000000" pitchFamily="2" charset="77"/>
-            </a:endParaRPr>
-          </a:p>
-        </p:txBody>
-      </p:sp>
-      <p:graphicFrame>
-        <p:nvGraphicFramePr>
-          <p:cNvPr id="7" name="Diagram 6">
-            <a:extLst>
-              <a:ext uri="{FF2B5EF4-FFF2-40B4-BE49-F238E27FC236}">
-                <a16:creationId xmlns:a16="http://schemas.microsoft.com/office/drawing/2014/main" id="{585C9796-9A62-CC15-7553-0F541FF55DEB}"/>
-              </a:ext>
-            </a:extLst>
-          </p:cNvPr>
-          <p:cNvGraphicFramePr/>
-          <p:nvPr>
-            <p:extLst>
-              <p:ext uri="{D42A27DB-BD31-4B8C-83A1-F6EECF244321}">
-                <p14:modId xmlns:p14="http://schemas.microsoft.com/office/powerpoint/2010/main" val="1346899573"/>
-              </p:ext>
-            </p:extLst>
-          </p:nvPr>
-        </p:nvGraphicFramePr>
-        <p:xfrm>
-          <a:off x="173831" y="928688"/>
-          <a:ext cx="11844337" cy="5708230"/>
-        </p:xfrm>
-        <a:graphic>
-          <a:graphicData uri="http://schemas.openxmlformats.org/drawingml/2006/diagram">
-            <dgm:relIds xmlns:dgm="http://schemas.openxmlformats.org/drawingml/2006/diagram" xmlns:r="http://schemas.openxmlformats.org/officeDocument/2006/relationships" r:dm="rId2" r:lo="rId3" r:qs="rId4" r:cs="rId5"/>
-          </a:graphicData>
-        </a:graphic>
-      </p:graphicFrame>
-    </p:spTree>
-    <p:extLst>
-      <p:ext uri="{BB962C8B-B14F-4D97-AF65-F5344CB8AC3E}">
-        <p14:creationId xmlns:p14="http://schemas.microsoft.com/office/powerpoint/2010/main" val="2401327818"/>
-      </p:ext>
-    </p:extLst>
-  </p:cSld>
-  <p:clrMapOvr>
-    <a:masterClrMapping/>
-  </p:clrMapOvr>
-  <p:transition advClick="0"/>
-</p:sld>
-</file>
-
-<file path=ppt/slides/slide17.xml><?xml version="1.0" encoding="utf-8"?>
-<p:sld xmlns:a="http://schemas.openxmlformats.org/drawingml/2006/main" xmlns:r="http://schemas.openxmlformats.org/officeDocument/2006/relationships" xmlns:p="http://schemas.openxmlformats.org/presentationml/2006/main">
-  <p:cSld>
-    <p:spTree>
-      <p:nvGrpSpPr>
-        <p:cNvPr id="1" name=""/>
-        <p:cNvGrpSpPr/>
-        <p:nvPr/>
-      </p:nvGrpSpPr>
-      <p:grpSpPr>
-        <a:xfrm>
-          <a:off x="0" y="0"/>
-          <a:ext cx="0" cy="0"/>
-          <a:chOff x="0" y="0"/>
-          <a:chExt cx="0" cy="0"/>
-        </a:xfrm>
-      </p:grpSpPr>
-      <p:sp>
-        <p:nvSpPr>
-          <p:cNvPr id="9" name="TextBox 8"/>
-          <p:cNvSpPr txBox="1"/>
-          <p:nvPr/>
-        </p:nvSpPr>
-        <p:spPr>
-          <a:xfrm>
-            <a:off x="1815821" y="2644170"/>
-            <a:ext cx="8560357" cy="1569660"/>
-          </a:xfrm>
-          <a:prstGeom prst="rect">
-            <a:avLst/>
-          </a:prstGeom>
-          <a:noFill/>
-        </p:spPr>
-        <p:txBody>
-          <a:bodyPr wrap="none" rtlCol="0">
-            <a:spAutoFit/>
-          </a:bodyPr>
-          <a:lstStyle/>
-          <a:p>
-            <a:pPr algn="ctr"/>
-            <a:r>
-              <a:rPr lang="en-US" sz="9600" b="1" spc="300" dirty="0">
-                <a:solidFill>
-                  <a:schemeClr val="accent1"/>
-                </a:solidFill>
-                <a:latin typeface="Oxygen" panose="02000503000000090004" pitchFamily="2" charset="77"/>
-                <a:ea typeface="Nunito Bold" charset="0"/>
-                <a:cs typeface="Arima Madurai Black" pitchFamily="2" charset="77"/>
-              </a:rPr>
-              <a:t>THANK</a:t>
-            </a:r>
-            <a:r>
-              <a:rPr lang="en-IN" sz="9600" b="1" spc="300" dirty="0">
-                <a:solidFill>
-                  <a:schemeClr val="accent1"/>
-                </a:solidFill>
-                <a:latin typeface="Oxygen" panose="02000503000000090004" pitchFamily="2" charset="77"/>
-                <a:ea typeface="Nunito Bold" charset="0"/>
-                <a:cs typeface="Arima Madurai Black" pitchFamily="2" charset="77"/>
-              </a:rPr>
-              <a:t> YOU!!</a:t>
-            </a:r>
-            <a:endParaRPr lang="en-US" sz="9600" b="1" spc="300" dirty="0">
-              <a:solidFill>
-                <a:schemeClr val="accent1"/>
-              </a:solidFill>
-              <a:latin typeface="Oxygen" panose="02000503000000090004" pitchFamily="2" charset="77"/>
-              <a:ea typeface="Nunito Bold" charset="0"/>
-              <a:cs typeface="Arima Madurai Black" pitchFamily="2" charset="77"/>
-            </a:endParaRPr>
-          </a:p>
-        </p:txBody>
-      </p:sp>
-    </p:spTree>
-    <p:extLst>
-      <p:ext uri="{BB962C8B-B14F-4D97-AF65-F5344CB8AC3E}">
-        <p14:creationId xmlns:p14="http://schemas.microsoft.com/office/powerpoint/2010/main" val="1524788130"/>
-      </p:ext>
-    </p:extLst>
-  </p:cSld>
-  <p:clrMapOvr>
-    <a:masterClrMapping/>
-  </p:clrMapOvr>
-  <p:transition advClick="0"/>
-</p:sld>
-</file>
-
-<file path=ppt/slides/slide2.xml><?xml version="1.0" encoding="utf-8"?>
-<p:sld xmlns:a="http://schemas.openxmlformats.org/drawingml/2006/main" xmlns:r="http://schemas.openxmlformats.org/officeDocument/2006/relationships" xmlns:p="http://schemas.openxmlformats.org/presentationml/2006/main">
-  <p:cSld>
-    <p:spTree>
-      <p:nvGrpSpPr>
-        <p:cNvPr id="1" name=""/>
-        <p:cNvGrpSpPr/>
-        <p:nvPr/>
-      </p:nvGrpSpPr>
-      <p:grpSpPr>
-        <a:xfrm>
-          <a:off x="0" y="0"/>
-          <a:ext cx="0" cy="0"/>
-          <a:chOff x="0" y="0"/>
-          <a:chExt cx="0" cy="0"/>
-        </a:xfrm>
-      </p:grpSpPr>
-      <p:sp>
-        <p:nvSpPr>
-          <p:cNvPr id="59" name="TextBox 58">
-            <a:extLst>
-              <a:ext uri="{FF2B5EF4-FFF2-40B4-BE49-F238E27FC236}">
-                <a16:creationId xmlns:a16="http://schemas.microsoft.com/office/drawing/2014/main" id="{98CEB661-0986-574F-9D6B-99CF0FE09E75}"/>
-              </a:ext>
-            </a:extLst>
-          </p:cNvPr>
-          <p:cNvSpPr txBox="1"/>
-          <p:nvPr/>
-        </p:nvSpPr>
-        <p:spPr>
-          <a:xfrm>
-            <a:off x="1417791" y="3292011"/>
-            <a:ext cx="8892603" cy="519053"/>
-          </a:xfrm>
-          <a:prstGeom prst="rect">
-            <a:avLst/>
-          </a:prstGeom>
-          <a:noFill/>
-        </p:spPr>
-        <p:txBody>
-          <a:bodyPr wrap="square" rtlCol="0">
-            <a:spAutoFit/>
-          </a:bodyPr>
-          <a:lstStyle/>
-          <a:p>
-            <a:pPr>
-              <a:lnSpc>
-                <a:spcPts val="3600"/>
-              </a:lnSpc>
-            </a:pPr>
-            <a:r>
-              <a:rPr lang="en-IN" sz="2800" dirty="0">
-                <a:latin typeface="Oxygen" panose="02000503000000090004" pitchFamily="2" charset="77"/>
-                <a:ea typeface="Lato Light" panose="020F0502020204030203" pitchFamily="34" charset="0"/>
-                <a:cs typeface="Arima Madurai Light" pitchFamily="2" charset="77"/>
-              </a:rPr>
-              <a:t>Newton’s forward &amp; backward interpolation </a:t>
-            </a:r>
-            <a:endParaRPr lang="en-US" sz="2800" dirty="0">
-              <a:latin typeface="Oxygen" panose="02000503000000090004" pitchFamily="2" charset="77"/>
-              <a:ea typeface="Lato Light" panose="020F0502020204030203" pitchFamily="34" charset="0"/>
-              <a:cs typeface="Arima Madurai Light" pitchFamily="2" charset="77"/>
-            </a:endParaRPr>
-          </a:p>
-        </p:txBody>
-      </p:sp>
-      <p:sp>
-        <p:nvSpPr>
-          <p:cNvPr id="60" name="TextBox 59">
-            <a:extLst>
-              <a:ext uri="{FF2B5EF4-FFF2-40B4-BE49-F238E27FC236}">
-                <a16:creationId xmlns:a16="http://schemas.microsoft.com/office/drawing/2014/main" id="{4FE6CA15-9B0B-F642-942F-026A33A42767}"/>
-              </a:ext>
-            </a:extLst>
-          </p:cNvPr>
-          <p:cNvSpPr txBox="1"/>
-          <p:nvPr/>
-        </p:nvSpPr>
-        <p:spPr>
-          <a:xfrm>
-            <a:off x="1438670" y="2079491"/>
-            <a:ext cx="5927647" cy="519053"/>
-          </a:xfrm>
-          <a:prstGeom prst="rect">
-            <a:avLst/>
-          </a:prstGeom>
-          <a:noFill/>
-        </p:spPr>
-        <p:txBody>
-          <a:bodyPr wrap="square" rtlCol="0">
-            <a:spAutoFit/>
-          </a:bodyPr>
-          <a:lstStyle/>
-          <a:p>
-            <a:pPr>
-              <a:lnSpc>
-                <a:spcPts val="3600"/>
-              </a:lnSpc>
-            </a:pPr>
-            <a:r>
-              <a:rPr lang="en-IN" sz="2800" dirty="0" err="1">
-                <a:latin typeface="Oxygen" panose="02000503000000090004" pitchFamily="2" charset="77"/>
-                <a:ea typeface="Lato Light" panose="020F0502020204030203" pitchFamily="34" charset="0"/>
-                <a:cs typeface="Arima Madurai Light" pitchFamily="2" charset="77"/>
-              </a:rPr>
-              <a:t>Guass</a:t>
-            </a:r>
-            <a:r>
-              <a:rPr lang="en-IN" sz="2800" dirty="0">
-                <a:latin typeface="Oxygen" panose="02000503000000090004" pitchFamily="2" charset="77"/>
-                <a:ea typeface="Lato Light" panose="020F0502020204030203" pitchFamily="34" charset="0"/>
-                <a:cs typeface="Arima Madurai Light" pitchFamily="2" charset="77"/>
-              </a:rPr>
-              <a:t> Elimination Method </a:t>
-            </a:r>
-            <a:endParaRPr lang="en-US" sz="2800" dirty="0">
-              <a:latin typeface="Oxygen" panose="02000503000000090004" pitchFamily="2" charset="77"/>
-              <a:ea typeface="Lato Light" panose="020F0502020204030203" pitchFamily="34" charset="0"/>
-              <a:cs typeface="Arima Madurai Light" pitchFamily="2" charset="77"/>
-            </a:endParaRPr>
-          </a:p>
-        </p:txBody>
-      </p:sp>
-      <p:sp>
-        <p:nvSpPr>
-          <p:cNvPr id="61" name="TextBox 60">
-            <a:extLst>
-              <a:ext uri="{FF2B5EF4-FFF2-40B4-BE49-F238E27FC236}">
-                <a16:creationId xmlns:a16="http://schemas.microsoft.com/office/drawing/2014/main" id="{285A00EB-6E19-6B40-9784-DC91AD0ADC92}"/>
-              </a:ext>
-            </a:extLst>
-          </p:cNvPr>
-          <p:cNvSpPr txBox="1"/>
-          <p:nvPr/>
-        </p:nvSpPr>
-        <p:spPr>
-          <a:xfrm>
-            <a:off x="1430989" y="2668195"/>
-            <a:ext cx="5419708" cy="515526"/>
-          </a:xfrm>
-          <a:prstGeom prst="rect">
-            <a:avLst/>
-          </a:prstGeom>
-          <a:noFill/>
-        </p:spPr>
-        <p:txBody>
-          <a:bodyPr wrap="square" rtlCol="0">
-            <a:spAutoFit/>
-          </a:bodyPr>
-          <a:lstStyle/>
-          <a:p>
-            <a:pPr>
-              <a:lnSpc>
-                <a:spcPts val="3600"/>
-              </a:lnSpc>
-            </a:pPr>
-            <a:r>
-              <a:rPr lang="en-IN" sz="2800" dirty="0" err="1">
-                <a:latin typeface="Oxygen" panose="02000503000000090004" pitchFamily="2" charset="77"/>
-                <a:ea typeface="Lato Light" panose="020F0502020204030203" pitchFamily="34" charset="0"/>
-                <a:cs typeface="Arima Madurai Light" pitchFamily="2" charset="77"/>
-              </a:rPr>
-              <a:t>Guass-Seidel</a:t>
-            </a:r>
-            <a:r>
-              <a:rPr lang="en-IN" sz="2800" dirty="0">
-                <a:latin typeface="Oxygen" panose="02000503000000090004" pitchFamily="2" charset="77"/>
-                <a:ea typeface="Lato Light" panose="020F0502020204030203" pitchFamily="34" charset="0"/>
-                <a:cs typeface="Arima Madurai Light" pitchFamily="2" charset="77"/>
-              </a:rPr>
-              <a:t> Method</a:t>
-            </a:r>
-            <a:endParaRPr lang="en-US" sz="2800" dirty="0">
-              <a:latin typeface="Oxygen" panose="02000503000000090004" pitchFamily="2" charset="77"/>
-              <a:ea typeface="Lato Light" panose="020F0502020204030203" pitchFamily="34" charset="0"/>
-              <a:cs typeface="Arima Madurai Light" pitchFamily="2" charset="77"/>
-            </a:endParaRPr>
-          </a:p>
-        </p:txBody>
-      </p:sp>
-      <p:sp>
-        <p:nvSpPr>
-          <p:cNvPr id="63" name="TextBox 62">
-            <a:extLst>
-              <a:ext uri="{FF2B5EF4-FFF2-40B4-BE49-F238E27FC236}">
-                <a16:creationId xmlns:a16="http://schemas.microsoft.com/office/drawing/2014/main" id="{60C170A5-2BCC-1641-AC0F-97230E222901}"/>
-              </a:ext>
-            </a:extLst>
-          </p:cNvPr>
-          <p:cNvSpPr txBox="1"/>
-          <p:nvPr/>
-        </p:nvSpPr>
-        <p:spPr>
-          <a:xfrm>
-            <a:off x="1085347" y="1165607"/>
-            <a:ext cx="9995756" cy="646331"/>
-          </a:xfrm>
-          <a:prstGeom prst="rect">
-            <a:avLst/>
-          </a:prstGeom>
-          <a:noFill/>
-        </p:spPr>
-        <p:txBody>
-          <a:bodyPr wrap="square" rtlCol="0">
-            <a:spAutoFit/>
-          </a:bodyPr>
-          <a:lstStyle/>
-          <a:p>
-            <a:r>
-              <a:rPr lang="en-IN" sz="3600" b="1" u="sng" dirty="0">
-                <a:solidFill>
-                  <a:schemeClr val="accent1"/>
-                </a:solidFill>
-                <a:latin typeface="Oxygen" panose="02000503000000090004" pitchFamily="2" charset="77"/>
-                <a:ea typeface="Nunito Bold" charset="0"/>
-                <a:cs typeface="Mukta SemiBold" panose="020B0000000000000000" pitchFamily="34" charset="77"/>
-              </a:rPr>
-              <a:t>Sub-topics:</a:t>
-            </a:r>
-            <a:endParaRPr lang="en-US" sz="3600" b="1" u="sng" dirty="0">
-              <a:solidFill>
-                <a:schemeClr val="accent1"/>
-              </a:solidFill>
-              <a:latin typeface="Oxygen" panose="02000503000000090004" pitchFamily="2" charset="77"/>
-              <a:ea typeface="Nunito Bold" charset="0"/>
-              <a:cs typeface="Mukta SemiBold" panose="020B0000000000000000" pitchFamily="34" charset="77"/>
-            </a:endParaRPr>
-          </a:p>
-        </p:txBody>
-      </p:sp>
-      <p:sp>
-        <p:nvSpPr>
-          <p:cNvPr id="503" name="Freeform 55">
-            <a:extLst>
-              <a:ext uri="{FF2B5EF4-FFF2-40B4-BE49-F238E27FC236}">
-                <a16:creationId xmlns:a16="http://schemas.microsoft.com/office/drawing/2014/main" id="{D43D1CBA-DECD-CE42-8D16-890A21FA8AC1}"/>
-              </a:ext>
-            </a:extLst>
-          </p:cNvPr>
-          <p:cNvSpPr>
-            <a:spLocks noChangeArrowheads="1"/>
-          </p:cNvSpPr>
-          <p:nvPr/>
-        </p:nvSpPr>
-        <p:spPr bwMode="auto">
-          <a:xfrm rot="11369540">
-            <a:off x="1106875" y="2227507"/>
-            <a:ext cx="283226" cy="284583"/>
-          </a:xfrm>
-          <a:custGeom>
-            <a:avLst/>
-            <a:gdLst>
-              <a:gd name="T0" fmla="*/ 42 w 390"/>
-              <a:gd name="T1" fmla="*/ 271 h 391"/>
-              <a:gd name="T2" fmla="*/ 42 w 390"/>
-              <a:gd name="T3" fmla="*/ 271 h 391"/>
-              <a:gd name="T4" fmla="*/ 270 w 390"/>
-              <a:gd name="T5" fmla="*/ 348 h 391"/>
-              <a:gd name="T6" fmla="*/ 270 w 390"/>
-              <a:gd name="T7" fmla="*/ 348 h 391"/>
-              <a:gd name="T8" fmla="*/ 347 w 390"/>
-              <a:gd name="T9" fmla="*/ 119 h 391"/>
-              <a:gd name="T10" fmla="*/ 347 w 390"/>
-              <a:gd name="T11" fmla="*/ 119 h 391"/>
-              <a:gd name="T12" fmla="*/ 118 w 390"/>
-              <a:gd name="T13" fmla="*/ 42 h 391"/>
-              <a:gd name="T14" fmla="*/ 118 w 390"/>
-              <a:gd name="T15" fmla="*/ 42 h 391"/>
-              <a:gd name="T16" fmla="*/ 42 w 390"/>
-              <a:gd name="T17" fmla="*/ 271 h 391"/>
-            </a:gdLst>
-            <a:ahLst/>
-            <a:cxnLst>
-              <a:cxn ang="0">
-                <a:pos x="T0" y="T1"/>
-              </a:cxn>
-              <a:cxn ang="0">
-                <a:pos x="T2" y="T3"/>
-              </a:cxn>
-              <a:cxn ang="0">
-                <a:pos x="T4" y="T5"/>
-              </a:cxn>
-              <a:cxn ang="0">
-                <a:pos x="T6" y="T7"/>
-              </a:cxn>
-              <a:cxn ang="0">
-                <a:pos x="T8" y="T9"/>
-              </a:cxn>
-              <a:cxn ang="0">
-                <a:pos x="T10" y="T11"/>
-              </a:cxn>
-              <a:cxn ang="0">
-                <a:pos x="T12" y="T13"/>
-              </a:cxn>
-              <a:cxn ang="0">
-                <a:pos x="T14" y="T15"/>
-              </a:cxn>
-              <a:cxn ang="0">
-                <a:pos x="T16" y="T17"/>
-              </a:cxn>
-            </a:cxnLst>
-            <a:rect l="0" t="0" r="r" b="b"/>
-            <a:pathLst>
-              <a:path w="390" h="391">
-                <a:moveTo>
-                  <a:pt x="42" y="271"/>
-                </a:moveTo>
-                <a:lnTo>
-                  <a:pt x="42" y="271"/>
-                </a:lnTo>
-                <a:cubicBezTo>
-                  <a:pt x="84" y="356"/>
-                  <a:pt x="187" y="390"/>
-                  <a:pt x="270" y="348"/>
-                </a:cubicBezTo>
-                <a:lnTo>
-                  <a:pt x="270" y="348"/>
-                </a:lnTo>
-                <a:cubicBezTo>
-                  <a:pt x="355" y="306"/>
-                  <a:pt x="389" y="203"/>
-                  <a:pt x="347" y="119"/>
-                </a:cubicBezTo>
-                <a:lnTo>
-                  <a:pt x="347" y="119"/>
-                </a:lnTo>
-                <a:cubicBezTo>
-                  <a:pt x="305" y="34"/>
-                  <a:pt x="202" y="0"/>
-                  <a:pt x="118" y="42"/>
-                </a:cubicBezTo>
-                <a:lnTo>
-                  <a:pt x="118" y="42"/>
-                </a:lnTo>
-                <a:cubicBezTo>
-                  <a:pt x="34" y="84"/>
-                  <a:pt x="0" y="187"/>
-                  <a:pt x="42" y="271"/>
-                </a:cubicBezTo>
-              </a:path>
-            </a:pathLst>
-          </a:custGeom>
-          <a:solidFill>
-            <a:schemeClr val="accent1"/>
-          </a:solidFill>
-          <a:ln>
-            <a:noFill/>
-          </a:ln>
-          <a:effectLst/>
-        </p:spPr>
-        <p:txBody>
-          <a:bodyPr wrap="none" anchor="ctr"/>
-          <a:lstStyle/>
-          <a:p>
-            <a:endParaRPr lang="es-ES_tradnl" dirty="0"/>
-          </a:p>
-        </p:txBody>
-      </p:sp>
-      <p:sp>
-        <p:nvSpPr>
-          <p:cNvPr id="504" name="Freeform 55">
-            <a:extLst>
-              <a:ext uri="{FF2B5EF4-FFF2-40B4-BE49-F238E27FC236}">
-                <a16:creationId xmlns:a16="http://schemas.microsoft.com/office/drawing/2014/main" id="{FB3FFE4C-97DA-4445-BCFE-F67A3FC32CED}"/>
-              </a:ext>
-            </a:extLst>
-          </p:cNvPr>
-          <p:cNvSpPr>
-            <a:spLocks noChangeArrowheads="1"/>
-          </p:cNvSpPr>
-          <p:nvPr/>
-        </p:nvSpPr>
-        <p:spPr bwMode="auto">
-          <a:xfrm rot="11369540">
-            <a:off x="1106990" y="2827168"/>
-            <a:ext cx="283226" cy="284583"/>
-          </a:xfrm>
-          <a:custGeom>
-            <a:avLst/>
-            <a:gdLst>
-              <a:gd name="T0" fmla="*/ 42 w 390"/>
-              <a:gd name="T1" fmla="*/ 271 h 391"/>
-              <a:gd name="T2" fmla="*/ 42 w 390"/>
-              <a:gd name="T3" fmla="*/ 271 h 391"/>
-              <a:gd name="T4" fmla="*/ 270 w 390"/>
-              <a:gd name="T5" fmla="*/ 348 h 391"/>
-              <a:gd name="T6" fmla="*/ 270 w 390"/>
-              <a:gd name="T7" fmla="*/ 348 h 391"/>
-              <a:gd name="T8" fmla="*/ 347 w 390"/>
-              <a:gd name="T9" fmla="*/ 119 h 391"/>
-              <a:gd name="T10" fmla="*/ 347 w 390"/>
-              <a:gd name="T11" fmla="*/ 119 h 391"/>
-              <a:gd name="T12" fmla="*/ 118 w 390"/>
-              <a:gd name="T13" fmla="*/ 42 h 391"/>
-              <a:gd name="T14" fmla="*/ 118 w 390"/>
-              <a:gd name="T15" fmla="*/ 42 h 391"/>
-              <a:gd name="T16" fmla="*/ 42 w 390"/>
-              <a:gd name="T17" fmla="*/ 271 h 391"/>
-            </a:gdLst>
-            <a:ahLst/>
-            <a:cxnLst>
-              <a:cxn ang="0">
-                <a:pos x="T0" y="T1"/>
-              </a:cxn>
-              <a:cxn ang="0">
-                <a:pos x="T2" y="T3"/>
-              </a:cxn>
-              <a:cxn ang="0">
-                <a:pos x="T4" y="T5"/>
-              </a:cxn>
-              <a:cxn ang="0">
-                <a:pos x="T6" y="T7"/>
-              </a:cxn>
-              <a:cxn ang="0">
-                <a:pos x="T8" y="T9"/>
-              </a:cxn>
-              <a:cxn ang="0">
-                <a:pos x="T10" y="T11"/>
-              </a:cxn>
-              <a:cxn ang="0">
-                <a:pos x="T12" y="T13"/>
-              </a:cxn>
-              <a:cxn ang="0">
-                <a:pos x="T14" y="T15"/>
-              </a:cxn>
-              <a:cxn ang="0">
-                <a:pos x="T16" y="T17"/>
-              </a:cxn>
-            </a:cxnLst>
-            <a:rect l="0" t="0" r="r" b="b"/>
-            <a:pathLst>
-              <a:path w="390" h="391">
-                <a:moveTo>
-                  <a:pt x="42" y="271"/>
-                </a:moveTo>
-                <a:lnTo>
-                  <a:pt x="42" y="271"/>
-                </a:lnTo>
-                <a:cubicBezTo>
-                  <a:pt x="84" y="356"/>
-                  <a:pt x="187" y="390"/>
-                  <a:pt x="270" y="348"/>
-                </a:cubicBezTo>
-                <a:lnTo>
-                  <a:pt x="270" y="348"/>
-                </a:lnTo>
-                <a:cubicBezTo>
-                  <a:pt x="355" y="306"/>
-                  <a:pt x="389" y="203"/>
-                  <a:pt x="347" y="119"/>
-                </a:cubicBezTo>
-                <a:lnTo>
-                  <a:pt x="347" y="119"/>
-                </a:lnTo>
-                <a:cubicBezTo>
-                  <a:pt x="305" y="34"/>
-                  <a:pt x="202" y="0"/>
-                  <a:pt x="118" y="42"/>
-                </a:cubicBezTo>
-                <a:lnTo>
-                  <a:pt x="118" y="42"/>
-                </a:lnTo>
-                <a:cubicBezTo>
-                  <a:pt x="34" y="84"/>
-                  <a:pt x="0" y="187"/>
-                  <a:pt x="42" y="271"/>
-                </a:cubicBezTo>
-              </a:path>
-            </a:pathLst>
-          </a:custGeom>
-          <a:solidFill>
-            <a:schemeClr val="accent2"/>
-          </a:solidFill>
-          <a:ln>
-            <a:noFill/>
-          </a:ln>
-          <a:effectLst/>
-        </p:spPr>
-        <p:txBody>
-          <a:bodyPr wrap="none" anchor="ctr"/>
-          <a:lstStyle/>
-          <a:p>
-            <a:endParaRPr lang="es-ES_tradnl"/>
-          </a:p>
-        </p:txBody>
-      </p:sp>
-      <p:sp>
-        <p:nvSpPr>
-          <p:cNvPr id="505" name="Freeform 55">
-            <a:extLst>
-              <a:ext uri="{FF2B5EF4-FFF2-40B4-BE49-F238E27FC236}">
-                <a16:creationId xmlns:a16="http://schemas.microsoft.com/office/drawing/2014/main" id="{73B0943B-CAAF-2F41-A02D-C051C944994A}"/>
-              </a:ext>
-            </a:extLst>
-          </p:cNvPr>
-          <p:cNvSpPr>
-            <a:spLocks noChangeArrowheads="1"/>
-          </p:cNvSpPr>
-          <p:nvPr/>
-        </p:nvSpPr>
-        <p:spPr bwMode="auto">
-          <a:xfrm rot="11369540">
-            <a:off x="1106990" y="3422116"/>
-            <a:ext cx="283226" cy="284583"/>
-          </a:xfrm>
-          <a:custGeom>
-            <a:avLst/>
-            <a:gdLst>
-              <a:gd name="T0" fmla="*/ 42 w 390"/>
-              <a:gd name="T1" fmla="*/ 271 h 391"/>
-              <a:gd name="T2" fmla="*/ 42 w 390"/>
-              <a:gd name="T3" fmla="*/ 271 h 391"/>
-              <a:gd name="T4" fmla="*/ 270 w 390"/>
-              <a:gd name="T5" fmla="*/ 348 h 391"/>
-              <a:gd name="T6" fmla="*/ 270 w 390"/>
-              <a:gd name="T7" fmla="*/ 348 h 391"/>
-              <a:gd name="T8" fmla="*/ 347 w 390"/>
-              <a:gd name="T9" fmla="*/ 119 h 391"/>
-              <a:gd name="T10" fmla="*/ 347 w 390"/>
-              <a:gd name="T11" fmla="*/ 119 h 391"/>
-              <a:gd name="T12" fmla="*/ 118 w 390"/>
-              <a:gd name="T13" fmla="*/ 42 h 391"/>
-              <a:gd name="T14" fmla="*/ 118 w 390"/>
-              <a:gd name="T15" fmla="*/ 42 h 391"/>
-              <a:gd name="T16" fmla="*/ 42 w 390"/>
-              <a:gd name="T17" fmla="*/ 271 h 391"/>
-            </a:gdLst>
-            <a:ahLst/>
-            <a:cxnLst>
-              <a:cxn ang="0">
-                <a:pos x="T0" y="T1"/>
-              </a:cxn>
-              <a:cxn ang="0">
-                <a:pos x="T2" y="T3"/>
-              </a:cxn>
-              <a:cxn ang="0">
-                <a:pos x="T4" y="T5"/>
-              </a:cxn>
-              <a:cxn ang="0">
-                <a:pos x="T6" y="T7"/>
-              </a:cxn>
-              <a:cxn ang="0">
-                <a:pos x="T8" y="T9"/>
-              </a:cxn>
-              <a:cxn ang="0">
-                <a:pos x="T10" y="T11"/>
-              </a:cxn>
-              <a:cxn ang="0">
-                <a:pos x="T12" y="T13"/>
-              </a:cxn>
-              <a:cxn ang="0">
-                <a:pos x="T14" y="T15"/>
-              </a:cxn>
-              <a:cxn ang="0">
-                <a:pos x="T16" y="T17"/>
-              </a:cxn>
-            </a:cxnLst>
-            <a:rect l="0" t="0" r="r" b="b"/>
-            <a:pathLst>
-              <a:path w="390" h="391">
-                <a:moveTo>
-                  <a:pt x="42" y="271"/>
-                </a:moveTo>
-                <a:lnTo>
-                  <a:pt x="42" y="271"/>
-                </a:lnTo>
-                <a:cubicBezTo>
-                  <a:pt x="84" y="356"/>
-                  <a:pt x="187" y="390"/>
-                  <a:pt x="270" y="348"/>
-                </a:cubicBezTo>
-                <a:lnTo>
-                  <a:pt x="270" y="348"/>
-                </a:lnTo>
-                <a:cubicBezTo>
-                  <a:pt x="355" y="306"/>
-                  <a:pt x="389" y="203"/>
-                  <a:pt x="347" y="119"/>
-                </a:cubicBezTo>
-                <a:lnTo>
-                  <a:pt x="347" y="119"/>
-                </a:lnTo>
-                <a:cubicBezTo>
-                  <a:pt x="305" y="34"/>
-                  <a:pt x="202" y="0"/>
-                  <a:pt x="118" y="42"/>
-                </a:cubicBezTo>
-                <a:lnTo>
-                  <a:pt x="118" y="42"/>
-                </a:lnTo>
-                <a:cubicBezTo>
-                  <a:pt x="34" y="84"/>
-                  <a:pt x="0" y="187"/>
-                  <a:pt x="42" y="271"/>
-                </a:cubicBezTo>
-              </a:path>
-            </a:pathLst>
-          </a:custGeom>
-          <a:solidFill>
-            <a:schemeClr val="accent3"/>
-          </a:solidFill>
-          <a:ln>
-            <a:noFill/>
-          </a:ln>
-          <a:effectLst/>
-        </p:spPr>
-        <p:txBody>
-          <a:bodyPr wrap="none" anchor="ctr"/>
-          <a:lstStyle/>
-          <a:p>
-            <a:endParaRPr lang="es-ES_tradnl"/>
-          </a:p>
-        </p:txBody>
-      </p:sp>
-      <p:sp>
-        <p:nvSpPr>
-          <p:cNvPr id="11" name="Oval 10">
-            <a:extLst>
-              <a:ext uri="{FF2B5EF4-FFF2-40B4-BE49-F238E27FC236}">
-                <a16:creationId xmlns:a16="http://schemas.microsoft.com/office/drawing/2014/main" id="{1152D7C3-FA5C-CD86-96E8-63A20F85E0D5}"/>
-              </a:ext>
-            </a:extLst>
-          </p:cNvPr>
-          <p:cNvSpPr/>
-          <p:nvPr/>
-        </p:nvSpPr>
-        <p:spPr>
-          <a:xfrm>
-            <a:off x="1143000" y="3969935"/>
-            <a:ext cx="268629" cy="275217"/>
-          </a:xfrm>
-          <a:prstGeom prst="ellipse">
-            <a:avLst/>
-          </a:prstGeom>
-          <a:solidFill>
-            <a:schemeClr val="accent4">
-              <a:lumMod val="75000"/>
-            </a:schemeClr>
-          </a:solidFill>
-          <a:ln>
-            <a:solidFill>
-              <a:schemeClr val="accent4">
-                <a:lumMod val="75000"/>
-              </a:schemeClr>
-            </a:solidFill>
-          </a:ln>
-        </p:spPr>
-        <p:style>
-          <a:lnRef idx="2">
-            <a:schemeClr val="accent1">
-              <a:shade val="50000"/>
-            </a:schemeClr>
-          </a:lnRef>
-          <a:fillRef idx="1">
-            <a:schemeClr val="accent1"/>
-          </a:fillRef>
-          <a:effectRef idx="0">
-            <a:schemeClr val="accent1"/>
-          </a:effectRef>
-          <a:fontRef idx="minor">
-            <a:schemeClr val="lt1"/>
-          </a:fontRef>
-        </p:style>
-        <p:txBody>
-          <a:bodyPr rtlCol="0" anchor="ctr"/>
-          <a:lstStyle/>
-          <a:p>
-            <a:pPr algn="ctr"/>
-            <a:endParaRPr lang="en-US"/>
-          </a:p>
-        </p:txBody>
-      </p:sp>
-      <p:sp>
-        <p:nvSpPr>
-          <p:cNvPr id="12" name="TextBox 11">
-            <a:extLst>
-              <a:ext uri="{FF2B5EF4-FFF2-40B4-BE49-F238E27FC236}">
-                <a16:creationId xmlns:a16="http://schemas.microsoft.com/office/drawing/2014/main" id="{53F621FB-CDB0-A0C2-C1B0-57B7338E9BFE}"/>
-              </a:ext>
-            </a:extLst>
-          </p:cNvPr>
-          <p:cNvSpPr txBox="1"/>
-          <p:nvPr/>
-        </p:nvSpPr>
-        <p:spPr>
-          <a:xfrm>
-            <a:off x="1438670" y="3834272"/>
-            <a:ext cx="7361157" cy="523220"/>
-          </a:xfrm>
-          <a:prstGeom prst="rect">
-            <a:avLst/>
-          </a:prstGeom>
-          <a:noFill/>
-        </p:spPr>
-        <p:txBody>
-          <a:bodyPr wrap="square" rtlCol="0">
-            <a:spAutoFit/>
-          </a:bodyPr>
-          <a:lstStyle/>
-          <a:p>
-            <a:pPr algn="l"/>
-            <a:r>
-              <a:rPr lang="en-IN" sz="2800" dirty="0">
-                <a:latin typeface="Oxygen" panose="02000503000000000000" pitchFamily="2" charset="77"/>
-              </a:rPr>
-              <a:t>Inverse of matrix using </a:t>
-            </a:r>
-            <a:r>
-              <a:rPr lang="en-IN" sz="2800" dirty="0" err="1">
-                <a:latin typeface="Oxygen" panose="02000503000000000000" pitchFamily="2" charset="77"/>
-              </a:rPr>
-              <a:t>Guass</a:t>
-            </a:r>
-            <a:r>
-              <a:rPr lang="en-IN" sz="2800" dirty="0">
-                <a:latin typeface="Oxygen" panose="02000503000000000000" pitchFamily="2" charset="77"/>
-              </a:rPr>
-              <a:t> Elimination </a:t>
-            </a:r>
-            <a:endParaRPr lang="en-US" sz="2800" dirty="0">
-              <a:latin typeface="Oxygen" panose="02000503000000000000" pitchFamily="2" charset="77"/>
-            </a:endParaRPr>
-          </a:p>
-        </p:txBody>
-      </p:sp>
-    </p:spTree>
-    <p:extLst>
-      <p:ext uri="{BB962C8B-B14F-4D97-AF65-F5344CB8AC3E}">
-        <p14:creationId xmlns:p14="http://schemas.microsoft.com/office/powerpoint/2010/main" val="1201655497"/>
-      </p:ext>
-    </p:extLst>
-  </p:cSld>
-  <p:clrMapOvr>
-    <a:masterClrMapping/>
-  </p:clrMapOvr>
-  <p:transition spd="med"/>
-  <p:timing>
-    <p:tnLst>
-      <p:par>
-        <p:cTn id="1" dur="indefinite" restart="never" nodeType="tmRoot">
-          <p:childTnLst>
-            <p:seq concurrent="1" nextAc="seek">
-              <p:cTn id="2" dur="0" nodeType="mainSeq"/>
-              <p:prevCondLst>
-                <p:cond evt="onPrev" delay="0">
-                  <p:tgtEl>
-                    <p:sldTgt/>
-                  </p:tgtEl>
-                </p:cond>
-              </p:prevCondLst>
-              <p:nextCondLst>
-                <p:cond evt="onNext" delay="0">
-                  <p:tgtEl>
-                    <p:sldTgt/>
-                  </p:tgtEl>
-                </p:cond>
-              </p:nextCondLst>
-            </p:seq>
-          </p:childTnLst>
-        </p:cTn>
-      </p:par>
-    </p:tnLst>
-  </p:timing>
-</p:sld>
-</file>
-
-<file path=ppt/slides/slide3.xml><?xml version="1.0" encoding="utf-8"?>
-<p:sld xmlns:a="http://schemas.openxmlformats.org/drawingml/2006/main" xmlns:r="http://schemas.openxmlformats.org/officeDocument/2006/relationships" xmlns:p="http://schemas.openxmlformats.org/presentationml/2006/main">
-  <p:cSld>
-    <p:spTree>
-      <p:nvGrpSpPr>
-        <p:cNvPr id="1" name=""/>
-        <p:cNvGrpSpPr/>
-        <p:nvPr/>
-      </p:nvGrpSpPr>
-      <p:grpSpPr>
-        <a:xfrm>
-          <a:off x="0" y="0"/>
-          <a:ext cx="0" cy="0"/>
-          <a:chOff x="0" y="0"/>
-          <a:chExt cx="0" cy="0"/>
-        </a:xfrm>
-      </p:grpSpPr>
-      <p:sp>
-        <p:nvSpPr>
-          <p:cNvPr id="36" name="TextBox 35"/>
-          <p:cNvSpPr txBox="1"/>
-          <p:nvPr/>
-        </p:nvSpPr>
-        <p:spPr>
-          <a:xfrm>
-            <a:off x="1355753" y="1861761"/>
-            <a:ext cx="4411911" cy="2913618"/>
-          </a:xfrm>
-          <a:prstGeom prst="rect">
-            <a:avLst/>
-          </a:prstGeom>
-          <a:noFill/>
-        </p:spPr>
-        <p:txBody>
-          <a:bodyPr wrap="square" rtlCol="0">
-            <a:spAutoFit/>
-          </a:bodyPr>
-          <a:lstStyle/>
-          <a:p>
-            <a:pPr algn="ctr">
-              <a:lnSpc>
-                <a:spcPts val="5500"/>
-              </a:lnSpc>
-            </a:pPr>
-            <a:r>
-              <a:rPr lang="en-IN" sz="5400" b="1" dirty="0">
-                <a:solidFill>
-                  <a:schemeClr val="accent1"/>
-                </a:solidFill>
-                <a:latin typeface="Oxygen" panose="02000503000000090004" pitchFamily="2" charset="77"/>
-                <a:cs typeface="Arima Madurai Semi" pitchFamily="2" charset="77"/>
-              </a:rPr>
-              <a:t>What are these methods used for??!</a:t>
-            </a:r>
-            <a:endParaRPr lang="en-US" sz="5400" b="1" dirty="0">
-              <a:solidFill>
-                <a:schemeClr val="accent1"/>
-              </a:solidFill>
-              <a:latin typeface="Oxygen" panose="02000503000000090004" pitchFamily="2" charset="77"/>
-              <a:cs typeface="Arima Madurai Semi" pitchFamily="2" charset="77"/>
-            </a:endParaRPr>
-          </a:p>
-        </p:txBody>
-      </p:sp>
-      <p:pic>
-        <p:nvPicPr>
-          <p:cNvPr id="2" name="Picture 2">
-            <a:extLst>
-              <a:ext uri="{FF2B5EF4-FFF2-40B4-BE49-F238E27FC236}">
-                <a16:creationId xmlns:a16="http://schemas.microsoft.com/office/drawing/2014/main" id="{46F8249C-DE21-DFC0-53A5-C2D740A2706D}"/>
-              </a:ext>
-            </a:extLst>
-          </p:cNvPr>
-          <p:cNvPicPr>
-            <a:picLocks noGrp="1" noChangeAspect="1"/>
-          </p:cNvPicPr>
-          <p:nvPr>
-            <p:ph type="pic" sz="quarter" idx="14"/>
-          </p:nvPr>
-        </p:nvPicPr>
-        <p:blipFill rotWithShape="1">
-          <a:blip r:embed="rId3"/>
-          <a:srcRect l="16731" r="16731"/>
-          <a:stretch/>
-        </p:blipFill>
-        <p:spPr>
-          <a:xfrm>
-            <a:off x="6480247" y="1140022"/>
-            <a:ext cx="4356000" cy="4357096"/>
-          </a:xfrm>
-        </p:spPr>
-      </p:pic>
-    </p:spTree>
-    <p:extLst>
-      <p:ext uri="{BB962C8B-B14F-4D97-AF65-F5344CB8AC3E}">
-        <p14:creationId xmlns:p14="http://schemas.microsoft.com/office/powerpoint/2010/main" val="3228114635"/>
-      </p:ext>
-    </p:extLst>
-  </p:cSld>
-  <p:clrMapOvr>
-    <a:masterClrMapping/>
-  </p:clrMapOvr>
-  <p:transition spd="med"/>
-  <p:timing>
-    <p:tnLst>
-      <p:par>
-        <p:cTn id="1" dur="indefinite" restart="never" nodeType="tmRoot">
-          <p:childTnLst>
-            <p:seq concurrent="1" nextAc="seek">
-              <p:cTn id="2" dur="indefinite" nodeType="mainSeq"/>
-              <p:prevCondLst>
-                <p:cond evt="onPrev" delay="0">
-                  <p:tgtEl>
-                    <p:sldTgt/>
-                  </p:tgtEl>
-                </p:cond>
-              </p:prevCondLst>
-              <p:nextCondLst>
-                <p:cond evt="onNext" delay="0">
-                  <p:tgtEl>
-                    <p:sldTgt/>
-                  </p:tgtEl>
-                </p:cond>
-              </p:nextCondLst>
-            </p:seq>
-          </p:childTnLst>
-        </p:cTn>
-      </p:par>
-    </p:tnLst>
-  </p:timing>
-</p:sld>
-</file>
-
-<file path=ppt/slides/slide4.xml><?xml version="1.0" encoding="utf-8"?>
-<p:sld xmlns:a="http://schemas.openxmlformats.org/drawingml/2006/main" xmlns:r="http://schemas.openxmlformats.org/officeDocument/2006/relationships" xmlns:p="http://schemas.openxmlformats.org/presentationml/2006/main">
-  <p:cSld>
-    <p:spTree>
-      <p:nvGrpSpPr>
-        <p:cNvPr id="1" name=""/>
-        <p:cNvGrpSpPr/>
-        <p:nvPr/>
-      </p:nvGrpSpPr>
-      <p:grpSpPr>
-        <a:xfrm>
-          <a:off x="0" y="0"/>
-          <a:ext cx="0" cy="0"/>
-          <a:chOff x="0" y="0"/>
-          <a:chExt cx="0" cy="0"/>
-        </a:xfrm>
-      </p:grpSpPr>
-      <p:sp>
-        <p:nvSpPr>
-          <p:cNvPr id="10" name="TextBox 9">
-            <a:extLst>
-              <a:ext uri="{FF2B5EF4-FFF2-40B4-BE49-F238E27FC236}">
-                <a16:creationId xmlns:a16="http://schemas.microsoft.com/office/drawing/2014/main" id="{A0BAABA6-BF9A-1B4B-B530-AF17FCF8C6EB}"/>
-              </a:ext>
-            </a:extLst>
-          </p:cNvPr>
-          <p:cNvSpPr txBox="1"/>
-          <p:nvPr/>
-        </p:nvSpPr>
-        <p:spPr>
-          <a:xfrm>
-            <a:off x="7194645" y="2985210"/>
-            <a:ext cx="4297518" cy="2373470"/>
-          </a:xfrm>
-          <a:prstGeom prst="rect">
-            <a:avLst/>
-          </a:prstGeom>
-          <a:noFill/>
-        </p:spPr>
-        <p:txBody>
-          <a:bodyPr wrap="square" rtlCol="0">
-            <a:spAutoFit/>
-          </a:bodyPr>
-          <a:lstStyle/>
-          <a:p>
-            <a:pPr>
-              <a:lnSpc>
-                <a:spcPts val="3000"/>
-              </a:lnSpc>
-            </a:pPr>
-            <a:r>
-              <a:rPr lang="en-IN" sz="2400" i="0" dirty="0">
-                <a:effectLst/>
-                <a:latin typeface="Oxygen" panose="02000503000000000000" pitchFamily="2" charset="77"/>
-              </a:rPr>
-              <a:t>The Gauss–Seidel method is an iterative technique for solving a square system of n linear equations with unknown x.</a:t>
-            </a:r>
-            <a:endParaRPr lang="en-IN" sz="2400" dirty="0">
-              <a:effectLst/>
-              <a:latin typeface="Oxygen" panose="02000503000000000000" pitchFamily="2" charset="77"/>
-            </a:endParaRPr>
-          </a:p>
-          <a:p>
-            <a:pPr>
-              <a:lnSpc>
-                <a:spcPts val="3000"/>
-              </a:lnSpc>
-            </a:pPr>
-            <a:endParaRPr lang="en-US" sz="2400" dirty="0">
-              <a:latin typeface="Oxygen" panose="02000503000000000000" pitchFamily="2" charset="77"/>
-              <a:ea typeface="Lato Light" panose="020F0502020204030203" pitchFamily="34" charset="0"/>
-              <a:cs typeface="Arima Madurai Light" pitchFamily="2" charset="77"/>
-            </a:endParaRPr>
-          </a:p>
-        </p:txBody>
-      </p:sp>
-      <p:sp>
-        <p:nvSpPr>
-          <p:cNvPr id="11" name="TextBox 10">
-            <a:extLst>
-              <a:ext uri="{FF2B5EF4-FFF2-40B4-BE49-F238E27FC236}">
-                <a16:creationId xmlns:a16="http://schemas.microsoft.com/office/drawing/2014/main" id="{9C51D219-F231-0840-A649-C51C207FAF1B}"/>
-              </a:ext>
-            </a:extLst>
-          </p:cNvPr>
-          <p:cNvSpPr txBox="1"/>
-          <p:nvPr/>
-        </p:nvSpPr>
-        <p:spPr>
-          <a:xfrm>
-            <a:off x="7194645" y="2257303"/>
-            <a:ext cx="3998210" cy="523220"/>
-          </a:xfrm>
-          <a:prstGeom prst="rect">
-            <a:avLst/>
-          </a:prstGeom>
-          <a:noFill/>
-        </p:spPr>
-        <p:txBody>
-          <a:bodyPr wrap="none" rtlCol="0">
-            <a:spAutoFit/>
-          </a:bodyPr>
-          <a:lstStyle/>
-          <a:p>
-            <a:r>
-              <a:rPr lang="en-IN" sz="2800" dirty="0">
-                <a:solidFill>
-                  <a:schemeClr val="accent1"/>
-                </a:solidFill>
-                <a:latin typeface="Oxygen" panose="02000503000000090004" pitchFamily="2" charset="77"/>
-                <a:ea typeface="Nunito Bold" charset="0"/>
-                <a:cs typeface="Arima Madurai Medium" pitchFamily="2" charset="77"/>
-              </a:rPr>
-              <a:t>2. </a:t>
-            </a:r>
-            <a:r>
-              <a:rPr lang="en-IN" sz="2800" dirty="0" err="1">
-                <a:solidFill>
-                  <a:schemeClr val="accent1"/>
-                </a:solidFill>
-                <a:latin typeface="Oxygen" panose="02000503000000090004" pitchFamily="2" charset="77"/>
-                <a:ea typeface="Nunito Bold" charset="0"/>
-                <a:cs typeface="Arima Madurai Medium" pitchFamily="2" charset="77"/>
-              </a:rPr>
-              <a:t>Guass-Seidel</a:t>
-            </a:r>
-            <a:r>
-              <a:rPr lang="en-IN" sz="2800" dirty="0">
-                <a:solidFill>
-                  <a:schemeClr val="accent1"/>
-                </a:solidFill>
-                <a:latin typeface="Oxygen" panose="02000503000000090004" pitchFamily="2" charset="77"/>
-                <a:ea typeface="Nunito Bold" charset="0"/>
-                <a:cs typeface="Arima Madurai Medium" pitchFamily="2" charset="77"/>
-              </a:rPr>
-              <a:t> Method</a:t>
-            </a:r>
-            <a:endParaRPr lang="en-US" sz="2800" dirty="0">
-              <a:solidFill>
-                <a:schemeClr val="accent1"/>
-              </a:solidFill>
-              <a:latin typeface="Oxygen" panose="02000503000000090004" pitchFamily="2" charset="77"/>
-              <a:ea typeface="Nunito Bold" charset="0"/>
-              <a:cs typeface="Arima Madurai Medium" pitchFamily="2" charset="77"/>
-            </a:endParaRPr>
-          </a:p>
-        </p:txBody>
-      </p:sp>
-      <p:sp>
-        <p:nvSpPr>
-          <p:cNvPr id="12" name="TextBox 11">
-            <a:extLst>
-              <a:ext uri="{FF2B5EF4-FFF2-40B4-BE49-F238E27FC236}">
-                <a16:creationId xmlns:a16="http://schemas.microsoft.com/office/drawing/2014/main" id="{85466362-2756-9741-8C0C-026417C1D137}"/>
-              </a:ext>
-            </a:extLst>
-          </p:cNvPr>
-          <p:cNvSpPr txBox="1"/>
-          <p:nvPr/>
-        </p:nvSpPr>
-        <p:spPr>
-          <a:xfrm>
-            <a:off x="2700589" y="1153025"/>
-            <a:ext cx="6406648" cy="707886"/>
-          </a:xfrm>
-          <a:prstGeom prst="rect">
-            <a:avLst/>
-          </a:prstGeom>
-          <a:noFill/>
-        </p:spPr>
-        <p:txBody>
-          <a:bodyPr wrap="square" rtlCol="0">
-            <a:spAutoFit/>
-          </a:bodyPr>
-          <a:lstStyle/>
-          <a:p>
-            <a:r>
-              <a:rPr lang="en-IN" sz="4000" b="1" dirty="0">
-                <a:solidFill>
-                  <a:schemeClr val="accent1"/>
-                </a:solidFill>
-                <a:latin typeface="Oxygen" panose="02000503000000090004" pitchFamily="2" charset="77"/>
-                <a:ea typeface="Nunito Bold" charset="0"/>
-                <a:cs typeface="Arima Madurai Semi" pitchFamily="2" charset="77"/>
-              </a:rPr>
-              <a:t>What are they used for??!</a:t>
-            </a:r>
-          </a:p>
-        </p:txBody>
-      </p:sp>
-      <p:sp>
-        <p:nvSpPr>
-          <p:cNvPr id="13" name="TextBox 12">
-            <a:extLst>
-              <a:ext uri="{FF2B5EF4-FFF2-40B4-BE49-F238E27FC236}">
-                <a16:creationId xmlns:a16="http://schemas.microsoft.com/office/drawing/2014/main" id="{592DB263-5130-7149-84E4-6ACC76E4A8AF}"/>
-              </a:ext>
-            </a:extLst>
-          </p:cNvPr>
-          <p:cNvSpPr txBox="1"/>
-          <p:nvPr/>
-        </p:nvSpPr>
-        <p:spPr>
-          <a:xfrm>
-            <a:off x="924815" y="2985210"/>
-            <a:ext cx="4687949" cy="3527632"/>
-          </a:xfrm>
-          <a:prstGeom prst="rect">
-            <a:avLst/>
-          </a:prstGeom>
-          <a:noFill/>
-        </p:spPr>
-        <p:txBody>
-          <a:bodyPr wrap="square" rtlCol="0">
-            <a:spAutoFit/>
-          </a:bodyPr>
-          <a:lstStyle/>
-          <a:p>
-            <a:pPr>
-              <a:lnSpc>
-                <a:spcPts val="3000"/>
-              </a:lnSpc>
-            </a:pPr>
-            <a:r>
-              <a:rPr lang="en-IN" sz="2400" dirty="0">
-                <a:latin typeface="Oxygen" panose="02000503000000000000" pitchFamily="2" charset="77"/>
-              </a:rPr>
-              <a:t>The</a:t>
-            </a:r>
-            <a:r>
-              <a:rPr lang="en-IN" sz="2400" i="0" dirty="0">
-                <a:effectLst/>
-                <a:latin typeface="Oxygen" panose="02000503000000000000" pitchFamily="2" charset="77"/>
-              </a:rPr>
-              <a:t> Gaussian elimination method is known as the row reduction algorithm for solving linear equations systems. It consists of a sequence of operations performed on the corresponding matrix of coefficients.</a:t>
-            </a:r>
-            <a:endParaRPr lang="en-IN" sz="2400" dirty="0">
-              <a:effectLst/>
-              <a:latin typeface="Oxygen" panose="02000503000000000000" pitchFamily="2" charset="77"/>
-            </a:endParaRPr>
-          </a:p>
-          <a:p>
-            <a:pPr>
-              <a:lnSpc>
-                <a:spcPts val="3000"/>
-              </a:lnSpc>
-            </a:pPr>
-            <a:endParaRPr lang="en-IN" sz="2400" dirty="0">
-              <a:effectLst/>
-              <a:latin typeface="Oxygen" panose="02000503000000000000" pitchFamily="2" charset="77"/>
-            </a:endParaRPr>
-          </a:p>
-        </p:txBody>
-      </p:sp>
-      <p:sp>
-        <p:nvSpPr>
-          <p:cNvPr id="14" name="TextBox 13">
-            <a:extLst>
-              <a:ext uri="{FF2B5EF4-FFF2-40B4-BE49-F238E27FC236}">
-                <a16:creationId xmlns:a16="http://schemas.microsoft.com/office/drawing/2014/main" id="{B7533A35-5398-2040-A707-D97117D75873}"/>
-              </a:ext>
-            </a:extLst>
-          </p:cNvPr>
-          <p:cNvSpPr txBox="1"/>
-          <p:nvPr/>
-        </p:nvSpPr>
-        <p:spPr>
-          <a:xfrm>
-            <a:off x="924815" y="2226070"/>
-            <a:ext cx="4703532" cy="523220"/>
-          </a:xfrm>
-          <a:prstGeom prst="rect">
-            <a:avLst/>
-          </a:prstGeom>
-          <a:noFill/>
-        </p:spPr>
-        <p:txBody>
-          <a:bodyPr wrap="none" rtlCol="0">
-            <a:spAutoFit/>
-          </a:bodyPr>
-          <a:lstStyle/>
-          <a:p>
-            <a:r>
-              <a:rPr lang="en-IN" sz="2800" dirty="0">
-                <a:solidFill>
-                  <a:schemeClr val="accent1"/>
-                </a:solidFill>
-                <a:latin typeface="Oxygen" panose="02000503000000090004" pitchFamily="2" charset="77"/>
-                <a:ea typeface="Nunito Bold" charset="0"/>
-                <a:cs typeface="Arima Madurai Medium" pitchFamily="2" charset="77"/>
-              </a:rPr>
-              <a:t>1. </a:t>
-            </a:r>
-            <a:r>
-              <a:rPr lang="en-IN" sz="2800" dirty="0" err="1">
-                <a:solidFill>
-                  <a:schemeClr val="accent1"/>
-                </a:solidFill>
-                <a:latin typeface="Oxygen" panose="02000503000000090004" pitchFamily="2" charset="77"/>
-                <a:ea typeface="Nunito Bold" charset="0"/>
-                <a:cs typeface="Arima Madurai Medium" pitchFamily="2" charset="77"/>
-              </a:rPr>
-              <a:t>Guass</a:t>
-            </a:r>
-            <a:r>
-              <a:rPr lang="en-IN" sz="2800" dirty="0">
-                <a:solidFill>
-                  <a:schemeClr val="accent1"/>
-                </a:solidFill>
-                <a:latin typeface="Oxygen" panose="02000503000000090004" pitchFamily="2" charset="77"/>
-                <a:ea typeface="Nunito Bold" charset="0"/>
-                <a:cs typeface="Arima Madurai Medium" pitchFamily="2" charset="77"/>
-              </a:rPr>
-              <a:t> Elimination Method</a:t>
-            </a:r>
-            <a:endParaRPr lang="en-US" sz="2800" dirty="0">
-              <a:solidFill>
-                <a:schemeClr val="accent1"/>
-              </a:solidFill>
-              <a:latin typeface="Oxygen" panose="02000503000000090004" pitchFamily="2" charset="77"/>
-              <a:ea typeface="Nunito Bold" charset="0"/>
-              <a:cs typeface="Arima Madurai Medium" pitchFamily="2" charset="77"/>
-            </a:endParaRPr>
-          </a:p>
-        </p:txBody>
-      </p:sp>
-    </p:spTree>
-    <p:extLst>
-      <p:ext uri="{BB962C8B-B14F-4D97-AF65-F5344CB8AC3E}">
-        <p14:creationId xmlns:p14="http://schemas.microsoft.com/office/powerpoint/2010/main" val="1426339121"/>
-      </p:ext>
-    </p:extLst>
-  </p:cSld>
-  <p:clrMapOvr>
-    <a:masterClrMapping/>
-  </p:clrMapOvr>
-  <p:transition spd="med"/>
-  <p:timing>
-    <p:tnLst>
-      <p:par>
-        <p:cTn id="1" dur="indefinite" restart="never" nodeType="tmRoot">
-          <p:childTnLst>
-            <p:seq concurrent="1" nextAc="seek">
-              <p:cTn id="2" dur="indefinite" nodeType="mainSeq"/>
-              <p:prevCondLst>
-                <p:cond evt="onPrev" delay="0">
-                  <p:tgtEl>
-                    <p:sldTgt/>
-                  </p:tgtEl>
-                </p:cond>
-              </p:prevCondLst>
-              <p:nextCondLst>
-                <p:cond evt="onNext" delay="0">
-                  <p:tgtEl>
-                    <p:sldTgt/>
-                  </p:tgtEl>
-                </p:cond>
-              </p:nextCondLst>
-            </p:seq>
-          </p:childTnLst>
-        </p:cTn>
-      </p:par>
-    </p:tnLst>
-  </p:timing>
-</p:sld>
-</file>
-
-<file path=ppt/slides/slide5.xml><?xml version="1.0" encoding="utf-8"?>
-<p:sld xmlns:a="http://schemas.openxmlformats.org/drawingml/2006/main" xmlns:r="http://schemas.openxmlformats.org/officeDocument/2006/relationships" xmlns:p="http://schemas.openxmlformats.org/presentationml/2006/main">
-  <p:cSld>
-    <p:spTree>
-      <p:nvGrpSpPr>
-        <p:cNvPr id="1" name=""/>
-        <p:cNvGrpSpPr/>
-        <p:nvPr/>
-      </p:nvGrpSpPr>
-      <p:grpSpPr>
-        <a:xfrm>
-          <a:off x="0" y="0"/>
-          <a:ext cx="0" cy="0"/>
-          <a:chOff x="0" y="0"/>
-          <a:chExt cx="0" cy="0"/>
-        </a:xfrm>
-      </p:grpSpPr>
-      <p:sp>
-        <p:nvSpPr>
-          <p:cNvPr id="10" name="TextBox 9">
-            <a:extLst>
-              <a:ext uri="{FF2B5EF4-FFF2-40B4-BE49-F238E27FC236}">
-                <a16:creationId xmlns:a16="http://schemas.microsoft.com/office/drawing/2014/main" id="{A0BAABA6-BF9A-1B4B-B530-AF17FCF8C6EB}"/>
-              </a:ext>
-            </a:extLst>
-          </p:cNvPr>
-          <p:cNvSpPr txBox="1"/>
-          <p:nvPr/>
-        </p:nvSpPr>
-        <p:spPr>
-          <a:xfrm>
-            <a:off x="7026872" y="3429000"/>
-            <a:ext cx="4297518" cy="1988750"/>
-          </a:xfrm>
-          <a:prstGeom prst="rect">
-            <a:avLst/>
-          </a:prstGeom>
-          <a:noFill/>
-        </p:spPr>
-        <p:txBody>
-          <a:bodyPr wrap="square" rtlCol="0">
-            <a:spAutoFit/>
-          </a:bodyPr>
-          <a:lstStyle/>
-          <a:p>
-            <a:pPr>
-              <a:lnSpc>
-                <a:spcPts val="3000"/>
-              </a:lnSpc>
-            </a:pPr>
-            <a:r>
-              <a:rPr lang="en-IN" sz="2400" i="0" dirty="0">
-                <a:effectLst/>
-                <a:latin typeface="Oxygen" panose="02000503000000000000" pitchFamily="2" charset="77"/>
-              </a:rPr>
-              <a:t>The Gaussian elimination method can be used for finding the inverse of a matrix, if it exists.</a:t>
-            </a:r>
-            <a:endParaRPr lang="en-IN" sz="2400" dirty="0">
-              <a:effectLst/>
-              <a:latin typeface="Oxygen" panose="02000503000000000000" pitchFamily="2" charset="77"/>
-            </a:endParaRPr>
-          </a:p>
-          <a:p>
-            <a:pPr>
-              <a:lnSpc>
-                <a:spcPts val="3000"/>
-              </a:lnSpc>
-            </a:pPr>
-            <a:endParaRPr lang="en-IN" sz="2400" dirty="0">
-              <a:effectLst/>
-              <a:latin typeface="Oxygen" panose="02000503000000000000" pitchFamily="2" charset="77"/>
-            </a:endParaRPr>
-          </a:p>
-        </p:txBody>
-      </p:sp>
-      <p:sp>
-        <p:nvSpPr>
-          <p:cNvPr id="11" name="TextBox 10">
-            <a:extLst>
-              <a:ext uri="{FF2B5EF4-FFF2-40B4-BE49-F238E27FC236}">
-                <a16:creationId xmlns:a16="http://schemas.microsoft.com/office/drawing/2014/main" id="{9C51D219-F231-0840-A649-C51C207FAF1B}"/>
-              </a:ext>
-            </a:extLst>
-          </p:cNvPr>
-          <p:cNvSpPr txBox="1"/>
-          <p:nvPr/>
-        </p:nvSpPr>
-        <p:spPr>
-          <a:xfrm>
-            <a:off x="7026872" y="2333137"/>
-            <a:ext cx="4586944" cy="954107"/>
-          </a:xfrm>
-          <a:prstGeom prst="rect">
-            <a:avLst/>
-          </a:prstGeom>
-          <a:noFill/>
-        </p:spPr>
-        <p:txBody>
-          <a:bodyPr wrap="square" rtlCol="0">
-            <a:spAutoFit/>
-          </a:bodyPr>
-          <a:lstStyle/>
-          <a:p>
-            <a:r>
-              <a:rPr lang="en-IN" sz="2800" dirty="0">
-                <a:solidFill>
-                  <a:schemeClr val="accent1"/>
-                </a:solidFill>
-                <a:latin typeface="Oxygen" panose="02000503000000090004" pitchFamily="2" charset="77"/>
-                <a:ea typeface="Nunito Bold" charset="0"/>
-                <a:cs typeface="Arima Madurai Medium" pitchFamily="2" charset="77"/>
-              </a:rPr>
-              <a:t>4. Inverse of matrix using </a:t>
-            </a:r>
-            <a:r>
-              <a:rPr lang="en-IN" sz="2800" dirty="0" err="1">
-                <a:solidFill>
-                  <a:schemeClr val="accent1"/>
-                </a:solidFill>
-                <a:latin typeface="Oxygen" panose="02000503000000090004" pitchFamily="2" charset="77"/>
-                <a:ea typeface="Nunito Bold" charset="0"/>
-                <a:cs typeface="Arima Madurai Medium" pitchFamily="2" charset="77"/>
-              </a:rPr>
-              <a:t>Guass</a:t>
-            </a:r>
-            <a:r>
-              <a:rPr lang="en-IN" sz="2800" dirty="0">
-                <a:solidFill>
-                  <a:schemeClr val="accent1"/>
-                </a:solidFill>
-                <a:latin typeface="Oxygen" panose="02000503000000090004" pitchFamily="2" charset="77"/>
-                <a:ea typeface="Nunito Bold" charset="0"/>
-                <a:cs typeface="Arima Madurai Medium" pitchFamily="2" charset="77"/>
-              </a:rPr>
-              <a:t> Elimination </a:t>
-            </a:r>
-            <a:endParaRPr lang="en-US" sz="2800" dirty="0">
-              <a:solidFill>
-                <a:schemeClr val="accent1"/>
-              </a:solidFill>
-              <a:latin typeface="Oxygen" panose="02000503000000090004" pitchFamily="2" charset="77"/>
-              <a:ea typeface="Nunito Bold" charset="0"/>
-              <a:cs typeface="Arima Madurai Medium" pitchFamily="2" charset="77"/>
-            </a:endParaRPr>
-          </a:p>
-        </p:txBody>
-      </p:sp>
-      <p:sp>
-        <p:nvSpPr>
-          <p:cNvPr id="13" name="TextBox 12">
-            <a:extLst>
-              <a:ext uri="{FF2B5EF4-FFF2-40B4-BE49-F238E27FC236}">
-                <a16:creationId xmlns:a16="http://schemas.microsoft.com/office/drawing/2014/main" id="{592DB263-5130-7149-84E4-6ACC76E4A8AF}"/>
-              </a:ext>
-            </a:extLst>
-          </p:cNvPr>
-          <p:cNvSpPr txBox="1"/>
-          <p:nvPr/>
-        </p:nvSpPr>
-        <p:spPr>
-          <a:xfrm>
-            <a:off x="954942" y="3429000"/>
-            <a:ext cx="4289571" cy="2373470"/>
-          </a:xfrm>
-          <a:prstGeom prst="rect">
-            <a:avLst/>
-          </a:prstGeom>
-          <a:noFill/>
-        </p:spPr>
-        <p:txBody>
-          <a:bodyPr wrap="square" rtlCol="0">
-            <a:spAutoFit/>
-          </a:bodyPr>
-          <a:lstStyle/>
-          <a:p>
-            <a:pPr>
-              <a:lnSpc>
-                <a:spcPts val="3000"/>
-              </a:lnSpc>
-            </a:pPr>
-            <a:r>
-              <a:rPr lang="en-IN" sz="2400" i="0" dirty="0">
-                <a:effectLst/>
-                <a:latin typeface="Oxygen" panose="02000503000000000000" pitchFamily="2" charset="77"/>
-              </a:rPr>
-              <a:t>Interpolation is the technique of estimating the value of a function for any intermediate value of the independent variable.</a:t>
-            </a:r>
-            <a:endParaRPr lang="en-IN" sz="2400" dirty="0">
-              <a:effectLst/>
-              <a:latin typeface="Oxygen" panose="02000503000000000000" pitchFamily="2" charset="77"/>
-            </a:endParaRPr>
-          </a:p>
-          <a:p>
-            <a:pPr>
-              <a:lnSpc>
-                <a:spcPts val="3000"/>
-              </a:lnSpc>
-            </a:pPr>
-            <a:endParaRPr lang="en-IN" sz="2400" dirty="0">
-              <a:effectLst/>
-              <a:latin typeface="Oxygen" panose="02000503000000000000" pitchFamily="2" charset="77"/>
-            </a:endParaRPr>
-          </a:p>
-        </p:txBody>
-      </p:sp>
-      <p:sp>
-        <p:nvSpPr>
-          <p:cNvPr id="14" name="TextBox 13">
-            <a:extLst>
-              <a:ext uri="{FF2B5EF4-FFF2-40B4-BE49-F238E27FC236}">
-                <a16:creationId xmlns:a16="http://schemas.microsoft.com/office/drawing/2014/main" id="{B7533A35-5398-2040-A707-D97117D75873}"/>
-              </a:ext>
-            </a:extLst>
-          </p:cNvPr>
-          <p:cNvSpPr txBox="1"/>
-          <p:nvPr/>
-        </p:nvSpPr>
-        <p:spPr>
-          <a:xfrm>
-            <a:off x="954942" y="2333136"/>
-            <a:ext cx="4201139" cy="954107"/>
-          </a:xfrm>
-          <a:prstGeom prst="rect">
-            <a:avLst/>
-          </a:prstGeom>
-          <a:noFill/>
-        </p:spPr>
-        <p:txBody>
-          <a:bodyPr wrap="square" rtlCol="0">
-            <a:spAutoFit/>
-          </a:bodyPr>
-          <a:lstStyle/>
-          <a:p>
-            <a:r>
-              <a:rPr lang="en-IN" sz="2800" dirty="0">
-                <a:solidFill>
-                  <a:schemeClr val="accent1"/>
-                </a:solidFill>
-                <a:latin typeface="Oxygen" panose="02000503000000090004" pitchFamily="2" charset="77"/>
-                <a:ea typeface="Nunito Bold" charset="0"/>
-                <a:cs typeface="Arima Madurai Medium" pitchFamily="2" charset="77"/>
-              </a:rPr>
-              <a:t>3. Newton’s forward &amp; backward interpolation </a:t>
-            </a:r>
-            <a:endParaRPr lang="en-US" sz="2800" dirty="0">
-              <a:solidFill>
-                <a:schemeClr val="accent1"/>
-              </a:solidFill>
-              <a:latin typeface="Oxygen" panose="02000503000000090004" pitchFamily="2" charset="77"/>
-              <a:ea typeface="Nunito Bold" charset="0"/>
-              <a:cs typeface="Arima Madurai Medium" pitchFamily="2" charset="77"/>
-            </a:endParaRPr>
-          </a:p>
-        </p:txBody>
-      </p:sp>
-      <p:sp>
-        <p:nvSpPr>
-          <p:cNvPr id="3" name="TextBox 2">
-            <a:extLst>
-              <a:ext uri="{FF2B5EF4-FFF2-40B4-BE49-F238E27FC236}">
-                <a16:creationId xmlns:a16="http://schemas.microsoft.com/office/drawing/2014/main" id="{D42D1102-1DEA-39C6-3380-7F344779163D}"/>
-              </a:ext>
-            </a:extLst>
-          </p:cNvPr>
-          <p:cNvSpPr txBox="1"/>
-          <p:nvPr/>
-        </p:nvSpPr>
-        <p:spPr>
-          <a:xfrm>
-            <a:off x="2700589" y="1153025"/>
-            <a:ext cx="6406648" cy="707886"/>
-          </a:xfrm>
-          <a:prstGeom prst="rect">
-            <a:avLst/>
-          </a:prstGeom>
-          <a:noFill/>
-        </p:spPr>
-        <p:txBody>
-          <a:bodyPr wrap="square" rtlCol="0">
-            <a:spAutoFit/>
-          </a:bodyPr>
-          <a:lstStyle/>
-          <a:p>
-            <a:r>
-              <a:rPr lang="en-IN" sz="4000" b="1" dirty="0">
-                <a:solidFill>
-                  <a:schemeClr val="accent1"/>
-                </a:solidFill>
-                <a:latin typeface="Oxygen" panose="02000503000000090004" pitchFamily="2" charset="77"/>
-                <a:ea typeface="Nunito Bold" charset="0"/>
-                <a:cs typeface="Arima Madurai Semi" pitchFamily="2" charset="77"/>
-              </a:rPr>
-              <a:t>What are they used for??!</a:t>
-            </a:r>
-          </a:p>
-        </p:txBody>
-      </p:sp>
-    </p:spTree>
-    <p:extLst>
-      <p:ext uri="{BB962C8B-B14F-4D97-AF65-F5344CB8AC3E}">
-        <p14:creationId xmlns:p14="http://schemas.microsoft.com/office/powerpoint/2010/main" val="3671611136"/>
-      </p:ext>
-    </p:extLst>
-  </p:cSld>
-  <p:clrMapOvr>
-    <a:masterClrMapping/>
-  </p:clrMapOvr>
-  <p:transition spd="med"/>
-  <p:timing>
-    <p:tnLst>
-      <p:par>
-        <p:cTn id="1" dur="indefinite" restart="never" nodeType="tmRoot">
-          <p:childTnLst>
-            <p:seq concurrent="1" nextAc="seek">
-              <p:cTn id="2" dur="indefinite" nodeType="mainSeq"/>
-              <p:prevCondLst>
-                <p:cond evt="onPrev" delay="0">
-                  <p:tgtEl>
-                    <p:sldTgt/>
-                  </p:tgtEl>
-                </p:cond>
-              </p:prevCondLst>
-              <p:nextCondLst>
-                <p:cond evt="onNext" delay="0">
-                  <p:tgtEl>
-                    <p:sldTgt/>
-                  </p:tgtEl>
-                </p:cond>
-              </p:nextCondLst>
-            </p:seq>
-          </p:childTnLst>
-        </p:cTn>
-      </p:par>
-    </p:tnLst>
-  </p:timing>
-</p:sld>
-</file>
-
-<file path=ppt/slides/slide6.xml><?xml version="1.0" encoding="utf-8"?>
-<p:sld xmlns:a="http://schemas.openxmlformats.org/drawingml/2006/main" xmlns:r="http://schemas.openxmlformats.org/officeDocument/2006/relationships" xmlns:p="http://schemas.openxmlformats.org/presentationml/2006/main">
-  <p:cSld>
-    <p:spTree>
-      <p:nvGrpSpPr>
-        <p:cNvPr id="1" name=""/>
-        <p:cNvGrpSpPr/>
-        <p:nvPr/>
-      </p:nvGrpSpPr>
-      <p:grpSpPr>
-        <a:xfrm>
-          <a:off x="0" y="0"/>
-          <a:ext cx="0" cy="0"/>
-          <a:chOff x="0" y="0"/>
-          <a:chExt cx="0" cy="0"/>
-        </a:xfrm>
-      </p:grpSpPr>
-      <p:sp>
-        <p:nvSpPr>
-          <p:cNvPr id="36" name="TextBox 35"/>
-          <p:cNvSpPr txBox="1"/>
-          <p:nvPr/>
-        </p:nvSpPr>
-        <p:spPr>
-          <a:xfrm>
-            <a:off x="730588" y="2157746"/>
-            <a:ext cx="6030492" cy="2208297"/>
-          </a:xfrm>
-          <a:prstGeom prst="rect">
-            <a:avLst/>
-          </a:prstGeom>
-          <a:noFill/>
-        </p:spPr>
-        <p:txBody>
-          <a:bodyPr wrap="square" rtlCol="0">
-            <a:spAutoFit/>
-          </a:bodyPr>
-          <a:lstStyle/>
-          <a:p>
-            <a:pPr algn="ctr">
-              <a:lnSpc>
-                <a:spcPts val="5500"/>
-              </a:lnSpc>
-            </a:pPr>
-            <a:r>
-              <a:rPr lang="en-IN" sz="5400" b="1" dirty="0">
-                <a:solidFill>
-                  <a:schemeClr val="accent1"/>
-                </a:solidFill>
-                <a:latin typeface="Oxygen" panose="02000503000000090004" pitchFamily="2" charset="77"/>
-                <a:cs typeface="Arima Madurai Semi" pitchFamily="2" charset="77"/>
-              </a:rPr>
-              <a:t>What are we going to learn from this??!</a:t>
-            </a:r>
-            <a:endParaRPr lang="en-US" sz="5400" b="1" dirty="0">
-              <a:solidFill>
-                <a:schemeClr val="accent1"/>
-              </a:solidFill>
-              <a:latin typeface="Oxygen" panose="02000503000000090004" pitchFamily="2" charset="77"/>
-              <a:cs typeface="Arima Madurai Semi" pitchFamily="2" charset="77"/>
-            </a:endParaRPr>
-          </a:p>
-        </p:txBody>
-      </p:sp>
-      <p:pic>
-        <p:nvPicPr>
-          <p:cNvPr id="14" name="Picture 14">
-            <a:extLst>
-              <a:ext uri="{FF2B5EF4-FFF2-40B4-BE49-F238E27FC236}">
-                <a16:creationId xmlns:a16="http://schemas.microsoft.com/office/drawing/2014/main" id="{C4CFEF86-9D7F-949D-9AA2-4960A04D8118}"/>
-              </a:ext>
-            </a:extLst>
-          </p:cNvPr>
-          <p:cNvPicPr>
-            <a:picLocks noGrp="1" noChangeAspect="1"/>
-          </p:cNvPicPr>
-          <p:nvPr>
-            <p:ph type="pic" sz="quarter" idx="14"/>
-          </p:nvPr>
-        </p:nvPicPr>
-        <p:blipFill rotWithShape="1">
-          <a:blip r:embed="rId3"/>
-          <a:srcRect l="18" r="18"/>
-          <a:stretch/>
-        </p:blipFill>
-        <p:spPr>
-          <a:xfrm>
-            <a:off x="6709834" y="1250452"/>
-            <a:ext cx="4356000" cy="4357096"/>
-          </a:xfrm>
-        </p:spPr>
-      </p:pic>
-    </p:spTree>
-    <p:extLst>
-      <p:ext uri="{BB962C8B-B14F-4D97-AF65-F5344CB8AC3E}">
-        <p14:creationId xmlns:p14="http://schemas.microsoft.com/office/powerpoint/2010/main" val="2633445978"/>
-      </p:ext>
-    </p:extLst>
-  </p:cSld>
-  <p:clrMapOvr>
-    <a:masterClrMapping/>
-  </p:clrMapOvr>
-  <p:transition spd="med"/>
-  <p:timing>
-    <p:tnLst>
-      <p:par>
-        <p:cTn id="1" dur="indefinite" restart="never" nodeType="tmRoot">
-          <p:childTnLst>
-            <p:seq concurrent="1" nextAc="seek">
-              <p:cTn id="2" dur="indefinite" nodeType="mainSeq"/>
-              <p:prevCondLst>
-                <p:cond evt="onPrev" delay="0">
-                  <p:tgtEl>
-                    <p:sldTgt/>
-                  </p:tgtEl>
-                </p:cond>
-              </p:prevCondLst>
-              <p:nextCondLst>
-                <p:cond evt="onNext" delay="0">
-                  <p:tgtEl>
-                    <p:sldTgt/>
-                  </p:tgtEl>
-                </p:cond>
-              </p:nextCondLst>
-            </p:seq>
-          </p:childTnLst>
-        </p:cTn>
-      </p:par>
-    </p:tnLst>
-  </p:timing>
-</p:sld>
-</file>
-
-<file path=ppt/slides/slide7.xml><?xml version="1.0" encoding="utf-8"?>
-<p:sld xmlns:a="http://schemas.openxmlformats.org/drawingml/2006/main" xmlns:r="http://schemas.openxmlformats.org/officeDocument/2006/relationships" xmlns:p="http://schemas.openxmlformats.org/presentationml/2006/main">
-  <p:cSld>
-    <p:spTree>
-      <p:nvGrpSpPr>
-        <p:cNvPr id="1" name=""/>
-        <p:cNvGrpSpPr/>
-        <p:nvPr/>
-      </p:nvGrpSpPr>
-      <p:grpSpPr>
-        <a:xfrm>
-          <a:off x="0" y="0"/>
-          <a:ext cx="0" cy="0"/>
-          <a:chOff x="0" y="0"/>
-          <a:chExt cx="0" cy="0"/>
-        </a:xfrm>
-      </p:grpSpPr>
-      <p:sp>
-        <p:nvSpPr>
-          <p:cNvPr id="6" name="TextBox 5">
-            <a:extLst>
-              <a:ext uri="{FF2B5EF4-FFF2-40B4-BE49-F238E27FC236}">
-                <a16:creationId xmlns:a16="http://schemas.microsoft.com/office/drawing/2014/main" id="{698303D4-85A0-B598-1479-C401D83D4A52}"/>
-              </a:ext>
-            </a:extLst>
-          </p:cNvPr>
-          <p:cNvSpPr txBox="1"/>
-          <p:nvPr/>
-        </p:nvSpPr>
-        <p:spPr>
-          <a:xfrm>
-            <a:off x="973888" y="1904061"/>
-            <a:ext cx="10339138" cy="523220"/>
-          </a:xfrm>
-          <a:prstGeom prst="rect">
-            <a:avLst/>
-          </a:prstGeom>
-          <a:noFill/>
-        </p:spPr>
-        <p:txBody>
-          <a:bodyPr wrap="square" rtlCol="0">
-            <a:spAutoFit/>
-          </a:bodyPr>
-          <a:lstStyle/>
-          <a:p>
-            <a:r>
-              <a:rPr lang="en-IN" sz="2800" dirty="0">
-                <a:latin typeface="Oxygen" panose="02000503000000000000" pitchFamily="2" charset="77"/>
-              </a:rPr>
-              <a:t>1. Class:</a:t>
-            </a:r>
-            <a:endParaRPr lang="en-IN" sz="2800" dirty="0">
-              <a:effectLst/>
-              <a:latin typeface="System Font"/>
-            </a:endParaRPr>
-          </a:p>
-        </p:txBody>
-      </p:sp>
-      <p:sp>
-        <p:nvSpPr>
-          <p:cNvPr id="7" name="TextBox 6">
-            <a:extLst>
-              <a:ext uri="{FF2B5EF4-FFF2-40B4-BE49-F238E27FC236}">
-                <a16:creationId xmlns:a16="http://schemas.microsoft.com/office/drawing/2014/main" id="{0A3EA76B-013A-956B-C1C3-5BDC0BA229F7}"/>
-              </a:ext>
-            </a:extLst>
-          </p:cNvPr>
-          <p:cNvSpPr txBox="1"/>
-          <p:nvPr/>
-        </p:nvSpPr>
-        <p:spPr>
-          <a:xfrm>
-            <a:off x="2476285" y="1904061"/>
-            <a:ext cx="8235162" cy="1384995"/>
-          </a:xfrm>
-          <a:prstGeom prst="rect">
-            <a:avLst/>
-          </a:prstGeom>
-          <a:noFill/>
-        </p:spPr>
-        <p:txBody>
-          <a:bodyPr wrap="square" rtlCol="0">
-            <a:spAutoFit/>
-          </a:bodyPr>
-          <a:lstStyle/>
-          <a:p>
-            <a:r>
-              <a:rPr lang="en-IN" sz="2800" i="0" dirty="0">
-                <a:effectLst/>
-                <a:latin typeface="Oxygen" panose="02000503000000000000" pitchFamily="2" charset="77"/>
-              </a:rPr>
-              <a:t>Class is a set of object which shares common characteristics/</a:t>
-            </a:r>
-            <a:r>
-              <a:rPr lang="en-IN" sz="2800" i="0" dirty="0" err="1">
-                <a:effectLst/>
-                <a:latin typeface="Oxygen" panose="02000503000000000000" pitchFamily="2" charset="77"/>
-              </a:rPr>
-              <a:t>behavior</a:t>
-            </a:r>
-            <a:r>
-              <a:rPr lang="en-IN" sz="2800" i="0" dirty="0">
-                <a:effectLst/>
-                <a:latin typeface="Oxygen" panose="02000503000000000000" pitchFamily="2" charset="77"/>
-              </a:rPr>
-              <a:t> and common attributes.</a:t>
-            </a:r>
-            <a:endParaRPr lang="en-IN" sz="2800" dirty="0">
-              <a:effectLst/>
-              <a:latin typeface="Oxygen" panose="02000503000000000000" pitchFamily="2" charset="77"/>
-            </a:endParaRPr>
-          </a:p>
-          <a:p>
-            <a:pPr algn="l"/>
-            <a:endParaRPr lang="en-US" sz="2800" dirty="0">
-              <a:latin typeface="Oxygen" panose="02000503000000000000" pitchFamily="2" charset="77"/>
-            </a:endParaRPr>
-          </a:p>
-        </p:txBody>
-      </p:sp>
-      <p:sp>
-        <p:nvSpPr>
-          <p:cNvPr id="8" name="TextBox 7">
-            <a:extLst>
-              <a:ext uri="{FF2B5EF4-FFF2-40B4-BE49-F238E27FC236}">
-                <a16:creationId xmlns:a16="http://schemas.microsoft.com/office/drawing/2014/main" id="{6F87829A-8F59-6D16-CE1E-A971EAA96A12}"/>
-              </a:ext>
-            </a:extLst>
-          </p:cNvPr>
-          <p:cNvSpPr txBox="1"/>
-          <p:nvPr/>
-        </p:nvSpPr>
-        <p:spPr>
-          <a:xfrm>
-            <a:off x="973888" y="3307335"/>
-            <a:ext cx="1828800" cy="523220"/>
-          </a:xfrm>
-          <a:prstGeom prst="rect">
-            <a:avLst/>
-          </a:prstGeom>
-          <a:noFill/>
-        </p:spPr>
-        <p:txBody>
-          <a:bodyPr wrap="square" rtlCol="0">
-            <a:spAutoFit/>
-          </a:bodyPr>
-          <a:lstStyle/>
-          <a:p>
-            <a:pPr algn="l"/>
-            <a:r>
-              <a:rPr lang="en-IN" sz="2800" dirty="0">
-                <a:latin typeface="Oxygen" panose="02000503000000000000" pitchFamily="2" charset="77"/>
-              </a:rPr>
-              <a:t>2. Object: </a:t>
-            </a:r>
-            <a:endParaRPr lang="en-US" sz="2800" dirty="0">
-              <a:latin typeface="Oxygen" panose="02000503000000000000" pitchFamily="2" charset="77"/>
-            </a:endParaRPr>
-          </a:p>
-        </p:txBody>
-      </p:sp>
-      <p:sp>
-        <p:nvSpPr>
-          <p:cNvPr id="9" name="TextBox 8">
-            <a:extLst>
-              <a:ext uri="{FF2B5EF4-FFF2-40B4-BE49-F238E27FC236}">
-                <a16:creationId xmlns:a16="http://schemas.microsoft.com/office/drawing/2014/main" id="{5AC2ACDB-CD39-475A-3D15-3405B1FAE3A7}"/>
-              </a:ext>
-            </a:extLst>
-          </p:cNvPr>
-          <p:cNvSpPr txBox="1"/>
-          <p:nvPr/>
-        </p:nvSpPr>
-        <p:spPr>
-          <a:xfrm>
-            <a:off x="2767130" y="3307335"/>
-            <a:ext cx="7944317" cy="1384995"/>
-          </a:xfrm>
-          <a:prstGeom prst="rect">
-            <a:avLst/>
-          </a:prstGeom>
-          <a:noFill/>
-        </p:spPr>
-        <p:txBody>
-          <a:bodyPr wrap="square" rtlCol="0">
-            <a:spAutoFit/>
-          </a:bodyPr>
-          <a:lstStyle/>
-          <a:p>
-            <a:r>
-              <a:rPr lang="en-IN" sz="2800" i="0" dirty="0">
-                <a:effectLst/>
-                <a:latin typeface="Oxygen" panose="02000503000000000000" pitchFamily="2" charset="77"/>
-              </a:rPr>
-              <a:t>A Java object is a member of a Java class. Each object has an identity, a </a:t>
-            </a:r>
-            <a:r>
-              <a:rPr lang="en-IN" sz="2800" i="0" dirty="0" err="1">
-                <a:effectLst/>
-                <a:latin typeface="Oxygen" panose="02000503000000000000" pitchFamily="2" charset="77"/>
-              </a:rPr>
-              <a:t>behavior</a:t>
-            </a:r>
-            <a:r>
-              <a:rPr lang="en-IN" sz="2800" i="0" dirty="0">
-                <a:effectLst/>
-                <a:latin typeface="Oxygen" panose="02000503000000000000" pitchFamily="2" charset="77"/>
-              </a:rPr>
-              <a:t> and a state.</a:t>
-            </a:r>
-            <a:endParaRPr lang="en-IN" sz="2800" dirty="0">
-              <a:effectLst/>
-              <a:latin typeface="Oxygen" panose="02000503000000000000" pitchFamily="2" charset="77"/>
-            </a:endParaRPr>
-          </a:p>
-          <a:p>
-            <a:pPr algn="l"/>
-            <a:endParaRPr lang="en-US" sz="2800" dirty="0">
-              <a:latin typeface="Oxygen" panose="02000503000000000000" pitchFamily="2" charset="77"/>
-            </a:endParaRPr>
-          </a:p>
-        </p:txBody>
-      </p:sp>
-      <p:sp>
-        <p:nvSpPr>
-          <p:cNvPr id="3" name="Rectangle 2">
-            <a:extLst>
-              <a:ext uri="{FF2B5EF4-FFF2-40B4-BE49-F238E27FC236}">
-                <a16:creationId xmlns:a16="http://schemas.microsoft.com/office/drawing/2014/main" id="{4E4B74AD-CE15-C3D2-B22D-38EC2EEBDC57}"/>
-              </a:ext>
-            </a:extLst>
-          </p:cNvPr>
-          <p:cNvSpPr>
-            <a:spLocks/>
-          </p:cNvSpPr>
-          <p:nvPr/>
-        </p:nvSpPr>
-        <p:spPr bwMode="auto">
-          <a:xfrm>
-            <a:off x="2476285" y="933799"/>
-            <a:ext cx="7268015" cy="615553"/>
-          </a:xfrm>
-          <a:prstGeom prst="rect">
-            <a:avLst/>
-          </a:prstGeom>
-          <a:noFill/>
-          <a:ln>
-            <a:noFill/>
-          </a:ln>
-          <a:extLst>
-            <a:ext uri="{909E8E84-426E-40dd-AFC4-6F175D3DCCD1}">
-              <a14:hiddenFill xmlns:a14="http://schemas.microsoft.com/office/drawing/2010/main" xmlns="">
-                <a:solidFill>
-                  <a:srgbClr val="FFFFFF"/>
-                </a:solidFill>
-              </a14:hiddenFill>
-            </a:ext>
-            <a:ext uri="{91240B29-F687-4f45-9708-019B960494DF}">
-              <a14:hiddenLine xmlns:a14="http://schemas.microsoft.com/office/drawing/2010/main" xmlns="" w="12700">
-                <a:solidFill>
-                  <a:schemeClr val="tx1"/>
-                </a:solidFill>
-                <a:miter lim="800000"/>
-                <a:headEnd/>
-                <a:tailEnd/>
-              </a14:hiddenLine>
-            </a:ext>
-          </a:extLst>
-        </p:spPr>
-        <p:txBody>
-          <a:bodyPr wrap="none" lIns="0" tIns="0" rIns="0" bIns="0" anchor="ctr">
-            <a:spAutoFit/>
-          </a:bodyPr>
-          <a:lstStyle/>
-          <a:p>
-            <a:pPr algn="ctr"/>
-            <a:r>
-              <a:rPr lang="en-IN" sz="4000" b="1" spc="150" dirty="0">
-                <a:solidFill>
-                  <a:schemeClr val="accent1"/>
-                </a:solidFill>
-                <a:latin typeface="Oxygen" panose="02000503000000090004" pitchFamily="2" charset="77"/>
-                <a:ea typeface="Roboto" charset="0"/>
-                <a:cs typeface="Poppins" pitchFamily="2" charset="77"/>
-                <a:sym typeface="Bebas Neue" charset="0"/>
-              </a:rPr>
-              <a:t>WHAT ARE WE LEARNING??!</a:t>
-            </a:r>
-            <a:endParaRPr lang="en-US" sz="4000" b="1" spc="150" dirty="0">
-              <a:solidFill>
-                <a:schemeClr val="accent1"/>
-              </a:solidFill>
-              <a:latin typeface="Oxygen" panose="02000503000000090004" pitchFamily="2" charset="77"/>
-              <a:ea typeface="Roboto" charset="0"/>
-              <a:cs typeface="Poppins" pitchFamily="2" charset="77"/>
-              <a:sym typeface="Bebas Neue" charset="0"/>
-            </a:endParaRPr>
-          </a:p>
-        </p:txBody>
-      </p:sp>
-      <p:sp>
-        <p:nvSpPr>
-          <p:cNvPr id="2" name="TextBox 1">
-            <a:extLst>
-              <a:ext uri="{FF2B5EF4-FFF2-40B4-BE49-F238E27FC236}">
-                <a16:creationId xmlns:a16="http://schemas.microsoft.com/office/drawing/2014/main" id="{62430689-52DF-C6C4-2EE9-F6873FAE8DF1}"/>
-              </a:ext>
-            </a:extLst>
-          </p:cNvPr>
-          <p:cNvSpPr txBox="1"/>
-          <p:nvPr/>
-        </p:nvSpPr>
-        <p:spPr>
-          <a:xfrm>
-            <a:off x="973888" y="4710609"/>
-            <a:ext cx="1828800" cy="523220"/>
-          </a:xfrm>
-          <a:prstGeom prst="rect">
-            <a:avLst/>
-          </a:prstGeom>
-          <a:noFill/>
-        </p:spPr>
-        <p:txBody>
-          <a:bodyPr wrap="square" rtlCol="0">
-            <a:spAutoFit/>
-          </a:bodyPr>
-          <a:lstStyle/>
-          <a:p>
-            <a:pPr algn="l"/>
-            <a:r>
-              <a:rPr lang="en-IN" sz="2800" dirty="0">
-                <a:latin typeface="Oxygen" panose="02000503000000000000" pitchFamily="2" charset="77"/>
-              </a:rPr>
-              <a:t>3. Arrays:</a:t>
-            </a:r>
-            <a:endParaRPr lang="en-US" sz="2800" dirty="0">
-              <a:latin typeface="Oxygen" panose="02000503000000000000" pitchFamily="2" charset="77"/>
-            </a:endParaRPr>
-          </a:p>
-        </p:txBody>
-      </p:sp>
-      <p:sp>
-        <p:nvSpPr>
-          <p:cNvPr id="4" name="TextBox 3">
-            <a:extLst>
-              <a:ext uri="{FF2B5EF4-FFF2-40B4-BE49-F238E27FC236}">
-                <a16:creationId xmlns:a16="http://schemas.microsoft.com/office/drawing/2014/main" id="{E9F92DBF-EFAB-14C9-C585-C84A5D1B0221}"/>
-              </a:ext>
-            </a:extLst>
-          </p:cNvPr>
-          <p:cNvSpPr txBox="1"/>
-          <p:nvPr/>
-        </p:nvSpPr>
-        <p:spPr>
-          <a:xfrm>
-            <a:off x="2767130" y="4710609"/>
-            <a:ext cx="8235162" cy="954107"/>
-          </a:xfrm>
-          <a:prstGeom prst="rect">
-            <a:avLst/>
-          </a:prstGeom>
-          <a:noFill/>
-        </p:spPr>
-        <p:txBody>
-          <a:bodyPr wrap="square" rtlCol="0">
-            <a:spAutoFit/>
-          </a:bodyPr>
-          <a:lstStyle/>
-          <a:p>
-            <a:pPr algn="l"/>
-            <a:r>
-              <a:rPr lang="en-IN" sz="2800" i="0" u="none" strike="noStrike" dirty="0">
-                <a:effectLst/>
-                <a:latin typeface="Oxygen" panose="02000503000000000000" pitchFamily="2" charset="77"/>
-              </a:rPr>
-              <a:t>An array is a container object that holds a fixed number of values of a single type.</a:t>
-            </a:r>
-            <a:endParaRPr lang="en-US" sz="2800" dirty="0">
-              <a:latin typeface="Oxygen" panose="02000503000000000000" pitchFamily="2" charset="77"/>
-            </a:endParaRPr>
-          </a:p>
-        </p:txBody>
-      </p:sp>
-    </p:spTree>
-    <p:extLst>
-      <p:ext uri="{BB962C8B-B14F-4D97-AF65-F5344CB8AC3E}">
-        <p14:creationId xmlns:p14="http://schemas.microsoft.com/office/powerpoint/2010/main" val="516558354"/>
-      </p:ext>
-    </p:extLst>
-  </p:cSld>
-  <p:clrMapOvr>
-    <a:masterClrMapping/>
-  </p:clrMapOvr>
-  <p:transition advClick="0"/>
-</p:sld>
-</file>
-
-<file path=ppt/slides/slide8.xml><?xml version="1.0" encoding="utf-8"?>
-<p:sld xmlns:a="http://schemas.openxmlformats.org/drawingml/2006/main" xmlns:r="http://schemas.openxmlformats.org/officeDocument/2006/relationships" xmlns:p="http://schemas.openxmlformats.org/presentationml/2006/main">
-  <p:cSld>
-    <p:spTree>
-      <p:nvGrpSpPr>
-        <p:cNvPr id="1" name=""/>
-        <p:cNvGrpSpPr/>
-        <p:nvPr/>
-      </p:nvGrpSpPr>
-      <p:grpSpPr>
-        <a:xfrm>
-          <a:off x="0" y="0"/>
-          <a:ext cx="0" cy="0"/>
-          <a:chOff x="0" y="0"/>
-          <a:chExt cx="0" cy="0"/>
-        </a:xfrm>
-      </p:grpSpPr>
-      <p:sp>
-        <p:nvSpPr>
-          <p:cNvPr id="6" name="TextBox 5">
-            <a:extLst>
-              <a:ext uri="{FF2B5EF4-FFF2-40B4-BE49-F238E27FC236}">
-                <a16:creationId xmlns:a16="http://schemas.microsoft.com/office/drawing/2014/main" id="{698303D4-85A0-B598-1479-C401D83D4A52}"/>
-              </a:ext>
-            </a:extLst>
-          </p:cNvPr>
-          <p:cNvSpPr txBox="1"/>
-          <p:nvPr/>
-        </p:nvSpPr>
-        <p:spPr>
-          <a:xfrm>
-            <a:off x="757012" y="1904060"/>
-            <a:ext cx="2279266" cy="461665"/>
-          </a:xfrm>
-          <a:prstGeom prst="rect">
-            <a:avLst/>
-          </a:prstGeom>
-          <a:noFill/>
-        </p:spPr>
-        <p:txBody>
-          <a:bodyPr wrap="square" rtlCol="0">
-            <a:spAutoFit/>
-          </a:bodyPr>
-          <a:lstStyle/>
-          <a:p>
-            <a:r>
-              <a:rPr lang="en-IN" sz="2400" dirty="0">
-                <a:effectLst/>
-                <a:latin typeface="Oxygen" panose="02000503000000000000" pitchFamily="2" charset="77"/>
-              </a:rPr>
-              <a:t>4. Java </a:t>
-            </a:r>
-            <a:r>
-              <a:rPr lang="en-IN" sz="2400" dirty="0">
-                <a:latin typeface="Oxygen" panose="02000503000000000000" pitchFamily="2" charset="77"/>
-              </a:rPr>
-              <a:t>Swing:</a:t>
-            </a:r>
-            <a:endParaRPr lang="en-IN" sz="2400" dirty="0">
-              <a:effectLst/>
-              <a:latin typeface="System Font"/>
-            </a:endParaRPr>
-          </a:p>
-        </p:txBody>
-      </p:sp>
-      <p:sp>
-        <p:nvSpPr>
-          <p:cNvPr id="7" name="TextBox 6">
-            <a:extLst>
-              <a:ext uri="{FF2B5EF4-FFF2-40B4-BE49-F238E27FC236}">
-                <a16:creationId xmlns:a16="http://schemas.microsoft.com/office/drawing/2014/main" id="{0A3EA76B-013A-956B-C1C3-5BDC0BA229F7}"/>
-              </a:ext>
-            </a:extLst>
-          </p:cNvPr>
-          <p:cNvSpPr txBox="1"/>
-          <p:nvPr/>
-        </p:nvSpPr>
-        <p:spPr>
-          <a:xfrm>
-            <a:off x="2960078" y="1904060"/>
-            <a:ext cx="9463453" cy="2308324"/>
-          </a:xfrm>
-          <a:prstGeom prst="rect">
-            <a:avLst/>
-          </a:prstGeom>
-          <a:noFill/>
-        </p:spPr>
-        <p:txBody>
-          <a:bodyPr wrap="square" rtlCol="0">
-            <a:spAutoFit/>
-          </a:bodyPr>
-          <a:lstStyle/>
-          <a:p>
-            <a:r>
-              <a:rPr lang="en-US" sz="2400" b="0" i="0" dirty="0">
-                <a:solidFill>
-                  <a:srgbClr val="202124"/>
-                </a:solidFill>
-                <a:effectLst/>
-                <a:latin typeface="arial" panose="020B0604020202020204" pitchFamily="34" charset="0"/>
-              </a:rPr>
-              <a:t>Swing is a lightweight Java graphical user interface (GUI) that is used </a:t>
-            </a:r>
-            <a:r>
-              <a:rPr lang="en-US" sz="2400" b="1" i="0" dirty="0">
-                <a:solidFill>
-                  <a:srgbClr val="202124"/>
-                </a:solidFill>
-                <a:effectLst/>
-                <a:latin typeface="arial" panose="020B0604020202020204" pitchFamily="34" charset="0"/>
-              </a:rPr>
-              <a:t>to create various applications</a:t>
-            </a:r>
-            <a:r>
-              <a:rPr lang="en-US" sz="2400" b="0" i="0" dirty="0">
-                <a:solidFill>
-                  <a:srgbClr val="202124"/>
-                </a:solidFill>
-                <a:effectLst/>
-                <a:latin typeface="arial" panose="020B0604020202020204" pitchFamily="34" charset="0"/>
-              </a:rPr>
-              <a:t>. Swing has platform-independent components. It enables the user to create buttons and scroll bars. Swing includes packages for creating desktop applications in Java.</a:t>
-            </a:r>
-            <a:r>
-              <a:rPr lang="en-IN" sz="2400" dirty="0">
-                <a:effectLst/>
-                <a:latin typeface="Oxygen" panose="02000503000000000000" pitchFamily="2" charset="77"/>
-              </a:rPr>
-              <a:t>.</a:t>
-            </a:r>
-          </a:p>
-          <a:p>
-            <a:endParaRPr lang="en-IN" sz="2400" dirty="0">
-              <a:effectLst/>
-              <a:latin typeface="Oxygen" panose="02000503000000000000" pitchFamily="2" charset="77"/>
-            </a:endParaRPr>
-          </a:p>
-        </p:txBody>
-      </p:sp>
-      <p:sp>
-        <p:nvSpPr>
-          <p:cNvPr id="8" name="TextBox 7">
-            <a:extLst>
-              <a:ext uri="{FF2B5EF4-FFF2-40B4-BE49-F238E27FC236}">
-                <a16:creationId xmlns:a16="http://schemas.microsoft.com/office/drawing/2014/main" id="{6F87829A-8F59-6D16-CE1E-A971EAA96A12}"/>
-              </a:ext>
-            </a:extLst>
-          </p:cNvPr>
-          <p:cNvSpPr txBox="1"/>
-          <p:nvPr/>
-        </p:nvSpPr>
-        <p:spPr>
-          <a:xfrm>
-            <a:off x="757012" y="4043024"/>
-            <a:ext cx="7464928" cy="461665"/>
-          </a:xfrm>
-          <a:prstGeom prst="rect">
-            <a:avLst/>
-          </a:prstGeom>
-          <a:noFill/>
-        </p:spPr>
-        <p:txBody>
-          <a:bodyPr wrap="square" rtlCol="0">
-            <a:spAutoFit/>
-          </a:bodyPr>
-          <a:lstStyle/>
-          <a:p>
-            <a:pPr algn="l"/>
-            <a:r>
-              <a:rPr lang="en-IN" sz="2400" dirty="0">
-                <a:latin typeface="Oxygen" panose="02000503000000000000" pitchFamily="2" charset="77"/>
-              </a:rPr>
-              <a:t>5. Making Interface using Java Swing</a:t>
-            </a:r>
-            <a:endParaRPr lang="en-US" sz="2400" dirty="0">
-              <a:latin typeface="Oxygen" panose="02000503000000000000" pitchFamily="2" charset="77"/>
-            </a:endParaRPr>
-          </a:p>
-        </p:txBody>
-      </p:sp>
-      <p:sp>
-        <p:nvSpPr>
-          <p:cNvPr id="3" name="Rectangle 2">
-            <a:extLst>
-              <a:ext uri="{FF2B5EF4-FFF2-40B4-BE49-F238E27FC236}">
-                <a16:creationId xmlns:a16="http://schemas.microsoft.com/office/drawing/2014/main" id="{4E4B74AD-CE15-C3D2-B22D-38EC2EEBDC57}"/>
-              </a:ext>
-            </a:extLst>
-          </p:cNvPr>
-          <p:cNvSpPr>
-            <a:spLocks/>
-          </p:cNvSpPr>
-          <p:nvPr/>
-        </p:nvSpPr>
-        <p:spPr bwMode="auto">
-          <a:xfrm>
-            <a:off x="3165576" y="995354"/>
-            <a:ext cx="5889434" cy="492443"/>
-          </a:xfrm>
-          <a:prstGeom prst="rect">
-            <a:avLst/>
-          </a:prstGeom>
-          <a:noFill/>
-          <a:ln>
-            <a:noFill/>
-          </a:ln>
-          <a:extLst>
-            <a:ext uri="{909E8E84-426E-40dd-AFC4-6F175D3DCCD1}">
-              <a14:hiddenFill xmlns="" xmlns:a14="http://schemas.microsoft.com/office/drawing/2010/main">
-                <a:solidFill>
-                  <a:srgbClr val="FFFFFF"/>
-                </a:solidFill>
-              </a14:hiddenFill>
-            </a:ext>
-            <a:ext uri="{91240B29-F687-4f45-9708-019B960494DF}">
-              <a14:hiddenLine xmlns="" xmlns:a14="http://schemas.microsoft.com/office/drawing/2010/main" w="12700">
-                <a:solidFill>
-                  <a:schemeClr val="tx1"/>
-                </a:solidFill>
-                <a:miter lim="800000"/>
-                <a:headEnd/>
-                <a:tailEnd/>
-              </a14:hiddenLine>
-            </a:ext>
-          </a:extLst>
-        </p:spPr>
-        <p:txBody>
-          <a:bodyPr wrap="none" lIns="0" tIns="0" rIns="0" bIns="0" anchor="ctr">
-            <a:spAutoFit/>
-          </a:bodyPr>
-          <a:lstStyle/>
-          <a:p>
-            <a:pPr algn="ctr"/>
-            <a:r>
-              <a:rPr lang="en-IN" sz="3200" b="1" spc="150" dirty="0">
-                <a:solidFill>
-                  <a:schemeClr val="accent1"/>
-                </a:solidFill>
-                <a:latin typeface="Oxygen" panose="02000503000000090004" pitchFamily="2" charset="77"/>
-                <a:ea typeface="Roboto" charset="0"/>
-                <a:cs typeface="Poppins" pitchFamily="2" charset="77"/>
-                <a:sym typeface="Bebas Neue" charset="0"/>
-              </a:rPr>
-              <a:t>WHAT ARE WE LEARNING??!</a:t>
-            </a:r>
-            <a:endParaRPr lang="en-US" sz="3200" b="1" spc="150" dirty="0">
-              <a:solidFill>
-                <a:schemeClr val="accent1"/>
-              </a:solidFill>
-              <a:latin typeface="Oxygen" panose="02000503000000090004" pitchFamily="2" charset="77"/>
-              <a:ea typeface="Roboto" charset="0"/>
-              <a:cs typeface="Poppins" pitchFamily="2" charset="77"/>
-              <a:sym typeface="Bebas Neue" charset="0"/>
-            </a:endParaRPr>
-          </a:p>
-        </p:txBody>
-      </p:sp>
-      <p:sp>
-        <p:nvSpPr>
-          <p:cNvPr id="2" name="TextBox 1">
-            <a:extLst>
-              <a:ext uri="{FF2B5EF4-FFF2-40B4-BE49-F238E27FC236}">
-                <a16:creationId xmlns:a16="http://schemas.microsoft.com/office/drawing/2014/main" id="{62430689-52DF-C6C4-2EE9-F6873FAE8DF1}"/>
-              </a:ext>
-            </a:extLst>
-          </p:cNvPr>
-          <p:cNvSpPr txBox="1"/>
-          <p:nvPr/>
-        </p:nvSpPr>
-        <p:spPr>
-          <a:xfrm>
-            <a:off x="757012" y="4796995"/>
-            <a:ext cx="10740191" cy="830997"/>
-          </a:xfrm>
-          <a:prstGeom prst="rect">
-            <a:avLst/>
-          </a:prstGeom>
-          <a:noFill/>
-        </p:spPr>
-        <p:txBody>
-          <a:bodyPr wrap="square" rtlCol="0">
-            <a:spAutoFit/>
-          </a:bodyPr>
-          <a:lstStyle/>
-          <a:p>
-            <a:r>
-              <a:rPr lang="en-IN" sz="2400" dirty="0">
-                <a:latin typeface="Oxygen" panose="02000503000000000000" pitchFamily="2" charset="77"/>
-              </a:rPr>
-              <a:t>6. </a:t>
-            </a:r>
-            <a:r>
-              <a:rPr lang="en-IN" sz="2400" i="0" dirty="0">
-                <a:effectLst/>
-                <a:latin typeface="Oxygen" panose="02000503000000000000" pitchFamily="2" charset="77"/>
-              </a:rPr>
-              <a:t>We will learn to solve various mathematical properties using matrices</a:t>
-            </a:r>
-            <a:endParaRPr lang="en-IN" sz="2400" dirty="0">
-              <a:effectLst/>
-              <a:latin typeface="Oxygen" panose="02000503000000000000" pitchFamily="2" charset="77"/>
-            </a:endParaRPr>
-          </a:p>
-          <a:p>
-            <a:pPr algn="l"/>
-            <a:endParaRPr lang="en-US" sz="2400" dirty="0">
-              <a:latin typeface="Oxygen" panose="02000503000000000000" pitchFamily="2" charset="77"/>
-            </a:endParaRPr>
-          </a:p>
-        </p:txBody>
-      </p:sp>
-      <p:sp>
-        <p:nvSpPr>
-          <p:cNvPr id="5" name="TextBox 4">
-            <a:extLst>
-              <a:ext uri="{FF2B5EF4-FFF2-40B4-BE49-F238E27FC236}">
-                <a16:creationId xmlns:a16="http://schemas.microsoft.com/office/drawing/2014/main" id="{5BE9EFA5-4E4B-A266-4B4C-4FA623EE919E}"/>
-              </a:ext>
-            </a:extLst>
-          </p:cNvPr>
-          <p:cNvSpPr txBox="1"/>
-          <p:nvPr/>
-        </p:nvSpPr>
-        <p:spPr>
-          <a:xfrm>
-            <a:off x="757012" y="5492386"/>
-            <a:ext cx="9485111" cy="461665"/>
-          </a:xfrm>
-          <a:prstGeom prst="rect">
-            <a:avLst/>
-          </a:prstGeom>
-          <a:noFill/>
-        </p:spPr>
-        <p:txBody>
-          <a:bodyPr wrap="square" rtlCol="0">
-            <a:spAutoFit/>
-          </a:bodyPr>
-          <a:lstStyle/>
-          <a:p>
-            <a:r>
-              <a:rPr lang="en-IN" sz="2400" dirty="0">
-                <a:latin typeface="Oxygen" panose="02000503000000000000" pitchFamily="2" charset="77"/>
-              </a:rPr>
-              <a:t>7. </a:t>
-            </a:r>
-            <a:r>
-              <a:rPr lang="en-IN" sz="2400" i="0" dirty="0">
-                <a:effectLst/>
-                <a:latin typeface="Oxygen" panose="02000503000000000000" pitchFamily="2" charset="77"/>
-              </a:rPr>
-              <a:t>Also this will help us in building our logic in iterative approach</a:t>
-            </a:r>
-            <a:endParaRPr lang="en-IN" sz="2400" dirty="0">
-              <a:effectLst/>
-              <a:latin typeface="Oxygen" panose="02000503000000000000" pitchFamily="2" charset="77"/>
-            </a:endParaRPr>
-          </a:p>
-        </p:txBody>
-      </p:sp>
-    </p:spTree>
-    <p:extLst>
-      <p:ext uri="{BB962C8B-B14F-4D97-AF65-F5344CB8AC3E}">
-        <p14:creationId xmlns:p14="http://schemas.microsoft.com/office/powerpoint/2010/main" val="3675538675"/>
-      </p:ext>
-    </p:extLst>
-  </p:cSld>
-  <p:clrMapOvr>
-    <a:masterClrMapping/>
-  </p:clrMapOvr>
-  <p:transition advClick="0"/>
-</p:sld>
-</file>
-
-<file path=ppt/slides/slide9.xml><?xml version="1.0" encoding="utf-8"?>
-<p:sld xmlns:a="http://schemas.openxmlformats.org/drawingml/2006/main" xmlns:r="http://schemas.openxmlformats.org/officeDocument/2006/relationships" xmlns:p="http://schemas.openxmlformats.org/presentationml/2006/main">
-  <p:cSld>
-    <p:spTree>
-      <p:nvGrpSpPr>
-        <p:cNvPr id="1" name=""/>
-        <p:cNvGrpSpPr/>
-        <p:nvPr/>
-      </p:nvGrpSpPr>
-      <p:grpSpPr>
-        <a:xfrm>
-          <a:off x="0" y="0"/>
-          <a:ext cx="0" cy="0"/>
-          <a:chOff x="0" y="0"/>
-          <a:chExt cx="0" cy="0"/>
-        </a:xfrm>
-      </p:grpSpPr>
-      <p:sp>
-        <p:nvSpPr>
-          <p:cNvPr id="39" name="Rectangle 38">
-            <a:extLst>
-              <a:ext uri="{FF2B5EF4-FFF2-40B4-BE49-F238E27FC236}">
-                <a16:creationId xmlns:a16="http://schemas.microsoft.com/office/drawing/2014/main" id="{B761464F-3D5A-614D-93E8-02ACD7A158E7}"/>
-              </a:ext>
-            </a:extLst>
-          </p:cNvPr>
-          <p:cNvSpPr>
-            <a:spLocks/>
-          </p:cNvSpPr>
-          <p:nvPr/>
-        </p:nvSpPr>
-        <p:spPr bwMode="auto">
-          <a:xfrm>
-            <a:off x="2476285" y="933799"/>
-            <a:ext cx="7268015" cy="615553"/>
-          </a:xfrm>
-          <a:prstGeom prst="rect">
-            <a:avLst/>
-          </a:prstGeom>
-          <a:noFill/>
-          <a:ln>
-            <a:noFill/>
-          </a:ln>
-          <a:extLst>
-            <a:ext uri="{909E8E84-426E-40dd-AFC4-6F175D3DCCD1}">
-              <a14:hiddenFill xmlns="" xmlns:a14="http://schemas.microsoft.com/office/drawing/2010/main">
-                <a:solidFill>
-                  <a:srgbClr val="FFFFFF"/>
-                </a:solidFill>
-              </a14:hiddenFill>
-            </a:ext>
-            <a:ext uri="{91240B29-F687-4f45-9708-019B960494DF}">
-              <a14:hiddenLine xmlns="" xmlns:a14="http://schemas.microsoft.com/office/drawing/2010/main" w="12700">
-                <a:solidFill>
-                  <a:schemeClr val="tx1"/>
-                </a:solidFill>
-                <a:miter lim="800000"/>
-                <a:headEnd/>
-                <a:tailEnd/>
-              </a14:hiddenLine>
-            </a:ext>
-          </a:extLst>
-        </p:spPr>
-        <p:txBody>
-          <a:bodyPr wrap="none" lIns="0" tIns="0" rIns="0" bIns="0" anchor="ctr">
-            <a:spAutoFit/>
-          </a:bodyPr>
-          <a:lstStyle/>
-          <a:p>
-            <a:pPr algn="ctr"/>
-            <a:r>
-              <a:rPr lang="en-IN" sz="4000" b="1" spc="150" dirty="0">
-                <a:solidFill>
-                  <a:schemeClr val="accent1"/>
-                </a:solidFill>
-                <a:latin typeface="Oxygen" panose="02000503000000090004" pitchFamily="2" charset="77"/>
-                <a:ea typeface="Roboto" charset="0"/>
-                <a:cs typeface="Poppins" pitchFamily="2" charset="77"/>
-                <a:sym typeface="Bebas Neue" charset="0"/>
-              </a:rPr>
-              <a:t>WHAT ARE WE LEARNING??!</a:t>
-            </a:r>
-            <a:endParaRPr lang="en-US" sz="4000" b="1" spc="150" dirty="0">
-              <a:solidFill>
-                <a:schemeClr val="accent1"/>
-              </a:solidFill>
-              <a:latin typeface="Oxygen" panose="02000503000000090004" pitchFamily="2" charset="77"/>
-              <a:ea typeface="Roboto" charset="0"/>
-              <a:cs typeface="Poppins" pitchFamily="2" charset="77"/>
-              <a:sym typeface="Bebas Neue" charset="0"/>
-            </a:endParaRPr>
-          </a:p>
-        </p:txBody>
-      </p:sp>
-      <p:sp>
-        <p:nvSpPr>
-          <p:cNvPr id="5" name="Freeform: Shape 7696"/>
-          <p:cNvSpPr/>
-          <p:nvPr/>
-        </p:nvSpPr>
-        <p:spPr>
-          <a:xfrm rot="4800">
-            <a:off x="1840747" y="1853776"/>
-            <a:ext cx="2180965" cy="2183910"/>
-          </a:xfrm>
-          <a:custGeom>
-            <a:avLst/>
-            <a:gdLst/>
-            <a:ahLst/>
-            <a:cxnLst>
-              <a:cxn ang="3cd4">
-                <a:pos x="hc" y="t"/>
-              </a:cxn>
-              <a:cxn ang="cd2">
-                <a:pos x="l" y="vc"/>
-              </a:cxn>
-              <a:cxn ang="cd4">
-                <a:pos x="hc" y="b"/>
-              </a:cxn>
-              <a:cxn ang="0">
-                <a:pos x="r" y="vc"/>
-              </a:cxn>
-            </a:cxnLst>
-            <a:rect l="l" t="t" r="r" b="b"/>
-            <a:pathLst>
-              <a:path w="742" h="743">
-                <a:moveTo>
-                  <a:pt x="742" y="372"/>
-                </a:moveTo>
-                <a:cubicBezTo>
-                  <a:pt x="742" y="577"/>
-                  <a:pt x="576" y="743"/>
-                  <a:pt x="371" y="743"/>
-                </a:cubicBezTo>
-                <a:cubicBezTo>
-                  <a:pt x="166" y="743"/>
-                  <a:pt x="0" y="577"/>
-                  <a:pt x="0" y="372"/>
-                </a:cubicBezTo>
-                <a:cubicBezTo>
-                  <a:pt x="0" y="166"/>
-                  <a:pt x="166" y="0"/>
-                  <a:pt x="371" y="0"/>
-                </a:cubicBezTo>
-                <a:cubicBezTo>
-                  <a:pt x="576" y="0"/>
-                  <a:pt x="742" y="166"/>
-                  <a:pt x="742" y="372"/>
-                </a:cubicBezTo>
-                <a:close/>
-              </a:path>
-            </a:pathLst>
-          </a:custGeom>
-          <a:solidFill>
-            <a:schemeClr val="accent1"/>
-          </a:solidFill>
-          <a:ln cap="flat">
-            <a:noFill/>
-            <a:prstDash val="solid"/>
-          </a:ln>
-        </p:spPr>
-        <p:txBody>
-          <a:bodyPr vert="horz" wrap="none" lIns="45000" tIns="22500" rIns="45000" bIns="22500" anchor="ctr" anchorCtr="1" compatLnSpc="0"/>
-          <a:lstStyle/>
-          <a:p>
-            <a:pPr hangingPunct="0"/>
-            <a:endParaRPr lang="en-US" sz="900">
-              <a:latin typeface="Arial" pitchFamily="18"/>
-              <a:ea typeface="Arial Unicode MS" pitchFamily="2"/>
-              <a:cs typeface="Arial Unicode MS" pitchFamily="2"/>
-            </a:endParaRPr>
-          </a:p>
-        </p:txBody>
-      </p:sp>
-      <p:sp>
-        <p:nvSpPr>
-          <p:cNvPr id="6" name="Freeform: Shape 7697"/>
-          <p:cNvSpPr/>
-          <p:nvPr/>
-        </p:nvSpPr>
-        <p:spPr>
-          <a:xfrm rot="4800">
-            <a:off x="3448379" y="3424724"/>
-            <a:ext cx="2183908" cy="2183910"/>
-          </a:xfrm>
-          <a:custGeom>
-            <a:avLst/>
-            <a:gdLst/>
-            <a:ahLst/>
-            <a:cxnLst>
-              <a:cxn ang="3cd4">
-                <a:pos x="hc" y="t"/>
-              </a:cxn>
-              <a:cxn ang="cd2">
-                <a:pos x="l" y="vc"/>
-              </a:cxn>
-              <a:cxn ang="cd4">
-                <a:pos x="hc" y="b"/>
-              </a:cxn>
-              <a:cxn ang="0">
-                <a:pos x="r" y="vc"/>
-              </a:cxn>
-            </a:cxnLst>
-            <a:rect l="l" t="t" r="r" b="b"/>
-            <a:pathLst>
-              <a:path w="743" h="743">
-                <a:moveTo>
-                  <a:pt x="743" y="372"/>
-                </a:moveTo>
-                <a:cubicBezTo>
-                  <a:pt x="743" y="577"/>
-                  <a:pt x="576" y="743"/>
-                  <a:pt x="371" y="743"/>
-                </a:cubicBezTo>
-                <a:cubicBezTo>
-                  <a:pt x="166" y="743"/>
-                  <a:pt x="0" y="577"/>
-                  <a:pt x="0" y="372"/>
-                </a:cubicBezTo>
-                <a:cubicBezTo>
-                  <a:pt x="0" y="167"/>
-                  <a:pt x="166" y="0"/>
-                  <a:pt x="371" y="0"/>
-                </a:cubicBezTo>
-                <a:cubicBezTo>
-                  <a:pt x="576" y="0"/>
-                  <a:pt x="743" y="167"/>
-                  <a:pt x="743" y="372"/>
-                </a:cubicBezTo>
-                <a:close/>
-              </a:path>
-            </a:pathLst>
-          </a:custGeom>
-          <a:solidFill>
-            <a:schemeClr val="accent2"/>
-          </a:solidFill>
-          <a:ln cap="flat">
-            <a:noFill/>
-            <a:prstDash val="solid"/>
-          </a:ln>
-        </p:spPr>
-        <p:txBody>
-          <a:bodyPr vert="horz" wrap="none" lIns="45000" tIns="22500" rIns="45000" bIns="22500" anchor="ctr" anchorCtr="1" compatLnSpc="0"/>
-          <a:lstStyle/>
-          <a:p>
-            <a:pPr hangingPunct="0"/>
-            <a:endParaRPr lang="en-US" sz="900">
-              <a:latin typeface="Arial" pitchFamily="18"/>
-              <a:ea typeface="Arial Unicode MS" pitchFamily="2"/>
-              <a:cs typeface="Arial Unicode MS" pitchFamily="2"/>
-            </a:endParaRPr>
-          </a:p>
-        </p:txBody>
-      </p:sp>
-      <p:sp>
-        <p:nvSpPr>
-          <p:cNvPr id="7" name="Freeform: Shape 7698"/>
-          <p:cNvSpPr/>
-          <p:nvPr/>
-        </p:nvSpPr>
-        <p:spPr>
-          <a:xfrm rot="4800">
-            <a:off x="5030977" y="1849402"/>
-            <a:ext cx="2183908" cy="2183910"/>
-          </a:xfrm>
-          <a:custGeom>
-            <a:avLst/>
-            <a:gdLst/>
-            <a:ahLst/>
-            <a:cxnLst>
-              <a:cxn ang="3cd4">
-                <a:pos x="hc" y="t"/>
-              </a:cxn>
-              <a:cxn ang="cd2">
-                <a:pos x="l" y="vc"/>
-              </a:cxn>
-              <a:cxn ang="cd4">
-                <a:pos x="hc" y="b"/>
-              </a:cxn>
-              <a:cxn ang="0">
-                <a:pos x="r" y="vc"/>
-              </a:cxn>
-            </a:cxnLst>
-            <a:rect l="l" t="t" r="r" b="b"/>
-            <a:pathLst>
-              <a:path w="743" h="743">
-                <a:moveTo>
-                  <a:pt x="743" y="371"/>
-                </a:moveTo>
-                <a:cubicBezTo>
-                  <a:pt x="743" y="576"/>
-                  <a:pt x="576" y="743"/>
-                  <a:pt x="371" y="743"/>
-                </a:cubicBezTo>
-                <a:cubicBezTo>
-                  <a:pt x="166" y="743"/>
-                  <a:pt x="0" y="576"/>
-                  <a:pt x="0" y="371"/>
-                </a:cubicBezTo>
-                <a:cubicBezTo>
-                  <a:pt x="0" y="166"/>
-                  <a:pt x="166" y="0"/>
-                  <a:pt x="371" y="0"/>
-                </a:cubicBezTo>
-                <a:cubicBezTo>
-                  <a:pt x="576" y="0"/>
-                  <a:pt x="743" y="166"/>
-                  <a:pt x="743" y="371"/>
-                </a:cubicBezTo>
-                <a:close/>
-              </a:path>
-            </a:pathLst>
-          </a:custGeom>
-          <a:solidFill>
-            <a:schemeClr val="accent3"/>
-          </a:solidFill>
-          <a:ln cap="flat">
-            <a:noFill/>
-            <a:prstDash val="solid"/>
-          </a:ln>
-        </p:spPr>
-        <p:txBody>
-          <a:bodyPr vert="horz" wrap="none" lIns="45000" tIns="22500" rIns="45000" bIns="22500" anchor="ctr" anchorCtr="1" compatLnSpc="0"/>
-          <a:lstStyle/>
-          <a:p>
-            <a:pPr hangingPunct="0"/>
-            <a:endParaRPr lang="en-US" sz="900">
-              <a:latin typeface="Arial" pitchFamily="18"/>
-              <a:ea typeface="Arial Unicode MS" pitchFamily="2"/>
-              <a:cs typeface="Arial Unicode MS" pitchFamily="2"/>
-            </a:endParaRPr>
-          </a:p>
-        </p:txBody>
-      </p:sp>
-      <p:sp>
-        <p:nvSpPr>
-          <p:cNvPr id="8" name="Freeform: Shape 7699"/>
-          <p:cNvSpPr/>
-          <p:nvPr/>
-        </p:nvSpPr>
-        <p:spPr>
-          <a:xfrm rot="4800">
-            <a:off x="6606241" y="3420310"/>
-            <a:ext cx="2183908" cy="2183910"/>
-          </a:xfrm>
-          <a:custGeom>
-            <a:avLst/>
-            <a:gdLst/>
-            <a:ahLst/>
-            <a:cxnLst>
-              <a:cxn ang="3cd4">
-                <a:pos x="hc" y="t"/>
-              </a:cxn>
-              <a:cxn ang="cd2">
-                <a:pos x="l" y="vc"/>
-              </a:cxn>
-              <a:cxn ang="cd4">
-                <a:pos x="hc" y="b"/>
-              </a:cxn>
-              <a:cxn ang="0">
-                <a:pos x="r" y="vc"/>
-              </a:cxn>
-            </a:cxnLst>
-            <a:rect l="l" t="t" r="r" b="b"/>
-            <a:pathLst>
-              <a:path w="743" h="743">
-                <a:moveTo>
-                  <a:pt x="743" y="371"/>
-                </a:moveTo>
-                <a:cubicBezTo>
-                  <a:pt x="743" y="576"/>
-                  <a:pt x="577" y="743"/>
-                  <a:pt x="372" y="743"/>
-                </a:cubicBezTo>
-                <a:cubicBezTo>
-                  <a:pt x="166" y="743"/>
-                  <a:pt x="0" y="576"/>
-                  <a:pt x="0" y="371"/>
-                </a:cubicBezTo>
-                <a:cubicBezTo>
-                  <a:pt x="0" y="166"/>
-                  <a:pt x="166" y="0"/>
-                  <a:pt x="372" y="0"/>
-                </a:cubicBezTo>
-                <a:cubicBezTo>
-                  <a:pt x="577" y="0"/>
-                  <a:pt x="743" y="166"/>
-                  <a:pt x="743" y="371"/>
-                </a:cubicBezTo>
-                <a:close/>
-              </a:path>
-            </a:pathLst>
-          </a:custGeom>
-          <a:solidFill>
-            <a:schemeClr val="accent4"/>
-          </a:solidFill>
-          <a:ln cap="flat">
-            <a:noFill/>
-            <a:prstDash val="solid"/>
-          </a:ln>
-        </p:spPr>
-        <p:txBody>
-          <a:bodyPr vert="horz" wrap="none" lIns="45000" tIns="22500" rIns="45000" bIns="22500" anchor="ctr" anchorCtr="1" compatLnSpc="0"/>
-          <a:lstStyle/>
-          <a:p>
-            <a:pPr hangingPunct="0"/>
-            <a:endParaRPr lang="en-US" sz="900">
-              <a:latin typeface="Arial" pitchFamily="18"/>
-              <a:ea typeface="Arial Unicode MS" pitchFamily="2"/>
-              <a:cs typeface="Arial Unicode MS" pitchFamily="2"/>
-            </a:endParaRPr>
-          </a:p>
-        </p:txBody>
-      </p:sp>
-      <p:sp>
-        <p:nvSpPr>
-          <p:cNvPr id="9" name="Freeform: Shape 7700"/>
-          <p:cNvSpPr/>
-          <p:nvPr/>
-        </p:nvSpPr>
-        <p:spPr>
-          <a:xfrm rot="4800">
-            <a:off x="8188839" y="1842036"/>
-            <a:ext cx="2183908" cy="2183910"/>
-          </a:xfrm>
-          <a:custGeom>
-            <a:avLst/>
-            <a:gdLst/>
-            <a:ahLst/>
-            <a:cxnLst>
-              <a:cxn ang="3cd4">
-                <a:pos x="hc" y="t"/>
-              </a:cxn>
-              <a:cxn ang="cd2">
-                <a:pos x="l" y="vc"/>
-              </a:cxn>
-              <a:cxn ang="cd4">
-                <a:pos x="hc" y="b"/>
-              </a:cxn>
-              <a:cxn ang="0">
-                <a:pos x="r" y="vc"/>
-              </a:cxn>
-            </a:cxnLst>
-            <a:rect l="l" t="t" r="r" b="b"/>
-            <a:pathLst>
-              <a:path w="743" h="743">
-                <a:moveTo>
-                  <a:pt x="743" y="371"/>
-                </a:moveTo>
-                <a:cubicBezTo>
-                  <a:pt x="743" y="577"/>
-                  <a:pt x="576" y="743"/>
-                  <a:pt x="371" y="743"/>
-                </a:cubicBezTo>
-                <a:cubicBezTo>
-                  <a:pt x="166" y="743"/>
-                  <a:pt x="0" y="577"/>
-                  <a:pt x="0" y="371"/>
-                </a:cubicBezTo>
-                <a:cubicBezTo>
-                  <a:pt x="0" y="166"/>
-                  <a:pt x="166" y="0"/>
-                  <a:pt x="371" y="0"/>
-                </a:cubicBezTo>
-                <a:cubicBezTo>
-                  <a:pt x="576" y="0"/>
-                  <a:pt x="743" y="166"/>
-                  <a:pt x="743" y="371"/>
-                </a:cubicBezTo>
-                <a:close/>
-              </a:path>
-            </a:pathLst>
-          </a:custGeom>
-          <a:solidFill>
-            <a:schemeClr val="accent5"/>
-          </a:solidFill>
-          <a:ln cap="flat">
-            <a:noFill/>
-            <a:prstDash val="solid"/>
-          </a:ln>
-        </p:spPr>
-        <p:txBody>
-          <a:bodyPr vert="horz" wrap="none" lIns="45000" tIns="22500" rIns="45000" bIns="22500" anchor="ctr" anchorCtr="1" compatLnSpc="0"/>
-          <a:lstStyle/>
-          <a:p>
-            <a:pPr hangingPunct="0"/>
-            <a:endParaRPr lang="en-US" sz="900">
-              <a:latin typeface="Arial" pitchFamily="18"/>
-              <a:ea typeface="Arial Unicode MS" pitchFamily="2"/>
-              <a:cs typeface="Arial Unicode MS" pitchFamily="2"/>
-            </a:endParaRPr>
-          </a:p>
-        </p:txBody>
-      </p:sp>
-      <p:sp>
-        <p:nvSpPr>
-          <p:cNvPr id="230" name="TextBox 229"/>
-          <p:cNvSpPr txBox="1"/>
-          <p:nvPr/>
-        </p:nvSpPr>
-        <p:spPr>
-          <a:xfrm flipH="1">
-            <a:off x="2323718" y="3242516"/>
-            <a:ext cx="1164507" cy="359907"/>
-          </a:xfrm>
-          <a:prstGeom prst="rect">
-            <a:avLst/>
-          </a:prstGeom>
-          <a:noFill/>
-        </p:spPr>
-        <p:txBody>
-          <a:bodyPr wrap="square" rtlCol="0">
-            <a:spAutoFit/>
-          </a:bodyPr>
-          <a:lstStyle/>
-          <a:p>
-            <a:pPr algn="ctr">
-              <a:lnSpc>
-                <a:spcPct val="120000"/>
-              </a:lnSpc>
-            </a:pPr>
-            <a:r>
-              <a:rPr lang="en-IN" sz="1600" dirty="0">
-                <a:solidFill>
-                  <a:schemeClr val="bg1"/>
-                </a:solidFill>
-                <a:latin typeface="Oxygen" panose="02000503000000090004" pitchFamily="2" charset="77"/>
-                <a:ea typeface="Lato" panose="020F0502020204030203" pitchFamily="34" charset="0"/>
-                <a:cs typeface="Lato" panose="020F0502020204030203" pitchFamily="34" charset="0"/>
-              </a:rPr>
-              <a:t>i.e JAVA</a:t>
-            </a:r>
-            <a:endParaRPr lang="en-US" sz="1600" dirty="0">
-              <a:solidFill>
-                <a:schemeClr val="bg1"/>
-              </a:solidFill>
-              <a:latin typeface="Oxygen" panose="02000503000000090004" pitchFamily="2" charset="77"/>
-              <a:ea typeface="Lato" panose="020F0502020204030203" pitchFamily="34" charset="0"/>
-              <a:cs typeface="Lato" panose="020F0502020204030203" pitchFamily="34" charset="0"/>
-            </a:endParaRPr>
-          </a:p>
-        </p:txBody>
-      </p:sp>
-      <p:sp>
-        <p:nvSpPr>
-          <p:cNvPr id="231" name="TextBox 230"/>
-          <p:cNvSpPr txBox="1"/>
-          <p:nvPr/>
-        </p:nvSpPr>
-        <p:spPr>
-          <a:xfrm>
-            <a:off x="1934457" y="2637197"/>
-            <a:ext cx="2045253" cy="677108"/>
-          </a:xfrm>
-          <a:prstGeom prst="rect">
-            <a:avLst/>
-          </a:prstGeom>
-          <a:noFill/>
-        </p:spPr>
-        <p:txBody>
-          <a:bodyPr wrap="square" rtlCol="0">
-            <a:spAutoFit/>
-          </a:bodyPr>
-          <a:lstStyle/>
-          <a:p>
-            <a:pPr algn="ctr"/>
-            <a:r>
-              <a:rPr lang="en-IN" sz="1900" b="1" dirty="0">
-                <a:solidFill>
-                  <a:schemeClr val="bg1"/>
-                </a:solidFill>
-                <a:latin typeface="Oxygen" panose="02000503000000090004" pitchFamily="2" charset="77"/>
-                <a:ea typeface="Roboto" charset="0"/>
-                <a:cs typeface="Poppins" pitchFamily="2" charset="77"/>
-              </a:rPr>
-              <a:t>PROGRAMMING LANGUAGE</a:t>
-            </a:r>
-            <a:endParaRPr lang="en-US" sz="1900" b="1" dirty="0">
-              <a:solidFill>
-                <a:schemeClr val="bg1"/>
-              </a:solidFill>
-              <a:latin typeface="Oxygen" panose="02000503000000090004" pitchFamily="2" charset="77"/>
-              <a:ea typeface="Roboto" charset="0"/>
-              <a:cs typeface="Poppins" pitchFamily="2" charset="77"/>
-            </a:endParaRPr>
-          </a:p>
-        </p:txBody>
-      </p:sp>
-      <p:sp>
-        <p:nvSpPr>
-          <p:cNvPr id="42" name="TextBox 41">
-            <a:extLst>
-              <a:ext uri="{FF2B5EF4-FFF2-40B4-BE49-F238E27FC236}">
-                <a16:creationId xmlns:a16="http://schemas.microsoft.com/office/drawing/2014/main" id="{A087615B-C6ED-3A44-9158-89E289E8ADF4}"/>
-              </a:ext>
-            </a:extLst>
-          </p:cNvPr>
-          <p:cNvSpPr txBox="1"/>
-          <p:nvPr/>
-        </p:nvSpPr>
-        <p:spPr>
-          <a:xfrm>
-            <a:off x="3908932" y="4200079"/>
-            <a:ext cx="1285385" cy="677108"/>
-          </a:xfrm>
-          <a:prstGeom prst="rect">
-            <a:avLst/>
-          </a:prstGeom>
-          <a:noFill/>
-        </p:spPr>
-        <p:txBody>
-          <a:bodyPr wrap="square" rtlCol="0">
-            <a:spAutoFit/>
-          </a:bodyPr>
-          <a:lstStyle/>
-          <a:p>
-            <a:pPr algn="ctr"/>
-            <a:r>
-              <a:rPr lang="en-IN" sz="1900" b="1" dirty="0">
-                <a:solidFill>
-                  <a:schemeClr val="bg1"/>
-                </a:solidFill>
-                <a:latin typeface="Oxygen" panose="02000503000000090004" pitchFamily="2" charset="77"/>
-                <a:ea typeface="Roboto" charset="0"/>
-                <a:cs typeface="Poppins" pitchFamily="2" charset="77"/>
-              </a:rPr>
-              <a:t>TEAM WORK</a:t>
-            </a:r>
-            <a:endParaRPr lang="en-US" sz="1900" b="1" dirty="0">
-              <a:solidFill>
-                <a:schemeClr val="bg1"/>
-              </a:solidFill>
-              <a:latin typeface="Oxygen" panose="02000503000000090004" pitchFamily="2" charset="77"/>
-              <a:ea typeface="Roboto" charset="0"/>
-              <a:cs typeface="Poppins" pitchFamily="2" charset="77"/>
-            </a:endParaRPr>
-          </a:p>
-        </p:txBody>
-      </p:sp>
-      <p:sp>
-        <p:nvSpPr>
-          <p:cNvPr id="44" name="TextBox 43">
-            <a:extLst>
-              <a:ext uri="{FF2B5EF4-FFF2-40B4-BE49-F238E27FC236}">
-                <a16:creationId xmlns:a16="http://schemas.microsoft.com/office/drawing/2014/main" id="{E58D1C06-0F3A-2D46-A2FC-699D28160C96}"/>
-              </a:ext>
-            </a:extLst>
-          </p:cNvPr>
-          <p:cNvSpPr txBox="1"/>
-          <p:nvPr/>
-        </p:nvSpPr>
-        <p:spPr>
-          <a:xfrm>
-            <a:off x="4871331" y="2684773"/>
-            <a:ext cx="2505939" cy="677108"/>
-          </a:xfrm>
-          <a:prstGeom prst="rect">
-            <a:avLst/>
-          </a:prstGeom>
-          <a:noFill/>
-        </p:spPr>
-        <p:txBody>
-          <a:bodyPr wrap="square" rtlCol="0">
-            <a:spAutoFit/>
-          </a:bodyPr>
-          <a:lstStyle/>
-          <a:p>
-            <a:pPr algn="ctr"/>
-            <a:r>
-              <a:rPr lang="en-IN" sz="1900" b="1" dirty="0">
-                <a:solidFill>
-                  <a:schemeClr val="bg1"/>
-                </a:solidFill>
-                <a:latin typeface="Oxygen" panose="02000503000000090004" pitchFamily="2" charset="77"/>
-                <a:ea typeface="Roboto" charset="0"/>
-                <a:cs typeface="Poppins" pitchFamily="2" charset="77"/>
-              </a:rPr>
-              <a:t>COMMUNICATION SKILLS</a:t>
-            </a:r>
-            <a:endParaRPr lang="en-US" sz="1900" b="1" dirty="0">
-              <a:solidFill>
-                <a:schemeClr val="bg1"/>
-              </a:solidFill>
-              <a:latin typeface="Oxygen" panose="02000503000000090004" pitchFamily="2" charset="77"/>
-              <a:ea typeface="Roboto" charset="0"/>
-              <a:cs typeface="Poppins" pitchFamily="2" charset="77"/>
-            </a:endParaRPr>
-          </a:p>
-        </p:txBody>
-      </p:sp>
-      <p:sp>
-        <p:nvSpPr>
-          <p:cNvPr id="46" name="TextBox 45">
-            <a:extLst>
-              <a:ext uri="{FF2B5EF4-FFF2-40B4-BE49-F238E27FC236}">
-                <a16:creationId xmlns:a16="http://schemas.microsoft.com/office/drawing/2014/main" id="{2314EF98-39E8-6C4A-9072-881E2DE3A773}"/>
-              </a:ext>
-            </a:extLst>
-          </p:cNvPr>
-          <p:cNvSpPr txBox="1"/>
-          <p:nvPr/>
-        </p:nvSpPr>
-        <p:spPr>
-          <a:xfrm>
-            <a:off x="6476974" y="4198201"/>
-            <a:ext cx="2442442" cy="677108"/>
-          </a:xfrm>
-          <a:prstGeom prst="rect">
-            <a:avLst/>
-          </a:prstGeom>
-          <a:noFill/>
-        </p:spPr>
-        <p:txBody>
-          <a:bodyPr wrap="square" rtlCol="0">
-            <a:spAutoFit/>
-          </a:bodyPr>
-          <a:lstStyle/>
-          <a:p>
-            <a:pPr algn="ctr"/>
-            <a:r>
-              <a:rPr lang="en-IN" sz="1900" b="1" dirty="0">
-                <a:solidFill>
-                  <a:schemeClr val="bg1"/>
-                </a:solidFill>
-                <a:latin typeface="Oxygen" panose="02000503000000090004" pitchFamily="2" charset="77"/>
-                <a:ea typeface="Roboto" charset="0"/>
-                <a:cs typeface="Poppins" pitchFamily="2" charset="77"/>
-              </a:rPr>
-              <a:t>PRESENTATION SKILLS</a:t>
-            </a:r>
-            <a:endParaRPr lang="en-US" sz="1900" b="1" dirty="0">
-              <a:solidFill>
-                <a:schemeClr val="bg1"/>
-              </a:solidFill>
-              <a:latin typeface="Oxygen" panose="02000503000000090004" pitchFamily="2" charset="77"/>
-              <a:ea typeface="Roboto" charset="0"/>
-              <a:cs typeface="Poppins" pitchFamily="2" charset="77"/>
-            </a:endParaRPr>
-          </a:p>
-        </p:txBody>
-      </p:sp>
-      <p:sp>
-        <p:nvSpPr>
-          <p:cNvPr id="48" name="TextBox 47">
-            <a:extLst>
-              <a:ext uri="{FF2B5EF4-FFF2-40B4-BE49-F238E27FC236}">
-                <a16:creationId xmlns:a16="http://schemas.microsoft.com/office/drawing/2014/main" id="{ED3163F3-67ED-D149-AFFD-6EA92D12A8A9}"/>
-              </a:ext>
-            </a:extLst>
-          </p:cNvPr>
-          <p:cNvSpPr txBox="1"/>
-          <p:nvPr/>
-        </p:nvSpPr>
-        <p:spPr>
-          <a:xfrm>
-            <a:off x="8208630" y="2647773"/>
-            <a:ext cx="2165641" cy="677108"/>
-          </a:xfrm>
-          <a:prstGeom prst="rect">
-            <a:avLst/>
-          </a:prstGeom>
-          <a:noFill/>
-        </p:spPr>
-        <p:txBody>
-          <a:bodyPr wrap="square" rtlCol="0">
-            <a:spAutoFit/>
-          </a:bodyPr>
-          <a:lstStyle/>
-          <a:p>
-            <a:pPr algn="ctr"/>
-            <a:r>
-              <a:rPr lang="en-IN" sz="1900" b="1" dirty="0">
-                <a:solidFill>
-                  <a:schemeClr val="bg1"/>
-                </a:solidFill>
-                <a:latin typeface="Oxygen" panose="02000503000000090004" pitchFamily="2" charset="77"/>
-                <a:ea typeface="Roboto" charset="0"/>
-                <a:cs typeface="Poppins" pitchFamily="2" charset="77"/>
-              </a:rPr>
-              <a:t>TIME MANAGEMENT </a:t>
-            </a:r>
-            <a:endParaRPr lang="en-US" sz="1900" b="1" dirty="0">
-              <a:solidFill>
-                <a:schemeClr val="bg1"/>
-              </a:solidFill>
-              <a:latin typeface="Oxygen" panose="02000503000000090004" pitchFamily="2" charset="77"/>
-              <a:ea typeface="Roboto" charset="0"/>
-              <a:cs typeface="Poppins" pitchFamily="2" charset="77"/>
-            </a:endParaRPr>
-          </a:p>
-        </p:txBody>
-      </p:sp>
-    </p:spTree>
-    <p:extLst>
-      <p:ext uri="{BB962C8B-B14F-4D97-AF65-F5344CB8AC3E}">
-        <p14:creationId xmlns:p14="http://schemas.microsoft.com/office/powerpoint/2010/main" val="3044473799"/>
-      </p:ext>
-    </p:extLst>
-  </p:cSld>
-  <p:clrMapOvr>
-    <a:masterClrMapping/>
-  </p:clrMapOvr>
-  <mc:AlternateContent xmlns:mc="http://schemas.openxmlformats.org/markup-compatibility/2006" xmlns:p14="http://schemas.microsoft.com/office/powerpoint/2010/main">
-    <mc:Choice Requires="p14">
-      <p:transition p14:dur="0" advClick="0"/>
-    </mc:Choice>
-    <mc:Fallback xmlns="">
-      <p:transition advClick="0"/>
-    </mc:Fallback>
-  </mc:AlternateContent>
 </p:sld>
 </file>
 

--- a/Presentation.pptx
+++ b/Presentation.pptx
@@ -9053,7 +9053,7 @@
           <a:p>
             <a:fld id="{6D16321A-CE27-1C42-A989-E345C30D693A}" type="datetimeFigureOut">
               <a:rPr lang="en-US" smtClean="0"/>
-              <a:t>10/3/2022</a:t>
+              <a:t>10/8/2022</a:t>
             </a:fld>
             <a:endParaRPr lang="en-US"/>
           </a:p>
@@ -10595,7 +10595,7 @@
           <a:p>
             <a:fld id="{DA0E843B-100A-3141-A390-74A093F2D2C8}" type="datetimeFigureOut">
               <a:rPr lang="en-US" smtClean="0"/>
-              <a:t>10/3/2022</a:t>
+              <a:t>10/8/2022</a:t>
             </a:fld>
             <a:endParaRPr lang="en-US"/>
           </a:p>
@@ -10795,7 +10795,7 @@
           <a:p>
             <a:fld id="{DA0E843B-100A-3141-A390-74A093F2D2C8}" type="datetimeFigureOut">
               <a:rPr lang="en-US" smtClean="0"/>
-              <a:t>10/3/2022</a:t>
+              <a:t>10/8/2022</a:t>
             </a:fld>
             <a:endParaRPr lang="en-US"/>
           </a:p>
@@ -11005,7 +11005,7 @@
           <a:p>
             <a:fld id="{DA0E843B-100A-3141-A390-74A093F2D2C8}" type="datetimeFigureOut">
               <a:rPr lang="en-US" smtClean="0"/>
-              <a:t>10/3/2022</a:t>
+              <a:t>10/8/2022</a:t>
             </a:fld>
             <a:endParaRPr lang="en-US"/>
           </a:p>
@@ -11418,7 +11418,7 @@
           <a:p>
             <a:fld id="{DA0E843B-100A-3141-A390-74A093F2D2C8}" type="datetimeFigureOut">
               <a:rPr lang="en-US" smtClean="0"/>
-              <a:t>10/3/2022</a:t>
+              <a:t>10/8/2022</a:t>
             </a:fld>
             <a:endParaRPr lang="en-US"/>
           </a:p>
@@ -11694,7 +11694,7 @@
           <a:p>
             <a:fld id="{DA0E843B-100A-3141-A390-74A093F2D2C8}" type="datetimeFigureOut">
               <a:rPr lang="en-US" smtClean="0"/>
-              <a:t>10/3/2022</a:t>
+              <a:t>10/8/2022</a:t>
             </a:fld>
             <a:endParaRPr lang="en-US"/>
           </a:p>
@@ -11962,7 +11962,7 @@
           <a:p>
             <a:fld id="{DA0E843B-100A-3141-A390-74A093F2D2C8}" type="datetimeFigureOut">
               <a:rPr lang="en-US" smtClean="0"/>
-              <a:t>10/3/2022</a:t>
+              <a:t>10/8/2022</a:t>
             </a:fld>
             <a:endParaRPr lang="en-US"/>
           </a:p>
@@ -12377,7 +12377,7 @@
           <a:p>
             <a:fld id="{DA0E843B-100A-3141-A390-74A093F2D2C8}" type="datetimeFigureOut">
               <a:rPr lang="en-US" smtClean="0"/>
-              <a:t>10/3/2022</a:t>
+              <a:t>10/8/2022</a:t>
             </a:fld>
             <a:endParaRPr lang="en-US"/>
           </a:p>
@@ -12519,7 +12519,7 @@
           <a:p>
             <a:fld id="{DA0E843B-100A-3141-A390-74A093F2D2C8}" type="datetimeFigureOut">
               <a:rPr lang="en-US" smtClean="0"/>
-              <a:t>10/3/2022</a:t>
+              <a:t>10/8/2022</a:t>
             </a:fld>
             <a:endParaRPr lang="en-US"/>
           </a:p>
@@ -12632,7 +12632,7 @@
           <a:p>
             <a:fld id="{DA0E843B-100A-3141-A390-74A093F2D2C8}" type="datetimeFigureOut">
               <a:rPr lang="en-US" smtClean="0"/>
-              <a:t>10/3/2022</a:t>
+              <a:t>10/8/2022</a:t>
             </a:fld>
             <a:endParaRPr lang="en-US"/>
           </a:p>
@@ -12945,7 +12945,7 @@
           <a:p>
             <a:fld id="{DA0E843B-100A-3141-A390-74A093F2D2C8}" type="datetimeFigureOut">
               <a:rPr lang="en-US" smtClean="0"/>
-              <a:t>10/3/2022</a:t>
+              <a:t>10/8/2022</a:t>
             </a:fld>
             <a:endParaRPr lang="en-US"/>
           </a:p>
@@ -13234,7 +13234,7 @@
           <a:p>
             <a:fld id="{DA0E843B-100A-3141-A390-74A093F2D2C8}" type="datetimeFigureOut">
               <a:rPr lang="en-US" smtClean="0"/>
-              <a:t>10/3/2022</a:t>
+              <a:t>10/8/2022</a:t>
             </a:fld>
             <a:endParaRPr lang="en-US"/>
           </a:p>
@@ -13477,7 +13477,7 @@
           <a:p>
             <a:fld id="{DA0E843B-100A-3141-A390-74A093F2D2C8}" type="datetimeFigureOut">
               <a:rPr lang="en-US" smtClean="0"/>
-              <a:t>10/3/2022</a:t>
+              <a:t>10/8/2022</a:t>
             </a:fld>
             <a:endParaRPr lang="en-US"/>
           </a:p>
@@ -17117,14 +17117,14 @@
           </a:ln>
           <a:extLst>
             <a:ext uri="{909E8E84-426E-40dd-AFC4-6F175D3DCCD1}">
-              <a14:hiddenFill xmlns="" xmlns:a14="http://schemas.microsoft.com/office/drawing/2010/main">
+              <a14:hiddenFill xmlns:a14="http://schemas.microsoft.com/office/drawing/2010/main" xmlns="">
                 <a:solidFill>
                   <a:srgbClr val="FFFFFF"/>
                 </a:solidFill>
               </a14:hiddenFill>
             </a:ext>
             <a:ext uri="{91240B29-F687-4f45-9708-019B960494DF}">
-              <a14:hiddenLine xmlns="" xmlns:a14="http://schemas.microsoft.com/office/drawing/2010/main" w="12700">
+              <a14:hiddenLine xmlns:a14="http://schemas.microsoft.com/office/drawing/2010/main" xmlns="" w="12700">
                 <a:solidFill>
                   <a:schemeClr val="tx1"/>
                 </a:solidFill>
@@ -17471,14 +17471,14 @@
           </a:ln>
           <a:extLst>
             <a:ext uri="{909E8E84-426E-40dd-AFC4-6F175D3DCCD1}">
-              <a14:hiddenFill xmlns:a14="http://schemas.microsoft.com/office/drawing/2010/main" xmlns="">
+              <a14:hiddenFill xmlns="" xmlns:a14="http://schemas.microsoft.com/office/drawing/2010/main">
                 <a:solidFill>
                   <a:srgbClr val="FFFFFF"/>
                 </a:solidFill>
               </a14:hiddenFill>
             </a:ext>
             <a:ext uri="{91240B29-F687-4f45-9708-019B960494DF}">
-              <a14:hiddenLine xmlns:a14="http://schemas.microsoft.com/office/drawing/2010/main" xmlns="" w="12700">
+              <a14:hiddenLine xmlns="" xmlns:a14="http://schemas.microsoft.com/office/drawing/2010/main" w="12700">
                 <a:solidFill>
                   <a:schemeClr val="tx1"/>
                 </a:solidFill>
@@ -17681,14 +17681,14 @@
           </a:ln>
           <a:extLst>
             <a:ext uri="{909E8E84-426E-40dd-AFC4-6F175D3DCCD1}">
-              <a14:hiddenFill xmlns:a14="http://schemas.microsoft.com/office/drawing/2010/main" xmlns="">
+              <a14:hiddenFill xmlns="" xmlns:a14="http://schemas.microsoft.com/office/drawing/2010/main">
                 <a:solidFill>
                   <a:srgbClr val="FFFFFF"/>
                 </a:solidFill>
               </a14:hiddenFill>
             </a:ext>
             <a:ext uri="{91240B29-F687-4f45-9708-019B960494DF}">
-              <a14:hiddenLine xmlns:a14="http://schemas.microsoft.com/office/drawing/2010/main" xmlns="" w="12700">
+              <a14:hiddenLine xmlns="" xmlns:a14="http://schemas.microsoft.com/office/drawing/2010/main" w="12700">
                 <a:solidFill>
                   <a:schemeClr val="tx1"/>
                 </a:solidFill>
@@ -21230,14 +21230,14 @@
           </a:ln>
           <a:extLst>
             <a:ext uri="{909E8E84-426E-40dd-AFC4-6F175D3DCCD1}">
-              <a14:hiddenFill xmlns="" xmlns:a14="http://schemas.microsoft.com/office/drawing/2010/main">
+              <a14:hiddenFill xmlns:a14="http://schemas.microsoft.com/office/drawing/2010/main" xmlns="">
                 <a:solidFill>
                   <a:srgbClr val="FFFFFF"/>
                 </a:solidFill>
               </a14:hiddenFill>
             </a:ext>
             <a:ext uri="{91240B29-F687-4f45-9708-019B960494DF}">
-              <a14:hiddenLine xmlns="" xmlns:a14="http://schemas.microsoft.com/office/drawing/2010/main" w="12700">
+              <a14:hiddenLine xmlns:a14="http://schemas.microsoft.com/office/drawing/2010/main" xmlns="" w="12700">
                 <a:solidFill>
                   <a:schemeClr val="tx1"/>
                 </a:solidFill>
@@ -21426,14 +21426,33 @@
               <a:rPr lang="en-IN" sz="2800" dirty="0">
                 <a:latin typeface="Oxygen" panose="02000503000000000000" pitchFamily="2" charset="77"/>
               </a:rPr>
-              <a:t>have made it a menu driven program wherein we made </a:t>
+              <a:t>have made it a menu driven program wherein we </a:t>
+            </a:r>
+            <a:r>
+              <a:rPr lang="en-IN" sz="2800">
+                <a:latin typeface="Oxygen" panose="02000503000000000000" pitchFamily="2" charset="77"/>
+              </a:rPr>
+              <a:t>made </a:t>
+            </a:r>
+            <a:r>
+              <a:rPr lang="en-IN" sz="2800" dirty="0">
+                <a:latin typeface="Oxygen" panose="02000503000000000000" pitchFamily="2" charset="77"/>
+              </a:rPr>
+              <a:t>5</a:t>
+            </a:r>
+            <a:r>
+              <a:rPr lang="en-IN" sz="2800" i="0">
+                <a:effectLst/>
+                <a:latin typeface="Oxygen" panose="02000503000000000000" pitchFamily="2" charset="77"/>
+              </a:rPr>
+              <a:t> </a:t>
             </a:r>
             <a:r>
               <a:rPr lang="en-IN" sz="2800" i="0" dirty="0">
                 <a:effectLst/>
                 <a:latin typeface="Oxygen" panose="02000503000000000000" pitchFamily="2" charset="77"/>
               </a:rPr>
-              <a:t>5 different files consisting of the main class file and the rest of the four operation classes file that consist of the four operations as mentioned before i.e. </a:t>
+              <a:t>different files consisting of the main class file and the rest of the four operation classes file that consist of the four operations as mentioned before i.e. </a:t>
             </a:r>
           </a:p>
           <a:p>
